--- a/其它提交/Vue-router.pptx
+++ b/其它提交/Vue-router.pptx
@@ -43,13 +43,12 @@
     <p:sldId id="293" r:id="rId37"/>
     <p:sldId id="294" r:id="rId38"/>
     <p:sldId id="295" r:id="rId39"/>
-    <p:sldId id="296" r:id="rId40"/>
-    <p:sldId id="297" r:id="rId41"/>
-    <p:sldId id="298" r:id="rId42"/>
-    <p:sldId id="299" r:id="rId43"/>
-    <p:sldId id="300" r:id="rId44"/>
-    <p:sldId id="301" r:id="rId45"/>
-    <p:sldId id="302" r:id="rId46"/>
+    <p:sldId id="297" r:id="rId40"/>
+    <p:sldId id="298" r:id="rId41"/>
+    <p:sldId id="299" r:id="rId42"/>
+    <p:sldId id="300" r:id="rId43"/>
+    <p:sldId id="301" r:id="rId44"/>
+    <p:sldId id="302" r:id="rId45"/>
   </p:sldIdLst>
   <p:sldSz cx="12192000" cy="6858000"/>
   <p:notesSz cx="6858000" cy="9144000"/>
@@ -223,7 +222,6 @@
             <p14:sldId id="293"/>
             <p14:sldId id="294"/>
             <p14:sldId id="295"/>
-            <p14:sldId id="296"/>
             <p14:sldId id="297"/>
             <p14:sldId id="298"/>
           </p14:sldIdLst>
@@ -5267,7 +5265,7 @@
         </p:nvSpPr>
         <p:spPr>
           <a:xfrm>
-            <a:off x="-158643" y="2186693"/>
+            <a:off x="713812" y="2069247"/>
             <a:ext cx="8627435" cy="923330"/>
           </a:xfrm>
           <a:prstGeom prst="rect">
@@ -5752,8 +5750,8 @@
         </p:blipFill>
         <p:spPr>
           <a:xfrm>
-            <a:off x="1065960" y="3856953"/>
-            <a:ext cx="5972175" cy="4286250"/>
+            <a:off x="2886921" y="3773692"/>
+            <a:ext cx="3935586" cy="2824583"/>
           </a:xfrm>
           <a:prstGeom prst="rect">
             <a:avLst/>
@@ -6130,8 +6128,8 @@
         </p:blipFill>
         <p:spPr>
           <a:xfrm>
-            <a:off x="321523" y="1630658"/>
-            <a:ext cx="7572375" cy="5553075"/>
+            <a:off x="3212983" y="1596863"/>
+            <a:ext cx="6820107" cy="5001412"/>
           </a:xfrm>
           <a:prstGeom prst="rect">
             <a:avLst/>
@@ -10652,15 +10650,7 @@
           <a:p>
             <a:r>
               <a:rPr lang="zh-CN" altLang="en-US" dirty="0"/>
-              <a:t>传递参数方式二</a:t>
-            </a:r>
-            <a:r>
-              <a:rPr lang="en-US" altLang="zh-CN" dirty="0"/>
-              <a:t>: JavaScript</a:t>
-            </a:r>
-            <a:r>
-              <a:rPr lang="zh-CN" altLang="en-US" dirty="0"/>
-              <a:t>代码</a:t>
+              <a:t>获取参数</a:t>
             </a:r>
           </a:p>
         </p:txBody>
@@ -10681,10 +10671,85 @@
             <p:ph idx="1"/>
           </p:nvPr>
         </p:nvSpPr>
-        <p:spPr/>
+        <p:spPr>
+          <a:xfrm>
+            <a:off x="216659" y="840874"/>
+            <a:ext cx="10952584" cy="4614636"/>
+          </a:xfrm>
+        </p:spPr>
         <p:txBody>
           <a:bodyPr/>
           <a:lstStyle/>
+          <a:p>
+            <a:r>
+              <a:rPr lang="zh-CN" altLang="en-US" dirty="0"/>
+              <a:t>获取参数通过</a:t>
+            </a:r>
+            <a:r>
+              <a:rPr lang="en-US" altLang="zh-CN" dirty="0"/>
+              <a:t>$route</a:t>
+            </a:r>
+            <a:r>
+              <a:rPr lang="zh-CN" altLang="en-US" dirty="0"/>
+              <a:t>对象获取的</a:t>
+            </a:r>
+            <a:r>
+              <a:rPr lang="en-US" altLang="zh-CN" dirty="0"/>
+              <a:t>.</a:t>
+            </a:r>
+          </a:p>
+          <a:p>
+            <a:pPr lvl="1"/>
+            <a:r>
+              <a:rPr lang="zh-CN" altLang="en-US" dirty="0"/>
+              <a:t>在使用了 </a:t>
+            </a:r>
+            <a:r>
+              <a:rPr lang="en-US" altLang="zh-CN" dirty="0" err="1"/>
+              <a:t>vue</a:t>
+            </a:r>
+            <a:r>
+              <a:rPr lang="en-US" altLang="zh-CN" dirty="0"/>
+              <a:t>-router </a:t>
+            </a:r>
+            <a:r>
+              <a:rPr lang="zh-CN" altLang="en-US" dirty="0"/>
+              <a:t>的应用中，路由对象会被注入每个组件中，赋值为 </a:t>
+            </a:r>
+            <a:r>
+              <a:rPr lang="en-US" altLang="zh-CN" dirty="0" err="1"/>
+              <a:t>this.$route</a:t>
+            </a:r>
+            <a:r>
+              <a:rPr lang="en-US" altLang="zh-CN" dirty="0"/>
+              <a:t> </a:t>
+            </a:r>
+            <a:r>
+              <a:rPr lang="zh-CN" altLang="en-US" dirty="0"/>
+              <a:t>，并且当路由切换时，路由对象会被更新。</a:t>
+            </a:r>
+          </a:p>
+          <a:p>
+            <a:r>
+              <a:rPr lang="zh-CN" altLang="en-US" dirty="0"/>
+              <a:t>通过</a:t>
+            </a:r>
+            <a:r>
+              <a:rPr lang="en-US" altLang="zh-CN" dirty="0"/>
+              <a:t>$route</a:t>
+            </a:r>
+            <a:r>
+              <a:rPr lang="zh-CN" altLang="en-US" dirty="0"/>
+              <a:t>获取传递的信息如下</a:t>
+            </a:r>
+            <a:r>
+              <a:rPr lang="en-US" altLang="zh-CN" dirty="0"/>
+              <a:t>:</a:t>
+            </a:r>
+          </a:p>
+          <a:p>
+            <a:endParaRPr lang="zh-CN" altLang="en-US" dirty="0"/>
+          </a:p>
           <a:p>
             <a:endParaRPr lang="zh-CN" altLang="en-US" dirty="0"/>
           </a:p>
@@ -10712,8 +10777,8 @@
         </p:blipFill>
         <p:spPr>
           <a:xfrm>
-            <a:off x="0" y="1450223"/>
-            <a:ext cx="12192000" cy="5031346"/>
+            <a:off x="1099658" y="2166701"/>
+            <a:ext cx="10069585" cy="4155476"/>
           </a:xfrm>
           <a:prstGeom prst="rect">
             <a:avLst/>
@@ -10723,7 +10788,7 @@
     </p:spTree>
     <p:extLst>
       <p:ext uri="{BB962C8B-B14F-4D97-AF65-F5344CB8AC3E}">
-        <p14:creationId xmlns:p14="http://schemas.microsoft.com/office/powerpoint/2010/main" val="3577176779"/>
+        <p14:creationId xmlns:p14="http://schemas.microsoft.com/office/powerpoint/2010/main" val="82756331"/>
       </p:ext>
     </p:extLst>
   </p:cSld>
@@ -11276,8 +11341,20 @@
           <a:lstStyle/>
           <a:p>
             <a:r>
-              <a:rPr lang="zh-CN" altLang="en-US" dirty="0"/>
-              <a:t>获取参数</a:t>
+              <a:rPr lang="en-US" altLang="zh-CN" dirty="0"/>
+              <a:t>$route</a:t>
+            </a:r>
+            <a:r>
+              <a:rPr lang="zh-CN" altLang="en-US" dirty="0"/>
+              <a:t>和</a:t>
+            </a:r>
+            <a:r>
+              <a:rPr lang="en-US" altLang="zh-CN" dirty="0"/>
+              <a:t>$router</a:t>
+            </a:r>
+            <a:r>
+              <a:rPr lang="zh-CN" altLang="en-US" dirty="0"/>
+              <a:t>是有区别的</a:t>
             </a:r>
           </a:p>
         </p:txBody>
@@ -11309,113 +11386,119 @@
           <a:lstStyle/>
           <a:p>
             <a:r>
-              <a:rPr lang="zh-CN" altLang="en-US" dirty="0"/>
-              <a:t>获取参数通过</a:t>
-            </a:r>
-            <a:r>
               <a:rPr lang="en-US" altLang="zh-CN" dirty="0"/>
               <a:t>$route</a:t>
             </a:r>
             <a:r>
               <a:rPr lang="zh-CN" altLang="en-US" dirty="0"/>
-              <a:t>对象获取的</a:t>
-            </a:r>
-            <a:r>
-              <a:rPr lang="en-US" altLang="zh-CN" dirty="0"/>
-              <a:t>.</a:t>
-            </a:r>
+              <a:t>和</a:t>
+            </a:r>
+            <a:r>
+              <a:rPr lang="en-US" altLang="zh-CN" dirty="0"/>
+              <a:t>$router</a:t>
+            </a:r>
+            <a:r>
+              <a:rPr lang="zh-CN" altLang="en-US" dirty="0"/>
+              <a:t>是有区别的</a:t>
+            </a:r>
+            <a:endParaRPr lang="en-US" altLang="zh-CN" dirty="0"/>
           </a:p>
           <a:p>
             <a:pPr lvl="1"/>
             <a:r>
-              <a:rPr lang="zh-CN" altLang="en-US" dirty="0"/>
-              <a:t>在使用了 </a:t>
+              <a:rPr lang="en-US" altLang="zh-CN" dirty="0"/>
+              <a:t>$router</a:t>
+            </a:r>
+            <a:r>
+              <a:rPr lang="zh-CN" altLang="en-US" dirty="0"/>
+              <a:t>为</a:t>
             </a:r>
             <a:r>
               <a:rPr lang="en-US" altLang="zh-CN" dirty="0" err="1"/>
-              <a:t>vue</a:t>
-            </a:r>
-            <a:r>
-              <a:rPr lang="en-US" altLang="zh-CN" dirty="0"/>
-              <a:t>-router </a:t>
-            </a:r>
-            <a:r>
-              <a:rPr lang="zh-CN" altLang="en-US" dirty="0"/>
-              <a:t>的应用中，路由对象会被注入每个组件中，赋值为 </a:t>
+              <a:t>VueRouter</a:t>
+            </a:r>
+            <a:r>
+              <a:rPr lang="zh-CN" altLang="en-US" dirty="0"/>
+              <a:t>实例，想要导航到不同</a:t>
+            </a:r>
+            <a:r>
+              <a:rPr lang="en-US" altLang="zh-CN" dirty="0"/>
+              <a:t>URL</a:t>
+            </a:r>
+            <a:r>
+              <a:rPr lang="zh-CN" altLang="en-US" dirty="0"/>
+              <a:t>，则使用</a:t>
+            </a:r>
+            <a:r>
+              <a:rPr lang="en-US" altLang="zh-CN" dirty="0"/>
+              <a:t>$</a:t>
             </a:r>
             <a:r>
               <a:rPr lang="en-US" altLang="zh-CN" dirty="0" err="1"/>
-              <a:t>this.$route</a:t>
-            </a:r>
-            <a:r>
-              <a:rPr lang="en-US" altLang="zh-CN" dirty="0"/>
-              <a:t> </a:t>
-            </a:r>
-            <a:r>
-              <a:rPr lang="zh-CN" altLang="en-US" dirty="0"/>
-              <a:t>，并且当路由切换时，路由对象会被更新。</a:t>
-            </a:r>
-          </a:p>
-          <a:p>
-            <a:r>
-              <a:rPr lang="zh-CN" altLang="en-US" dirty="0"/>
-              <a:t>通过</a:t>
-            </a:r>
+              <a:t>router.push</a:t>
+            </a:r>
+            <a:r>
+              <a:rPr lang="zh-CN" altLang="en-US" dirty="0"/>
+              <a:t>方法</a:t>
+            </a:r>
+          </a:p>
+          <a:p>
+            <a:pPr lvl="1"/>
             <a:r>
               <a:rPr lang="en-US" altLang="zh-CN" dirty="0"/>
               <a:t>$route</a:t>
             </a:r>
             <a:r>
               <a:rPr lang="zh-CN" altLang="en-US" dirty="0"/>
-              <a:t>获取传递的信息如下</a:t>
-            </a:r>
-            <a:r>
-              <a:rPr lang="en-US" altLang="zh-CN" dirty="0"/>
-              <a:t>:</a:t>
-            </a:r>
-          </a:p>
-          <a:p>
-            <a:endParaRPr lang="zh-CN" altLang="en-US" dirty="0"/>
-          </a:p>
-          <a:p>
-            <a:endParaRPr lang="zh-CN" altLang="en-US" dirty="0"/>
+              <a:t>为当前</a:t>
+            </a:r>
+            <a:r>
+              <a:rPr lang="en-US" altLang="zh-CN" dirty="0"/>
+              <a:t>router</a:t>
+            </a:r>
+            <a:r>
+              <a:rPr lang="zh-CN" altLang="en-US" dirty="0"/>
+              <a:t>跳转对象里面可以获取</a:t>
+            </a:r>
+            <a:r>
+              <a:rPr lang="en-US" altLang="zh-CN" dirty="0"/>
+              <a:t>name</a:t>
+            </a:r>
+            <a:r>
+              <a:rPr lang="zh-CN" altLang="en-US" dirty="0"/>
+              <a:t>、</a:t>
+            </a:r>
+            <a:r>
+              <a:rPr lang="en-US" altLang="zh-CN" dirty="0"/>
+              <a:t>path</a:t>
+            </a:r>
+            <a:r>
+              <a:rPr lang="zh-CN" altLang="en-US" dirty="0"/>
+              <a:t>、</a:t>
+            </a:r>
+            <a:r>
+              <a:rPr lang="en-US" altLang="zh-CN" dirty="0"/>
+              <a:t>query</a:t>
+            </a:r>
+            <a:r>
+              <a:rPr lang="zh-CN" altLang="en-US" dirty="0"/>
+              <a:t>、</a:t>
+            </a:r>
+            <a:r>
+              <a:rPr lang="en-US" altLang="zh-CN" dirty="0"/>
+              <a:t>params</a:t>
+            </a:r>
+            <a:r>
+              <a:rPr lang="zh-CN" altLang="en-US" dirty="0"/>
+              <a:t>等 </a:t>
+            </a:r>
           </a:p>
         </p:txBody>
       </p:sp>
-      <p:pic>
-        <p:nvPicPr>
-          <p:cNvPr id="3" name="图片 2">
-            <a:extLst>
-              <a:ext uri="{FF2B5EF4-FFF2-40B4-BE49-F238E27FC236}">
-                <a16:creationId xmlns:a16="http://schemas.microsoft.com/office/drawing/2014/main" id="{F423C449-0599-4E46-9844-730547162606}"/>
-              </a:ext>
-            </a:extLst>
-          </p:cNvPr>
-          <p:cNvPicPr>
-            <a:picLocks noChangeAspect="1"/>
-          </p:cNvPicPr>
-          <p:nvPr/>
-        </p:nvPicPr>
-        <p:blipFill>
-          <a:blip r:embed="rId2"/>
-          <a:stretch>
-            <a:fillRect/>
-          </a:stretch>
-        </p:blipFill>
-        <p:spPr>
-          <a:xfrm>
-            <a:off x="1099658" y="2166701"/>
-            <a:ext cx="10069585" cy="4155476"/>
-          </a:xfrm>
-          <a:prstGeom prst="rect">
-            <a:avLst/>
-          </a:prstGeom>
-        </p:spPr>
-      </p:pic>
     </p:spTree>
     <p:extLst>
       <p:ext uri="{BB962C8B-B14F-4D97-AF65-F5344CB8AC3E}">
-        <p14:creationId xmlns:p14="http://schemas.microsoft.com/office/powerpoint/2010/main" val="82756331"/>
+        <p14:creationId xmlns:p14="http://schemas.microsoft.com/office/powerpoint/2010/main" val="378726121"/>
       </p:ext>
     </p:extLst>
   </p:cSld>
@@ -11469,217 +11552,6 @@
           <a:lstStyle/>
           <a:p>
             <a:r>
-              <a:rPr lang="en-US" altLang="zh-CN" dirty="0"/>
-              <a:t>$route</a:t>
-            </a:r>
-            <a:r>
-              <a:rPr lang="zh-CN" altLang="en-US" dirty="0"/>
-              <a:t>和</a:t>
-            </a:r>
-            <a:r>
-              <a:rPr lang="en-US" altLang="zh-CN" dirty="0"/>
-              <a:t>$router</a:t>
-            </a:r>
-            <a:r>
-              <a:rPr lang="zh-CN" altLang="en-US" dirty="0"/>
-              <a:t>是有区别的</a:t>
-            </a:r>
-          </a:p>
-        </p:txBody>
-      </p:sp>
-      <p:sp>
-        <p:nvSpPr>
-          <p:cNvPr id="4" name="内容占位符 3">
-            <a:extLst>
-              <a:ext uri="{FF2B5EF4-FFF2-40B4-BE49-F238E27FC236}">
-                <a16:creationId xmlns:a16="http://schemas.microsoft.com/office/drawing/2014/main" id="{B49169CB-F8F8-491A-A767-840B61A3E03C}"/>
-              </a:ext>
-            </a:extLst>
-          </p:cNvPr>
-          <p:cNvSpPr>
-            <a:spLocks noGrp="1"/>
-          </p:cNvSpPr>
-          <p:nvPr>
-            <p:ph idx="1"/>
-          </p:nvPr>
-        </p:nvSpPr>
-        <p:spPr>
-          <a:xfrm>
-            <a:off x="216659" y="840874"/>
-            <a:ext cx="10952584" cy="4614636"/>
-          </a:xfrm>
-        </p:spPr>
-        <p:txBody>
-          <a:bodyPr/>
-          <a:lstStyle/>
-          <a:p>
-            <a:r>
-              <a:rPr lang="en-US" altLang="zh-CN" dirty="0"/>
-              <a:t>$route</a:t>
-            </a:r>
-            <a:r>
-              <a:rPr lang="zh-CN" altLang="en-US" dirty="0"/>
-              <a:t>和</a:t>
-            </a:r>
-            <a:r>
-              <a:rPr lang="en-US" altLang="zh-CN" dirty="0"/>
-              <a:t>$router</a:t>
-            </a:r>
-            <a:r>
-              <a:rPr lang="zh-CN" altLang="en-US" dirty="0"/>
-              <a:t>是有区别的</a:t>
-            </a:r>
-            <a:endParaRPr lang="en-US" altLang="zh-CN" dirty="0"/>
-          </a:p>
-          <a:p>
-            <a:pPr lvl="1"/>
-            <a:r>
-              <a:rPr lang="en-US" altLang="zh-CN" dirty="0"/>
-              <a:t>$router</a:t>
-            </a:r>
-            <a:r>
-              <a:rPr lang="zh-CN" altLang="en-US" dirty="0"/>
-              <a:t>为</a:t>
-            </a:r>
-            <a:r>
-              <a:rPr lang="en-US" altLang="zh-CN" dirty="0" err="1"/>
-              <a:t>VueRouter</a:t>
-            </a:r>
-            <a:r>
-              <a:rPr lang="zh-CN" altLang="en-US" dirty="0"/>
-              <a:t>实例，想要导航到不同</a:t>
-            </a:r>
-            <a:r>
-              <a:rPr lang="en-US" altLang="zh-CN" dirty="0"/>
-              <a:t>URL</a:t>
-            </a:r>
-            <a:r>
-              <a:rPr lang="zh-CN" altLang="en-US" dirty="0"/>
-              <a:t>，则使用</a:t>
-            </a:r>
-            <a:r>
-              <a:rPr lang="en-US" altLang="zh-CN" dirty="0"/>
-              <a:t>$</a:t>
-            </a:r>
-            <a:r>
-              <a:rPr lang="en-US" altLang="zh-CN" dirty="0" err="1"/>
-              <a:t>router.push</a:t>
-            </a:r>
-            <a:r>
-              <a:rPr lang="zh-CN" altLang="en-US" dirty="0"/>
-              <a:t>方法</a:t>
-            </a:r>
-          </a:p>
-          <a:p>
-            <a:pPr lvl="1"/>
-            <a:r>
-              <a:rPr lang="en-US" altLang="zh-CN" dirty="0"/>
-              <a:t>$route</a:t>
-            </a:r>
-            <a:r>
-              <a:rPr lang="zh-CN" altLang="en-US" dirty="0"/>
-              <a:t>为当前</a:t>
-            </a:r>
-            <a:r>
-              <a:rPr lang="en-US" altLang="zh-CN" dirty="0"/>
-              <a:t>router</a:t>
-            </a:r>
-            <a:r>
-              <a:rPr lang="zh-CN" altLang="en-US" dirty="0"/>
-              <a:t>跳转对象里面可以获取</a:t>
-            </a:r>
-            <a:r>
-              <a:rPr lang="en-US" altLang="zh-CN" dirty="0"/>
-              <a:t>name</a:t>
-            </a:r>
-            <a:r>
-              <a:rPr lang="zh-CN" altLang="en-US" dirty="0"/>
-              <a:t>、</a:t>
-            </a:r>
-            <a:r>
-              <a:rPr lang="en-US" altLang="zh-CN" dirty="0"/>
-              <a:t>path</a:t>
-            </a:r>
-            <a:r>
-              <a:rPr lang="zh-CN" altLang="en-US" dirty="0"/>
-              <a:t>、</a:t>
-            </a:r>
-            <a:r>
-              <a:rPr lang="en-US" altLang="zh-CN" dirty="0"/>
-              <a:t>query</a:t>
-            </a:r>
-            <a:r>
-              <a:rPr lang="zh-CN" altLang="en-US" dirty="0"/>
-              <a:t>、</a:t>
-            </a:r>
-            <a:r>
-              <a:rPr lang="en-US" altLang="zh-CN" dirty="0"/>
-              <a:t>params</a:t>
-            </a:r>
-            <a:r>
-              <a:rPr lang="zh-CN" altLang="en-US" dirty="0"/>
-              <a:t>等 </a:t>
-            </a:r>
-          </a:p>
-        </p:txBody>
-      </p:sp>
-    </p:spTree>
-    <p:extLst>
-      <p:ext uri="{BB962C8B-B14F-4D97-AF65-F5344CB8AC3E}">
-        <p14:creationId xmlns:p14="http://schemas.microsoft.com/office/powerpoint/2010/main" val="378726121"/>
-      </p:ext>
-    </p:extLst>
-  </p:cSld>
-  <p:clrMapOvr>
-    <a:masterClrMapping/>
-  </p:clrMapOvr>
-</p:sld>
-</file>
-
-<file path=ppt/slides/slide42.xml><?xml version="1.0" encoding="utf-8"?>
-<p:sld xmlns:a="http://schemas.openxmlformats.org/drawingml/2006/main" xmlns:r="http://schemas.openxmlformats.org/officeDocument/2006/relationships" xmlns:p="http://schemas.openxmlformats.org/presentationml/2006/main">
-  <p:cSld>
-    <p:spTree>
-      <p:nvGrpSpPr>
-        <p:cNvPr id="1" name=""/>
-        <p:cNvGrpSpPr/>
-        <p:nvPr/>
-      </p:nvGrpSpPr>
-      <p:grpSpPr>
-        <a:xfrm>
-          <a:off x="0" y="0"/>
-          <a:ext cx="0" cy="0"/>
-          <a:chOff x="0" y="0"/>
-          <a:chExt cx="0" cy="0"/>
-        </a:xfrm>
-      </p:grpSpPr>
-      <p:sp>
-        <p:nvSpPr>
-          <p:cNvPr id="2" name="标题 1">
-            <a:extLst>
-              <a:ext uri="{FF2B5EF4-FFF2-40B4-BE49-F238E27FC236}">
-                <a16:creationId xmlns:a16="http://schemas.microsoft.com/office/drawing/2014/main" id="{6047A424-70D7-4CCC-966E-2695D258EB84}"/>
-              </a:ext>
-            </a:extLst>
-          </p:cNvPr>
-          <p:cNvSpPr>
-            <a:spLocks noGrp="1"/>
-          </p:cNvSpPr>
-          <p:nvPr>
-            <p:ph type="title"/>
-          </p:nvPr>
-        </p:nvSpPr>
-        <p:spPr>
-          <a:xfrm>
-            <a:off x="1239416" y="125681"/>
-            <a:ext cx="10952584" cy="466628"/>
-          </a:xfrm>
-        </p:spPr>
-        <p:txBody>
-          <a:bodyPr/>
-          <a:lstStyle/>
-          <a:p>
-            <a:r>
               <a:rPr lang="zh-CN" altLang="en-US" dirty="0"/>
               <a:t>为什么使用导航守卫</a:t>
             </a:r>
@@ -12080,7 +11952,7 @@
 </p:sld>
 </file>
 
-<file path=ppt/slides/slide43.xml><?xml version="1.0" encoding="utf-8"?>
+<file path=ppt/slides/slide42.xml><?xml version="1.0" encoding="utf-8"?>
 <p:sld xmlns:a="http://schemas.openxmlformats.org/drawingml/2006/main" xmlns:r="http://schemas.openxmlformats.org/officeDocument/2006/relationships" xmlns:p="http://schemas.openxmlformats.org/presentationml/2006/main">
   <p:cSld>
     <p:spTree>
@@ -12543,7 +12415,7 @@
 </p:sld>
 </file>
 
-<file path=ppt/slides/slide44.xml><?xml version="1.0" encoding="utf-8"?>
+<file path=ppt/slides/slide43.xml><?xml version="1.0" encoding="utf-8"?>
 <p:sld xmlns:a="http://schemas.openxmlformats.org/drawingml/2006/main" xmlns:r="http://schemas.openxmlformats.org/officeDocument/2006/relationships" xmlns:p="http://schemas.openxmlformats.org/presentationml/2006/main">
   <p:cSld>
     <p:spTree>
@@ -12763,7 +12635,7 @@
 </p:sld>
 </file>
 
-<file path=ppt/slides/slide45.xml><?xml version="1.0" encoding="utf-8"?>
+<file path=ppt/slides/slide44.xml><?xml version="1.0" encoding="utf-8"?>
 <p:sld xmlns:a="http://schemas.openxmlformats.org/drawingml/2006/main" xmlns:r="http://schemas.openxmlformats.org/officeDocument/2006/relationships" xmlns:p="http://schemas.openxmlformats.org/presentationml/2006/main">
   <p:cSld>
     <p:spTree>

--- a/其它提交/Vue-router.pptx
+++ b/其它提交/Vue-router.pptx
@@ -1,54 +1,54 @@
 
 <file path=ppt/presentation.xml><?xml version="1.0" encoding="utf-8"?>
-<p:presentation xmlns:a="http://schemas.openxmlformats.org/drawingml/2006/main" xmlns:r="http://schemas.openxmlformats.org/officeDocument/2006/relationships" xmlns:p="http://schemas.openxmlformats.org/presentationml/2006/main" saveSubsetFonts="1">
+<p:presentation xmlns:a="http://schemas.openxmlformats.org/drawingml/2006/main" xmlns:r="http://schemas.openxmlformats.org/officeDocument/2006/relationships" xmlns:p="http://schemas.openxmlformats.org/presentationml/2006/main">
   <p:sldMasterIdLst>
     <p:sldMasterId id="2147483648" r:id="rId1"/>
   </p:sldMasterIdLst>
   <p:sldIdLst>
-    <p:sldId id="256" r:id="rId2"/>
-    <p:sldId id="257" r:id="rId3"/>
-    <p:sldId id="258" r:id="rId4"/>
-    <p:sldId id="259" r:id="rId5"/>
-    <p:sldId id="260" r:id="rId6"/>
-    <p:sldId id="268" r:id="rId7"/>
-    <p:sldId id="261" r:id="rId8"/>
-    <p:sldId id="262" r:id="rId9"/>
-    <p:sldId id="263" r:id="rId10"/>
-    <p:sldId id="264" r:id="rId11"/>
-    <p:sldId id="265" r:id="rId12"/>
-    <p:sldId id="266" r:id="rId13"/>
-    <p:sldId id="267" r:id="rId14"/>
-    <p:sldId id="269" r:id="rId15"/>
-    <p:sldId id="270" r:id="rId16"/>
-    <p:sldId id="275" r:id="rId17"/>
-    <p:sldId id="273" r:id="rId18"/>
-    <p:sldId id="271" r:id="rId19"/>
-    <p:sldId id="276" r:id="rId20"/>
-    <p:sldId id="277" r:id="rId21"/>
-    <p:sldId id="278" r:id="rId22"/>
-    <p:sldId id="279" r:id="rId23"/>
-    <p:sldId id="280" r:id="rId24"/>
-    <p:sldId id="281" r:id="rId25"/>
-    <p:sldId id="283" r:id="rId26"/>
-    <p:sldId id="282" r:id="rId27"/>
-    <p:sldId id="285" r:id="rId28"/>
-    <p:sldId id="284" r:id="rId29"/>
-    <p:sldId id="286" r:id="rId30"/>
-    <p:sldId id="287" r:id="rId31"/>
-    <p:sldId id="288" r:id="rId32"/>
-    <p:sldId id="289" r:id="rId33"/>
-    <p:sldId id="290" r:id="rId34"/>
-    <p:sldId id="291" r:id="rId35"/>
-    <p:sldId id="292" r:id="rId36"/>
-    <p:sldId id="293" r:id="rId37"/>
-    <p:sldId id="294" r:id="rId38"/>
-    <p:sldId id="295" r:id="rId39"/>
-    <p:sldId id="297" r:id="rId40"/>
-    <p:sldId id="298" r:id="rId41"/>
-    <p:sldId id="299" r:id="rId42"/>
-    <p:sldId id="300" r:id="rId43"/>
-    <p:sldId id="301" r:id="rId44"/>
-    <p:sldId id="302" r:id="rId45"/>
+    <p:sldId id="256" r:id="rId3"/>
+    <p:sldId id="257" r:id="rId4"/>
+    <p:sldId id="258" r:id="rId5"/>
+    <p:sldId id="259" r:id="rId6"/>
+    <p:sldId id="260" r:id="rId7"/>
+    <p:sldId id="268" r:id="rId8"/>
+    <p:sldId id="261" r:id="rId9"/>
+    <p:sldId id="262" r:id="rId10"/>
+    <p:sldId id="263" r:id="rId11"/>
+    <p:sldId id="264" r:id="rId12"/>
+    <p:sldId id="265" r:id="rId13"/>
+    <p:sldId id="266" r:id="rId14"/>
+    <p:sldId id="267" r:id="rId15"/>
+    <p:sldId id="269" r:id="rId16"/>
+    <p:sldId id="270" r:id="rId17"/>
+    <p:sldId id="275" r:id="rId18"/>
+    <p:sldId id="273" r:id="rId19"/>
+    <p:sldId id="271" r:id="rId20"/>
+    <p:sldId id="276" r:id="rId21"/>
+    <p:sldId id="277" r:id="rId22"/>
+    <p:sldId id="278" r:id="rId23"/>
+    <p:sldId id="279" r:id="rId24"/>
+    <p:sldId id="280" r:id="rId25"/>
+    <p:sldId id="281" r:id="rId26"/>
+    <p:sldId id="283" r:id="rId27"/>
+    <p:sldId id="282" r:id="rId28"/>
+    <p:sldId id="285" r:id="rId29"/>
+    <p:sldId id="284" r:id="rId30"/>
+    <p:sldId id="286" r:id="rId31"/>
+    <p:sldId id="287" r:id="rId32"/>
+    <p:sldId id="288" r:id="rId33"/>
+    <p:sldId id="289" r:id="rId34"/>
+    <p:sldId id="290" r:id="rId35"/>
+    <p:sldId id="291" r:id="rId36"/>
+    <p:sldId id="292" r:id="rId37"/>
+    <p:sldId id="293" r:id="rId38"/>
+    <p:sldId id="294" r:id="rId39"/>
+    <p:sldId id="295" r:id="rId40"/>
+    <p:sldId id="297" r:id="rId41"/>
+    <p:sldId id="298" r:id="rId42"/>
+    <p:sldId id="299" r:id="rId43"/>
+    <p:sldId id="300" r:id="rId44"/>
+    <p:sldId id="301" r:id="rId45"/>
+    <p:sldId id="302" r:id="rId46"/>
   </p:sldIdLst>
   <p:sldSz cx="12192000" cy="6858000"/>
   <p:notesSz cx="6858000" cy="9144000"/>
@@ -236,9 +236,6 @@
         </p14:section>
       </p14:sectionLst>
     </p:ext>
-    <p:ext uri="{EFAFB233-063F-42B5-8137-9DF3F51BA10A}">
-      <p15:sldGuideLst xmlns:p15="http://schemas.microsoft.com/office/powerpoint/2012/main"/>
-    </p:ext>
   </p:extLst>
 </p:presentation>
 </file>
@@ -270,13 +267,7 @@
       </p:grpSpPr>
       <p:sp>
         <p:nvSpPr>
-          <p:cNvPr id="2" name="标题 1">
-            <a:extLst>
-              <a:ext uri="{FF2B5EF4-FFF2-40B4-BE49-F238E27FC236}">
-                <a16:creationId xmlns:a16="http://schemas.microsoft.com/office/drawing/2014/main" id="{92D1ECB9-AE64-4132-AD9E-4E0FE7C9B2DA}"/>
-              </a:ext>
-            </a:extLst>
-          </p:cNvPr>
+          <p:cNvPr id="2" name="标题 1"/>
           <p:cNvSpPr>
             <a:spLocks noGrp="1"/>
           </p:cNvSpPr>
@@ -321,18 +312,13 @@
               <a:rPr lang="zh-CN" altLang="en-US" dirty="0"/>
               <a:t>组件化开发</a:t>
             </a:r>
+            <a:endParaRPr lang="zh-CN" altLang="en-US" dirty="0"/>
           </a:p>
         </p:txBody>
       </p:sp>
       <p:sp>
         <p:nvSpPr>
-          <p:cNvPr id="3" name="副标题 2">
-            <a:extLst>
-              <a:ext uri="{FF2B5EF4-FFF2-40B4-BE49-F238E27FC236}">
-                <a16:creationId xmlns:a16="http://schemas.microsoft.com/office/drawing/2014/main" id="{C50FF624-C823-4437-9551-2F12D173C51B}"/>
-              </a:ext>
-            </a:extLst>
-          </p:cNvPr>
+          <p:cNvPr id="3" name="副标题 2"/>
           <p:cNvSpPr>
             <a:spLocks noGrp="1"/>
           </p:cNvSpPr>
@@ -424,15 +410,11 @@
               <a:rPr lang="zh-CN" altLang="en-US" dirty="0"/>
               <a:t>微信公众号：赵燕明</a:t>
             </a:r>
+            <a:endParaRPr lang="zh-CN" altLang="en-US" dirty="0"/>
           </a:p>
         </p:txBody>
       </p:sp>
     </p:spTree>
-    <p:extLst>
-      <p:ext uri="{BB962C8B-B14F-4D97-AF65-F5344CB8AC3E}">
-        <p14:creationId xmlns:p14="http://schemas.microsoft.com/office/powerpoint/2010/main" val="826295829"/>
-      </p:ext>
-    </p:extLst>
   </p:cSld>
   <p:clrMapOvr>
     <a:masterClrMapping/>
@@ -459,13 +441,7 @@
       </p:grpSpPr>
       <p:sp>
         <p:nvSpPr>
-          <p:cNvPr id="2" name="标题 1">
-            <a:extLst>
-              <a:ext uri="{FF2B5EF4-FFF2-40B4-BE49-F238E27FC236}">
-                <a16:creationId xmlns:a16="http://schemas.microsoft.com/office/drawing/2014/main" id="{B63D4FE5-E7D6-48AE-867E-CD9F51F205BF}"/>
-              </a:ext>
-            </a:extLst>
-          </p:cNvPr>
+          <p:cNvPr id="2" name="标题 1"/>
           <p:cNvSpPr>
             <a:spLocks noGrp="1"/>
           </p:cNvSpPr>
@@ -502,18 +478,13 @@
               <a:rPr lang="zh-CN" altLang="en-US" dirty="0"/>
               <a:t>组件化认识</a:t>
             </a:r>
+            <a:endParaRPr lang="zh-CN" altLang="en-US" dirty="0"/>
           </a:p>
         </p:txBody>
       </p:sp>
       <p:sp>
         <p:nvSpPr>
-          <p:cNvPr id="3" name="内容占位符 2">
-            <a:extLst>
-              <a:ext uri="{FF2B5EF4-FFF2-40B4-BE49-F238E27FC236}">
-                <a16:creationId xmlns:a16="http://schemas.microsoft.com/office/drawing/2014/main" id="{45C13B1F-DC43-4486-BBA1-DBDE751A7C59}"/>
-              </a:ext>
-            </a:extLst>
-          </p:cNvPr>
+          <p:cNvPr id="3" name="内容占位符 2"/>
           <p:cNvSpPr>
             <a:spLocks noGrp="1"/>
           </p:cNvSpPr>
@@ -573,6 +544,7 @@
               <a:rPr lang="zh-CN" altLang="en-US" dirty="0"/>
               <a:t>单击此处编辑母版文本样式</a:t>
             </a:r>
+            <a:endParaRPr lang="zh-CN" altLang="en-US" dirty="0"/>
           </a:p>
           <a:p>
             <a:pPr lvl="1"/>
@@ -580,6 +552,7 @@
               <a:rPr lang="zh-CN" altLang="en-US" dirty="0"/>
               <a:t>二级</a:t>
             </a:r>
+            <a:endParaRPr lang="zh-CN" altLang="en-US" dirty="0"/>
           </a:p>
           <a:p>
             <a:pPr lvl="2"/>
@@ -587,6 +560,7 @@
               <a:rPr lang="zh-CN" altLang="en-US" dirty="0"/>
               <a:t>三级</a:t>
             </a:r>
+            <a:endParaRPr lang="zh-CN" altLang="en-US" dirty="0"/>
           </a:p>
           <a:p>
             <a:pPr lvl="3"/>
@@ -594,6 +568,7 @@
               <a:rPr lang="zh-CN" altLang="en-US" dirty="0"/>
               <a:t>四级</a:t>
             </a:r>
+            <a:endParaRPr lang="zh-CN" altLang="en-US" dirty="0"/>
           </a:p>
           <a:p>
             <a:pPr lvl="4"/>
@@ -601,18 +576,13 @@
               <a:rPr lang="zh-CN" altLang="en-US" dirty="0"/>
               <a:t>五级</a:t>
             </a:r>
+            <a:endParaRPr lang="zh-CN" altLang="en-US" dirty="0"/>
           </a:p>
         </p:txBody>
       </p:sp>
       <p:pic>
         <p:nvPicPr>
-          <p:cNvPr id="4" name="图片 3">
-            <a:extLst>
-              <a:ext uri="{FF2B5EF4-FFF2-40B4-BE49-F238E27FC236}">
-                <a16:creationId xmlns:a16="http://schemas.microsoft.com/office/drawing/2014/main" id="{D0B1796E-8863-472E-8D17-FB117B5E3E94}"/>
-              </a:ext>
-            </a:extLst>
-          </p:cNvPr>
+          <p:cNvPr id="4" name="图片 3"/>
           <p:cNvPicPr>
             <a:picLocks noChangeAspect="1"/>
           </p:cNvPicPr>
@@ -641,11 +611,6 @@
         </p:spPr>
       </p:pic>
     </p:spTree>
-    <p:extLst>
-      <p:ext uri="{BB962C8B-B14F-4D97-AF65-F5344CB8AC3E}">
-        <p14:creationId xmlns:p14="http://schemas.microsoft.com/office/powerpoint/2010/main" val="3189373159"/>
-      </p:ext>
-    </p:extLst>
   </p:cSld>
   <p:clrMapOvr>
     <a:masterClrMapping/>
@@ -672,13 +637,7 @@
       </p:grpSpPr>
       <p:sp>
         <p:nvSpPr>
-          <p:cNvPr id="8" name="内容占位符 2">
-            <a:extLst>
-              <a:ext uri="{FF2B5EF4-FFF2-40B4-BE49-F238E27FC236}">
-                <a16:creationId xmlns:a16="http://schemas.microsoft.com/office/drawing/2014/main" id="{21F6544F-1645-46B4-947F-FE2689224146}"/>
-              </a:ext>
-            </a:extLst>
-          </p:cNvPr>
+          <p:cNvPr id="8" name="内容占位符 2"/>
           <p:cNvSpPr>
             <a:spLocks noGrp="1"/>
           </p:cNvSpPr>
@@ -738,6 +697,7 @@
               <a:rPr lang="zh-CN" altLang="en-US" dirty="0"/>
               <a:t>单击此处编辑母版文本样式</a:t>
             </a:r>
+            <a:endParaRPr lang="zh-CN" altLang="en-US" dirty="0"/>
           </a:p>
           <a:p>
             <a:pPr lvl="1"/>
@@ -745,6 +705,7 @@
               <a:rPr lang="zh-CN" altLang="en-US" dirty="0"/>
               <a:t>二级</a:t>
             </a:r>
+            <a:endParaRPr lang="zh-CN" altLang="en-US" dirty="0"/>
           </a:p>
           <a:p>
             <a:pPr lvl="2"/>
@@ -752,6 +713,7 @@
               <a:rPr lang="zh-CN" altLang="en-US" dirty="0"/>
               <a:t>三级</a:t>
             </a:r>
+            <a:endParaRPr lang="zh-CN" altLang="en-US" dirty="0"/>
           </a:p>
           <a:p>
             <a:pPr lvl="3"/>
@@ -759,6 +721,7 @@
               <a:rPr lang="zh-CN" altLang="en-US" dirty="0"/>
               <a:t>四级</a:t>
             </a:r>
+            <a:endParaRPr lang="zh-CN" altLang="en-US" dirty="0"/>
           </a:p>
           <a:p>
             <a:pPr lvl="4"/>
@@ -766,18 +729,13 @@
               <a:rPr lang="zh-CN" altLang="en-US" dirty="0"/>
               <a:t>五级</a:t>
             </a:r>
+            <a:endParaRPr lang="zh-CN" altLang="en-US" dirty="0"/>
           </a:p>
         </p:txBody>
       </p:sp>
       <p:sp>
         <p:nvSpPr>
-          <p:cNvPr id="9" name="内容占位符 2">
-            <a:extLst>
-              <a:ext uri="{FF2B5EF4-FFF2-40B4-BE49-F238E27FC236}">
-                <a16:creationId xmlns:a16="http://schemas.microsoft.com/office/drawing/2014/main" id="{4654A45B-431D-4F65-B7F7-2EA6DC18EFE2}"/>
-              </a:ext>
-            </a:extLst>
-          </p:cNvPr>
+          <p:cNvPr id="9" name="内容占位符 2"/>
           <p:cNvSpPr>
             <a:spLocks noGrp="1"/>
           </p:cNvSpPr>
@@ -837,6 +795,7 @@
               <a:rPr lang="zh-CN" altLang="en-US" dirty="0"/>
               <a:t>单击此处编辑母版文本样式</a:t>
             </a:r>
+            <a:endParaRPr lang="zh-CN" altLang="en-US" dirty="0"/>
           </a:p>
           <a:p>
             <a:pPr lvl="1"/>
@@ -844,6 +803,7 @@
               <a:rPr lang="zh-CN" altLang="en-US" dirty="0"/>
               <a:t>二级</a:t>
             </a:r>
+            <a:endParaRPr lang="zh-CN" altLang="en-US" dirty="0"/>
           </a:p>
           <a:p>
             <a:pPr lvl="2"/>
@@ -851,6 +811,7 @@
               <a:rPr lang="zh-CN" altLang="en-US" dirty="0"/>
               <a:t>三级</a:t>
             </a:r>
+            <a:endParaRPr lang="zh-CN" altLang="en-US" dirty="0"/>
           </a:p>
           <a:p>
             <a:pPr lvl="3"/>
@@ -858,6 +819,7 @@
               <a:rPr lang="zh-CN" altLang="en-US" dirty="0"/>
               <a:t>四级</a:t>
             </a:r>
+            <a:endParaRPr lang="zh-CN" altLang="en-US" dirty="0"/>
           </a:p>
           <a:p>
             <a:pPr lvl="4"/>
@@ -865,18 +827,13 @@
               <a:rPr lang="zh-CN" altLang="en-US" dirty="0"/>
               <a:t>五级</a:t>
             </a:r>
+            <a:endParaRPr lang="zh-CN" altLang="en-US" dirty="0"/>
           </a:p>
         </p:txBody>
       </p:sp>
       <p:sp>
         <p:nvSpPr>
-          <p:cNvPr id="11" name="标题 1">
-            <a:extLst>
-              <a:ext uri="{FF2B5EF4-FFF2-40B4-BE49-F238E27FC236}">
-                <a16:creationId xmlns:a16="http://schemas.microsoft.com/office/drawing/2014/main" id="{1EB558AA-CD70-4B85-9F0C-FBED167C37D9}"/>
-              </a:ext>
-            </a:extLst>
-          </p:cNvPr>
+          <p:cNvPr id="11" name="标题 1"/>
           <p:cNvSpPr>
             <a:spLocks noGrp="1"/>
           </p:cNvSpPr>
@@ -913,18 +870,13 @@
               <a:rPr lang="zh-CN" altLang="en-US" dirty="0"/>
               <a:t>组件化认识</a:t>
             </a:r>
+            <a:endParaRPr lang="zh-CN" altLang="en-US" dirty="0"/>
           </a:p>
         </p:txBody>
       </p:sp>
       <p:pic>
         <p:nvPicPr>
-          <p:cNvPr id="5" name="图片 4">
-            <a:extLst>
-              <a:ext uri="{FF2B5EF4-FFF2-40B4-BE49-F238E27FC236}">
-                <a16:creationId xmlns:a16="http://schemas.microsoft.com/office/drawing/2014/main" id="{9B10DB21-5C7E-4EFF-B76E-4607634B7417}"/>
-              </a:ext>
-            </a:extLst>
-          </p:cNvPr>
+          <p:cNvPr id="5" name="图片 4"/>
           <p:cNvPicPr>
             <a:picLocks noChangeAspect="1"/>
           </p:cNvPicPr>
@@ -953,11 +905,6 @@
         </p:spPr>
       </p:pic>
     </p:spTree>
-    <p:extLst>
-      <p:ext uri="{BB962C8B-B14F-4D97-AF65-F5344CB8AC3E}">
-        <p14:creationId xmlns:p14="http://schemas.microsoft.com/office/powerpoint/2010/main" val="709214713"/>
-      </p:ext>
-    </p:extLst>
   </p:cSld>
   <p:clrMapOvr>
     <a:masterClrMapping/>
@@ -992,13 +939,7 @@
       </p:grpSpPr>
       <p:sp>
         <p:nvSpPr>
-          <p:cNvPr id="3" name="文本框 2">
-            <a:extLst>
-              <a:ext uri="{FF2B5EF4-FFF2-40B4-BE49-F238E27FC236}">
-                <a16:creationId xmlns:a16="http://schemas.microsoft.com/office/drawing/2014/main" id="{3092BECA-2D9B-400F-9BF0-597E18A658A5}"/>
-              </a:ext>
-            </a:extLst>
-          </p:cNvPr>
+          <p:cNvPr id="3" name="文本框 2"/>
           <p:cNvSpPr txBox="1"/>
           <p:nvPr userDrawn="1"/>
         </p:nvSpPr>
@@ -1030,18 +971,20 @@
               </a:rPr>
               <a:t>THANKS</a:t>
             </a:r>
+            <a:endParaRPr lang="en-US" altLang="zh-CN" sz="6000" b="1" dirty="0">
+              <a:solidFill>
+                <a:srgbClr val="2E74D0"/>
+              </a:solidFill>
+              <a:latin typeface="Arial" panose="020B0604020202020204" pitchFamily="34" charset="0"/>
+              <a:ea typeface="微软雅黑" panose="020B0503020204020204" pitchFamily="34" charset="-122"/>
+              <a:cs typeface="Arial" panose="020B0604020202020204" pitchFamily="34" charset="0"/>
+            </a:endParaRPr>
           </a:p>
         </p:txBody>
       </p:sp>
       <p:pic>
         <p:nvPicPr>
-          <p:cNvPr id="5" name="图片 4">
-            <a:extLst>
-              <a:ext uri="{FF2B5EF4-FFF2-40B4-BE49-F238E27FC236}">
-                <a16:creationId xmlns:a16="http://schemas.microsoft.com/office/drawing/2014/main" id="{674BFA9B-D34F-4E1A-A63E-F7473FCCAB43}"/>
-              </a:ext>
-            </a:extLst>
-          </p:cNvPr>
+          <p:cNvPr id="5" name="图片 4"/>
           <p:cNvPicPr>
             <a:picLocks noChangeAspect="1"/>
           </p:cNvPicPr>
@@ -1070,11 +1013,6 @@
         </p:spPr>
       </p:pic>
     </p:spTree>
-    <p:extLst>
-      <p:ext uri="{BB962C8B-B14F-4D97-AF65-F5344CB8AC3E}">
-        <p14:creationId xmlns:p14="http://schemas.microsoft.com/office/powerpoint/2010/main" val="1629230617"/>
-      </p:ext>
-    </p:extLst>
   </p:cSld>
   <p:clrMapOvr>
     <a:masterClrMapping/>
@@ -1108,18 +1046,13 @@
         </a:xfrm>
       </p:grpSpPr>
     </p:spTree>
-    <p:extLst>
-      <p:ext uri="{BB962C8B-B14F-4D97-AF65-F5344CB8AC3E}">
-        <p14:creationId xmlns:p14="http://schemas.microsoft.com/office/powerpoint/2010/main" val="2665629952"/>
-      </p:ext>
-    </p:extLst>
   </p:cSld>
   <p:clrMap bg1="lt1" tx1="dk1" bg2="lt2" tx2="dk2" accent1="accent1" accent2="accent2" accent3="accent3" accent4="accent4" accent5="accent5" accent6="accent6" hlink="hlink" folHlink="folHlink"/>
   <p:sldLayoutIdLst>
     <p:sldLayoutId id="2147483649" r:id="rId1"/>
     <p:sldLayoutId id="2147483650" r:id="rId2"/>
-    <p:sldLayoutId id="2147483652" r:id="rId3"/>
-    <p:sldLayoutId id="2147483653" r:id="rId4"/>
+    <p:sldLayoutId id="2147483651" r:id="rId3"/>
+    <p:sldLayoutId id="2147483652" r:id="rId4"/>
   </p:sldLayoutIdLst>
   <p:txStyles>
     <p:titleStyle>
@@ -1423,13 +1356,7 @@
       </p:grpSpPr>
       <p:sp>
         <p:nvSpPr>
-          <p:cNvPr id="2" name="标题 1">
-            <a:extLst>
-              <a:ext uri="{FF2B5EF4-FFF2-40B4-BE49-F238E27FC236}">
-                <a16:creationId xmlns:a16="http://schemas.microsoft.com/office/drawing/2014/main" id="{27B0EB8A-1775-45F9-AD4F-9D27E8ECCD92}"/>
-              </a:ext>
-            </a:extLst>
-          </p:cNvPr>
+          <p:cNvPr id="2" name="标题 1"/>
           <p:cNvSpPr>
             <a:spLocks noGrp="1"/>
           </p:cNvSpPr>
@@ -1450,18 +1377,13 @@
               <a:rPr lang="zh-CN" altLang="en-US" dirty="0"/>
               <a:t>路由</a:t>
             </a:r>
+            <a:endParaRPr lang="zh-CN" altLang="en-US" dirty="0"/>
           </a:p>
         </p:txBody>
       </p:sp>
       <p:sp>
         <p:nvSpPr>
-          <p:cNvPr id="3" name="副标题 2">
-            <a:extLst>
-              <a:ext uri="{FF2B5EF4-FFF2-40B4-BE49-F238E27FC236}">
-                <a16:creationId xmlns:a16="http://schemas.microsoft.com/office/drawing/2014/main" id="{B8C914B6-437E-4FDF-83BE-C0B5E53E925C}"/>
-              </a:ext>
-            </a:extLst>
-          </p:cNvPr>
+          <p:cNvPr id="3" name="副标题 2"/>
           <p:cNvSpPr>
             <a:spLocks noGrp="1"/>
           </p:cNvSpPr>
@@ -1514,11 +1436,6 @@
         </p:txBody>
       </p:sp>
     </p:spTree>
-    <p:extLst>
-      <p:ext uri="{BB962C8B-B14F-4D97-AF65-F5344CB8AC3E}">
-        <p14:creationId xmlns:p14="http://schemas.microsoft.com/office/powerpoint/2010/main" val="3430545970"/>
-      </p:ext>
-    </p:extLst>
   </p:cSld>
   <p:clrMapOvr>
     <a:masterClrMapping/>
@@ -1545,13 +1462,7 @@
       </p:grpSpPr>
       <p:sp>
         <p:nvSpPr>
-          <p:cNvPr id="2" name="标题 1">
-            <a:extLst>
-              <a:ext uri="{FF2B5EF4-FFF2-40B4-BE49-F238E27FC236}">
-                <a16:creationId xmlns:a16="http://schemas.microsoft.com/office/drawing/2014/main" id="{6047A424-70D7-4CCC-966E-2695D258EB84}"/>
-              </a:ext>
-            </a:extLst>
-          </p:cNvPr>
+          <p:cNvPr id="2" name="标题 1"/>
           <p:cNvSpPr>
             <a:spLocks noGrp="1"/>
           </p:cNvSpPr>
@@ -1595,13 +1506,7 @@
       </p:sp>
       <p:sp>
         <p:nvSpPr>
-          <p:cNvPr id="3" name="内容占位符 2">
-            <a:extLst>
-              <a:ext uri="{FF2B5EF4-FFF2-40B4-BE49-F238E27FC236}">
-                <a16:creationId xmlns:a16="http://schemas.microsoft.com/office/drawing/2014/main" id="{349EB7CE-ACB9-461D-ABD1-C4B53C255AF1}"/>
-              </a:ext>
-            </a:extLst>
-          </p:cNvPr>
+          <p:cNvPr id="3" name="内容占位符 2"/>
           <p:cNvSpPr>
             <a:spLocks noGrp="1"/>
           </p:cNvSpPr>
@@ -1627,6 +1532,7 @@
               <a:rPr lang="en-US" altLang="zh-CN" dirty="0"/>
               <a:t>()</a:t>
             </a:r>
+            <a:endParaRPr lang="en-US" altLang="zh-CN" dirty="0"/>
           </a:p>
           <a:p>
             <a:r>
@@ -1637,6 +1543,7 @@
               <a:rPr kumimoji="1" lang="en-US" altLang="zh-CN" dirty="0"/>
               <a:t>()</a:t>
             </a:r>
+            <a:endParaRPr kumimoji="1" lang="en-US" altLang="zh-CN" dirty="0"/>
           </a:p>
           <a:p>
             <a:r>
@@ -1653,20 +1560,14 @@
       </p:sp>
       <p:pic>
         <p:nvPicPr>
-          <p:cNvPr id="7" name="图片 6">
-            <a:extLst>
-              <a:ext uri="{FF2B5EF4-FFF2-40B4-BE49-F238E27FC236}">
-                <a16:creationId xmlns:a16="http://schemas.microsoft.com/office/drawing/2014/main" id="{1BEDCDD5-9412-4DF8-8C86-BD7EAED3341A}"/>
-              </a:ext>
-            </a:extLst>
-          </p:cNvPr>
+          <p:cNvPr id="7" name="图片 6"/>
           <p:cNvPicPr>
             <a:picLocks noChangeAspect="1"/>
           </p:cNvPicPr>
           <p:nvPr/>
         </p:nvPicPr>
         <p:blipFill>
-          <a:blip r:embed="rId2"/>
+          <a:blip r:embed="rId1"/>
           <a:stretch>
             <a:fillRect/>
           </a:stretch>
@@ -1682,11 +1583,6 @@
         </p:spPr>
       </p:pic>
     </p:spTree>
-    <p:extLst>
-      <p:ext uri="{BB962C8B-B14F-4D97-AF65-F5344CB8AC3E}">
-        <p14:creationId xmlns:p14="http://schemas.microsoft.com/office/powerpoint/2010/main" val="762314662"/>
-      </p:ext>
-    </p:extLst>
   </p:cSld>
   <p:clrMapOvr>
     <a:masterClrMapping/>
@@ -1713,13 +1609,7 @@
       </p:grpSpPr>
       <p:sp>
         <p:nvSpPr>
-          <p:cNvPr id="2" name="标题 1">
-            <a:extLst>
-              <a:ext uri="{FF2B5EF4-FFF2-40B4-BE49-F238E27FC236}">
-                <a16:creationId xmlns:a16="http://schemas.microsoft.com/office/drawing/2014/main" id="{6047A424-70D7-4CCC-966E-2695D258EB84}"/>
-              </a:ext>
-            </a:extLst>
-          </p:cNvPr>
+          <p:cNvPr id="2" name="标题 1"/>
           <p:cNvSpPr>
             <a:spLocks noGrp="1"/>
           </p:cNvSpPr>
@@ -1755,13 +1645,7 @@
       </p:sp>
       <p:sp>
         <p:nvSpPr>
-          <p:cNvPr id="3" name="内容占位符 2">
-            <a:extLst>
-              <a:ext uri="{FF2B5EF4-FFF2-40B4-BE49-F238E27FC236}">
-                <a16:creationId xmlns:a16="http://schemas.microsoft.com/office/drawing/2014/main" id="{349EB7CE-ACB9-461D-ABD1-C4B53C255AF1}"/>
-              </a:ext>
-            </a:extLst>
-          </p:cNvPr>
+          <p:cNvPr id="3" name="内容占位符 2"/>
           <p:cNvSpPr>
             <a:spLocks noGrp="1"/>
           </p:cNvSpPr>
@@ -1795,6 +1679,7 @@
               <a:rPr lang="en-US" altLang="zh-CN" dirty="0"/>
               <a:t>:</a:t>
             </a:r>
+            <a:endParaRPr lang="en-US" altLang="zh-CN" dirty="0"/>
           </a:p>
           <a:p>
             <a:pPr lvl="1"/>
@@ -1846,6 +1731,7 @@
               <a:rPr lang="en-US" altLang="zh-CN" dirty="0"/>
               <a:t>-router</a:t>
             </a:r>
+            <a:endParaRPr lang="en-US" altLang="zh-CN" dirty="0"/>
           </a:p>
           <a:p>
             <a:endParaRPr lang="en-US" altLang="zh-CN" dirty="0"/>
@@ -1871,6 +1757,7 @@
               <a:rPr lang="en-US" altLang="zh-CN" dirty="0"/>
               <a:t>-router</a:t>
             </a:r>
+            <a:endParaRPr lang="en-US" altLang="zh-CN" dirty="0"/>
           </a:p>
           <a:p>
             <a:pPr lvl="1"/>
@@ -1902,6 +1789,7 @@
               <a:rPr lang="zh-CN" altLang="en-US" dirty="0"/>
               <a:t>是深度集成的，适合用于构建单页面应用。</a:t>
             </a:r>
+            <a:endParaRPr lang="zh-CN" altLang="en-US" dirty="0"/>
           </a:p>
           <a:p>
             <a:pPr lvl="1"/>
@@ -1915,7 +1803,7 @@
             </a:r>
             <a:r>
               <a:rPr lang="en-US" altLang="zh-CN" dirty="0">
-                <a:hlinkClick r:id="rId2"/>
+                <a:hlinkClick r:id="rId1"/>
               </a:rPr>
               <a:t>https://router.vuejs.org/zh/</a:t>
             </a:r>
@@ -1938,6 +1826,7 @@
               <a:rPr lang="zh-CN" altLang="en-US" dirty="0"/>
               <a:t>是基于路由和组件的</a:t>
             </a:r>
+            <a:endParaRPr lang="zh-CN" altLang="en-US" dirty="0"/>
           </a:p>
           <a:p>
             <a:pPr lvl="1"/>
@@ -1957,6 +1846,7 @@
               <a:rPr lang="en-US" altLang="zh-CN" dirty="0"/>
               <a:t>.</a:t>
             </a:r>
+            <a:endParaRPr lang="en-US" altLang="zh-CN" dirty="0"/>
           </a:p>
           <a:p>
             <a:pPr lvl="1"/>
@@ -1988,6 +1878,7 @@
               <a:rPr lang="en-US" altLang="zh-CN" dirty="0"/>
               <a:t>.</a:t>
             </a:r>
+            <a:endParaRPr lang="en-US" altLang="zh-CN" dirty="0"/>
           </a:p>
           <a:p>
             <a:endParaRPr kumimoji="1" lang="zh-CN" altLang="en-US" dirty="0"/>
@@ -1995,11 +1886,6 @@
         </p:txBody>
       </p:sp>
     </p:spTree>
-    <p:extLst>
-      <p:ext uri="{BB962C8B-B14F-4D97-AF65-F5344CB8AC3E}">
-        <p14:creationId xmlns:p14="http://schemas.microsoft.com/office/powerpoint/2010/main" val="3194930686"/>
-      </p:ext>
-    </p:extLst>
   </p:cSld>
   <p:clrMapOvr>
     <a:masterClrMapping/>
@@ -2026,13 +1912,7 @@
       </p:grpSpPr>
       <p:sp>
         <p:nvSpPr>
-          <p:cNvPr id="2" name="标题 1">
-            <a:extLst>
-              <a:ext uri="{FF2B5EF4-FFF2-40B4-BE49-F238E27FC236}">
-                <a16:creationId xmlns:a16="http://schemas.microsoft.com/office/drawing/2014/main" id="{6047A424-70D7-4CCC-966E-2695D258EB84}"/>
-              </a:ext>
-            </a:extLst>
-          </p:cNvPr>
+          <p:cNvPr id="2" name="标题 1"/>
           <p:cNvSpPr>
             <a:spLocks noGrp="1"/>
           </p:cNvSpPr>
@@ -2068,13 +1948,7 @@
       </p:sp>
       <p:sp>
         <p:nvSpPr>
-          <p:cNvPr id="3" name="内容占位符 2">
-            <a:extLst>
-              <a:ext uri="{FF2B5EF4-FFF2-40B4-BE49-F238E27FC236}">
-                <a16:creationId xmlns:a16="http://schemas.microsoft.com/office/drawing/2014/main" id="{349EB7CE-ACB9-461D-ABD1-C4B53C255AF1}"/>
-              </a:ext>
-            </a:extLst>
-          </p:cNvPr>
+          <p:cNvPr id="3" name="内容占位符 2"/>
           <p:cNvSpPr>
             <a:spLocks noGrp="1"/>
           </p:cNvSpPr>
@@ -2108,6 +1982,7 @@
               <a:rPr lang="en-US" altLang="zh-CN" dirty="0"/>
               <a:t>.</a:t>
             </a:r>
+            <a:endParaRPr lang="en-US" altLang="zh-CN" dirty="0"/>
           </a:p>
           <a:p>
             <a:pPr lvl="1"/>
@@ -2135,6 +2010,7 @@
               <a:rPr lang="en-US" altLang="zh-CN" dirty="0"/>
               <a:t>.</a:t>
             </a:r>
+            <a:endParaRPr lang="en-US" altLang="zh-CN" dirty="0"/>
           </a:p>
           <a:p>
             <a:pPr lvl="1"/>
@@ -2158,6 +2034,7 @@
               <a:rPr lang="en-US" altLang="zh-CN" dirty="0"/>
               <a:t>-router</a:t>
             </a:r>
+            <a:endParaRPr lang="en-US" altLang="zh-CN" dirty="0"/>
           </a:p>
           <a:p>
             <a:pPr lvl="2"/>
@@ -2225,6 +2102,7 @@
               <a:rPr lang="en-US" altLang="zh-CN" dirty="0"/>
               <a:t>)</a:t>
             </a:r>
+            <a:endParaRPr lang="en-US" altLang="zh-CN" dirty="0"/>
           </a:p>
           <a:p>
             <a:pPr lvl="2"/>
@@ -2284,6 +2162,11 @@
               </a:rPr>
               <a:t>)</a:t>
             </a:r>
+            <a:endParaRPr lang="en-US" altLang="zh-CN" dirty="0">
+              <a:solidFill>
+                <a:srgbClr val="FF0000"/>
+              </a:solidFill>
+            </a:endParaRPr>
           </a:p>
           <a:p>
             <a:pPr lvl="2"/>
@@ -2390,6 +2273,7 @@
               <a:rPr lang="en-US" altLang="zh-CN" dirty="0"/>
               <a:t>:</a:t>
             </a:r>
+            <a:endParaRPr lang="en-US" altLang="zh-CN" dirty="0"/>
           </a:p>
           <a:p>
             <a:pPr lvl="1"/>
@@ -2405,6 +2289,7 @@
               <a:rPr lang="zh-CN" altLang="en-US" dirty="0"/>
               <a:t>创建路由组件</a:t>
             </a:r>
+            <a:endParaRPr lang="zh-CN" altLang="en-US" dirty="0"/>
           </a:p>
           <a:p>
             <a:pPr lvl="1"/>
@@ -2428,6 +2313,7 @@
               <a:rPr lang="zh-CN" altLang="en-US" dirty="0"/>
               <a:t>组件和路径映射关系</a:t>
             </a:r>
+            <a:endParaRPr lang="zh-CN" altLang="en-US" dirty="0"/>
           </a:p>
           <a:p>
             <a:pPr lvl="1"/>
@@ -2463,6 +2349,7 @@
               <a:rPr lang="en-US" altLang="zh-CN" dirty="0"/>
               <a:t>&lt;router-view&gt;</a:t>
             </a:r>
+            <a:endParaRPr lang="en-US" altLang="zh-CN" dirty="0"/>
           </a:p>
           <a:p>
             <a:endParaRPr lang="en-US" altLang="zh-CN" dirty="0"/>
@@ -2477,13 +2364,7 @@
       </p:sp>
       <p:sp>
         <p:nvSpPr>
-          <p:cNvPr id="4" name="文本框 3">
-            <a:extLst>
-              <a:ext uri="{FF2B5EF4-FFF2-40B4-BE49-F238E27FC236}">
-                <a16:creationId xmlns:a16="http://schemas.microsoft.com/office/drawing/2014/main" id="{58887A61-3D9C-41C1-AE80-B475716D10CE}"/>
-              </a:ext>
-            </a:extLst>
-          </p:cNvPr>
+          <p:cNvPr id="4" name="文本框 3"/>
           <p:cNvSpPr txBox="1"/>
           <p:nvPr/>
         </p:nvSpPr>
@@ -2532,6 +2413,11 @@
               </a:rPr>
               <a:t>' </a:t>
             </a:r>
+            <a:endParaRPr lang="en-US" altLang="zh-CN" b="1" dirty="0">
+              <a:solidFill>
+                <a:srgbClr val="2E74D0"/>
+              </a:solidFill>
+            </a:endParaRPr>
           </a:p>
           <a:p>
             <a:r>
@@ -2574,6 +2460,11 @@
               </a:rPr>
               <a:t>-router' </a:t>
             </a:r>
+            <a:endParaRPr lang="en-US" altLang="zh-CN" b="1" dirty="0">
+              <a:solidFill>
+                <a:srgbClr val="2E74D0"/>
+              </a:solidFill>
+            </a:endParaRPr>
           </a:p>
           <a:p>
             <a:endParaRPr lang="en-US" altLang="zh-CN" b="1" dirty="0">
@@ -2624,11 +2515,6 @@
         </p:txBody>
       </p:sp>
     </p:spTree>
-    <p:extLst>
-      <p:ext uri="{BB962C8B-B14F-4D97-AF65-F5344CB8AC3E}">
-        <p14:creationId xmlns:p14="http://schemas.microsoft.com/office/powerpoint/2010/main" val="1756609795"/>
-      </p:ext>
-    </p:extLst>
   </p:cSld>
   <p:clrMapOvr>
     <a:masterClrMapping/>
@@ -2741,13 +2627,7 @@
       </p:grpSpPr>
       <p:sp>
         <p:nvSpPr>
-          <p:cNvPr id="2" name="标题 1">
-            <a:extLst>
-              <a:ext uri="{FF2B5EF4-FFF2-40B4-BE49-F238E27FC236}">
-                <a16:creationId xmlns:a16="http://schemas.microsoft.com/office/drawing/2014/main" id="{6047A424-70D7-4CCC-966E-2695D258EB84}"/>
-              </a:ext>
-            </a:extLst>
-          </p:cNvPr>
+          <p:cNvPr id="2" name="标题 1"/>
           <p:cNvSpPr>
             <a:spLocks noGrp="1"/>
           </p:cNvSpPr>
@@ -2783,20 +2663,14 @@
       </p:sp>
       <p:pic>
         <p:nvPicPr>
-          <p:cNvPr id="5" name="图片 4">
-            <a:extLst>
-              <a:ext uri="{FF2B5EF4-FFF2-40B4-BE49-F238E27FC236}">
-                <a16:creationId xmlns:a16="http://schemas.microsoft.com/office/drawing/2014/main" id="{50B10AB4-9DCC-45D0-8E8D-F17C8B674C24}"/>
-              </a:ext>
-            </a:extLst>
-          </p:cNvPr>
+          <p:cNvPr id="5" name="图片 4"/>
           <p:cNvPicPr>
             <a:picLocks noChangeAspect="1"/>
           </p:cNvPicPr>
           <p:nvPr/>
         </p:nvPicPr>
         <p:blipFill>
-          <a:blip r:embed="rId2"/>
+          <a:blip r:embed="rId1"/>
           <a:stretch>
             <a:fillRect/>
           </a:stretch>
@@ -2812,11 +2686,6 @@
         </p:spPr>
       </p:pic>
     </p:spTree>
-    <p:extLst>
-      <p:ext uri="{BB962C8B-B14F-4D97-AF65-F5344CB8AC3E}">
-        <p14:creationId xmlns:p14="http://schemas.microsoft.com/office/powerpoint/2010/main" val="3066294121"/>
-      </p:ext>
-    </p:extLst>
   </p:cSld>
   <p:clrMapOvr>
     <a:masterClrMapping/>
@@ -2843,13 +2712,7 @@
       </p:grpSpPr>
       <p:sp>
         <p:nvSpPr>
-          <p:cNvPr id="2" name="标题 1">
-            <a:extLst>
-              <a:ext uri="{FF2B5EF4-FFF2-40B4-BE49-F238E27FC236}">
-                <a16:creationId xmlns:a16="http://schemas.microsoft.com/office/drawing/2014/main" id="{6047A424-70D7-4CCC-966E-2695D258EB84}"/>
-              </a:ext>
-            </a:extLst>
-          </p:cNvPr>
+          <p:cNvPr id="2" name="标题 1"/>
           <p:cNvSpPr>
             <a:spLocks noGrp="1"/>
           </p:cNvSpPr>
@@ -2885,20 +2748,14 @@
       </p:sp>
       <p:pic>
         <p:nvPicPr>
-          <p:cNvPr id="3" name="图片 2">
-            <a:extLst>
-              <a:ext uri="{FF2B5EF4-FFF2-40B4-BE49-F238E27FC236}">
-                <a16:creationId xmlns:a16="http://schemas.microsoft.com/office/drawing/2014/main" id="{E6486F5B-4C01-43DC-8238-4A37E184F190}"/>
-              </a:ext>
-            </a:extLst>
-          </p:cNvPr>
+          <p:cNvPr id="3" name="图片 2"/>
           <p:cNvPicPr>
             <a:picLocks noChangeAspect="1"/>
           </p:cNvPicPr>
           <p:nvPr/>
         </p:nvPicPr>
         <p:blipFill>
-          <a:blip r:embed="rId2"/>
+          <a:blip r:embed="rId1"/>
           <a:stretch>
             <a:fillRect/>
           </a:stretch>
@@ -2914,11 +2771,6 @@
         </p:spPr>
       </p:pic>
     </p:spTree>
-    <p:extLst>
-      <p:ext uri="{BB962C8B-B14F-4D97-AF65-F5344CB8AC3E}">
-        <p14:creationId xmlns:p14="http://schemas.microsoft.com/office/powerpoint/2010/main" val="1111775807"/>
-      </p:ext>
-    </p:extLst>
   </p:cSld>
   <p:clrMapOvr>
     <a:masterClrMapping/>
@@ -2945,13 +2797,7 @@
       </p:grpSpPr>
       <p:sp>
         <p:nvSpPr>
-          <p:cNvPr id="2" name="标题 1">
-            <a:extLst>
-              <a:ext uri="{FF2B5EF4-FFF2-40B4-BE49-F238E27FC236}">
-                <a16:creationId xmlns:a16="http://schemas.microsoft.com/office/drawing/2014/main" id="{6047A424-70D7-4CCC-966E-2695D258EB84}"/>
-              </a:ext>
-            </a:extLst>
-          </p:cNvPr>
+          <p:cNvPr id="2" name="标题 1"/>
           <p:cNvSpPr>
             <a:spLocks noGrp="1"/>
           </p:cNvSpPr>
@@ -2983,13 +2829,7 @@
       </p:sp>
       <p:sp>
         <p:nvSpPr>
-          <p:cNvPr id="6" name="内容占位符 2">
-            <a:extLst>
-              <a:ext uri="{FF2B5EF4-FFF2-40B4-BE49-F238E27FC236}">
-                <a16:creationId xmlns:a16="http://schemas.microsoft.com/office/drawing/2014/main" id="{C3EF152B-F75B-4EE9-988A-88A56172C0DA}"/>
-              </a:ext>
-            </a:extLst>
-          </p:cNvPr>
+          <p:cNvPr id="6" name="内容占位符 2"/>
           <p:cNvSpPr>
             <a:spLocks noGrp="1"/>
           </p:cNvSpPr>
@@ -3049,20 +2889,14 @@
       </p:sp>
       <p:pic>
         <p:nvPicPr>
-          <p:cNvPr id="7" name="图片 6">
-            <a:extLst>
-              <a:ext uri="{FF2B5EF4-FFF2-40B4-BE49-F238E27FC236}">
-                <a16:creationId xmlns:a16="http://schemas.microsoft.com/office/drawing/2014/main" id="{6936DD02-9E63-44CC-A4C0-EF689AD7CAC1}"/>
-              </a:ext>
-            </a:extLst>
-          </p:cNvPr>
+          <p:cNvPr id="7" name="图片 6"/>
           <p:cNvPicPr>
             <a:picLocks noChangeAspect="1"/>
           </p:cNvPicPr>
           <p:nvPr/>
         </p:nvPicPr>
         <p:blipFill>
-          <a:blip r:embed="rId2"/>
+          <a:blip r:embed="rId1"/>
           <a:stretch>
             <a:fillRect/>
           </a:stretch>
@@ -3078,11 +2912,6 @@
         </p:spPr>
       </p:pic>
     </p:spTree>
-    <p:extLst>
-      <p:ext uri="{BB962C8B-B14F-4D97-AF65-F5344CB8AC3E}">
-        <p14:creationId xmlns:p14="http://schemas.microsoft.com/office/powerpoint/2010/main" val="2798548336"/>
-      </p:ext>
-    </p:extLst>
   </p:cSld>
   <p:clrMapOvr>
     <a:masterClrMapping/>
@@ -3109,13 +2938,7 @@
       </p:grpSpPr>
       <p:sp>
         <p:nvSpPr>
-          <p:cNvPr id="2" name="标题 1">
-            <a:extLst>
-              <a:ext uri="{FF2B5EF4-FFF2-40B4-BE49-F238E27FC236}">
-                <a16:creationId xmlns:a16="http://schemas.microsoft.com/office/drawing/2014/main" id="{6047A424-70D7-4CCC-966E-2695D258EB84}"/>
-              </a:ext>
-            </a:extLst>
-          </p:cNvPr>
+          <p:cNvPr id="2" name="标题 1"/>
           <p:cNvSpPr>
             <a:spLocks noGrp="1"/>
           </p:cNvSpPr>
@@ -3147,13 +2970,7 @@
       </p:sp>
       <p:sp>
         <p:nvSpPr>
-          <p:cNvPr id="6" name="内容占位符 2">
-            <a:extLst>
-              <a:ext uri="{FF2B5EF4-FFF2-40B4-BE49-F238E27FC236}">
-                <a16:creationId xmlns:a16="http://schemas.microsoft.com/office/drawing/2014/main" id="{C3EF152B-F75B-4EE9-988A-88A56172C0DA}"/>
-              </a:ext>
-            </a:extLst>
-          </p:cNvPr>
+          <p:cNvPr id="6" name="内容占位符 2"/>
           <p:cNvSpPr>
             <a:spLocks noGrp="1"/>
           </p:cNvSpPr>
@@ -3213,20 +3030,14 @@
       </p:sp>
       <p:pic>
         <p:nvPicPr>
-          <p:cNvPr id="3" name="图片 2">
-            <a:extLst>
-              <a:ext uri="{FF2B5EF4-FFF2-40B4-BE49-F238E27FC236}">
-                <a16:creationId xmlns:a16="http://schemas.microsoft.com/office/drawing/2014/main" id="{04A87357-8975-47DB-91BF-5754D4A30E13}"/>
-              </a:ext>
-            </a:extLst>
-          </p:cNvPr>
+          <p:cNvPr id="3" name="图片 2"/>
           <p:cNvPicPr>
             <a:picLocks noChangeAspect="1"/>
           </p:cNvPicPr>
           <p:nvPr/>
         </p:nvPicPr>
         <p:blipFill>
-          <a:blip r:embed="rId2"/>
+          <a:blip r:embed="rId1"/>
           <a:stretch>
             <a:fillRect/>
           </a:stretch>
@@ -3242,11 +3053,6 @@
         </p:spPr>
       </p:pic>
     </p:spTree>
-    <p:extLst>
-      <p:ext uri="{BB962C8B-B14F-4D97-AF65-F5344CB8AC3E}">
-        <p14:creationId xmlns:p14="http://schemas.microsoft.com/office/powerpoint/2010/main" val="845713691"/>
-      </p:ext>
-    </p:extLst>
   </p:cSld>
   <p:clrMapOvr>
     <a:masterClrMapping/>
@@ -3273,13 +3079,7 @@
       </p:grpSpPr>
       <p:sp>
         <p:nvSpPr>
-          <p:cNvPr id="6" name="内容占位符 5">
-            <a:extLst>
-              <a:ext uri="{FF2B5EF4-FFF2-40B4-BE49-F238E27FC236}">
-                <a16:creationId xmlns:a16="http://schemas.microsoft.com/office/drawing/2014/main" id="{F56DDB6B-1F77-42A6-BB36-10391CBC7771}"/>
-              </a:ext>
-            </a:extLst>
-          </p:cNvPr>
+          <p:cNvPr id="6" name="内容占位符 5"/>
           <p:cNvSpPr>
             <a:spLocks noGrp="1"/>
           </p:cNvSpPr>
@@ -3377,6 +3177,11 @@
               </a:rPr>
               <a:t>.</a:t>
             </a:r>
+            <a:endParaRPr lang="en-US" altLang="zh-CN" dirty="0">
+              <a:latin typeface="Microsoft YaHei Light" charset="-122"/>
+              <a:ea typeface="Microsoft YaHei Light" charset="-122"/>
+              <a:cs typeface="Microsoft YaHei Light" charset="-122"/>
+            </a:endParaRPr>
           </a:p>
           <a:p>
             <a:r>
@@ -3419,6 +3224,11 @@
               </a:rPr>
               <a:t>.</a:t>
             </a:r>
+            <a:endParaRPr lang="en-US" altLang="zh-CN" dirty="0">
+              <a:latin typeface="Microsoft YaHei Light" charset="-122"/>
+              <a:ea typeface="Microsoft YaHei Light" charset="-122"/>
+              <a:cs typeface="Microsoft YaHei Light" charset="-122"/>
+            </a:endParaRPr>
           </a:p>
           <a:p>
             <a:pPr lvl="1"/>
@@ -3502,6 +3312,11 @@
               </a:rPr>
               <a:t>.</a:t>
             </a:r>
+            <a:endParaRPr lang="en-US" altLang="zh-CN" dirty="0">
+              <a:latin typeface="Microsoft YaHei Light" charset="-122"/>
+              <a:ea typeface="Microsoft YaHei Light" charset="-122"/>
+              <a:cs typeface="Microsoft YaHei Light" charset="-122"/>
+            </a:endParaRPr>
           </a:p>
           <a:p>
             <a:pPr lvl="1"/>
@@ -3569,25 +3384,24 @@
               </a:rPr>
               <a:t>.</a:t>
             </a:r>
-          </a:p>
-          <a:p>
             <a:endParaRPr lang="en-US" altLang="zh-CN" dirty="0">
               <a:latin typeface="Microsoft YaHei Light" charset="-122"/>
               <a:ea typeface="Microsoft YaHei Light" charset="-122"/>
               <a:cs typeface="Microsoft YaHei Light" charset="-122"/>
             </a:endParaRPr>
           </a:p>
+          <a:p>
+            <a:endParaRPr lang="en-US" altLang="zh-CN" dirty="0">
+              <a:latin typeface="Microsoft YaHei Light" charset="-122"/>
+              <a:ea typeface="Microsoft YaHei Light" charset="-122"/>
+              <a:cs typeface="Microsoft YaHei Light" charset="-122"/>
+            </a:endParaRPr>
+          </a:p>
         </p:txBody>
       </p:sp>
       <p:sp>
         <p:nvSpPr>
-          <p:cNvPr id="5" name="内容占位符 4">
-            <a:extLst>
-              <a:ext uri="{FF2B5EF4-FFF2-40B4-BE49-F238E27FC236}">
-                <a16:creationId xmlns:a16="http://schemas.microsoft.com/office/drawing/2014/main" id="{451E74B9-52CF-4408-AAB1-BECCC9E1E37C}"/>
-              </a:ext>
-            </a:extLst>
-          </p:cNvPr>
+          <p:cNvPr id="5" name="内容占位符 4"/>
           <p:cNvSpPr>
             <a:spLocks noGrp="1"/>
           </p:cNvSpPr>
@@ -3611,13 +3425,7 @@
       </p:sp>
       <p:sp>
         <p:nvSpPr>
-          <p:cNvPr id="4" name="标题 3">
-            <a:extLst>
-              <a:ext uri="{FF2B5EF4-FFF2-40B4-BE49-F238E27FC236}">
-                <a16:creationId xmlns:a16="http://schemas.microsoft.com/office/drawing/2014/main" id="{753766A4-FC05-43F9-802C-4716B740AE72}"/>
-              </a:ext>
-            </a:extLst>
-          </p:cNvPr>
+          <p:cNvPr id="4" name="标题 3"/>
           <p:cNvSpPr>
             <a:spLocks noGrp="1"/>
           </p:cNvSpPr>
@@ -3653,20 +3461,14 @@
       </p:sp>
       <p:pic>
         <p:nvPicPr>
-          <p:cNvPr id="7" name="图片 6">
-            <a:extLst>
-              <a:ext uri="{FF2B5EF4-FFF2-40B4-BE49-F238E27FC236}">
-                <a16:creationId xmlns:a16="http://schemas.microsoft.com/office/drawing/2014/main" id="{35B18008-09B2-4009-95ED-865CD89B59E9}"/>
-              </a:ext>
-            </a:extLst>
-          </p:cNvPr>
+          <p:cNvPr id="7" name="图片 6"/>
           <p:cNvPicPr>
             <a:picLocks noChangeAspect="1"/>
           </p:cNvPicPr>
           <p:nvPr/>
         </p:nvPicPr>
         <p:blipFill>
-          <a:blip r:embed="rId2"/>
+          <a:blip r:embed="rId1"/>
           <a:stretch>
             <a:fillRect/>
           </a:stretch>
@@ -3682,11 +3484,6 @@
         </p:spPr>
       </p:pic>
     </p:spTree>
-    <p:extLst>
-      <p:ext uri="{BB962C8B-B14F-4D97-AF65-F5344CB8AC3E}">
-        <p14:creationId xmlns:p14="http://schemas.microsoft.com/office/powerpoint/2010/main" val="1661145453"/>
-      </p:ext>
-    </p:extLst>
   </p:cSld>
   <p:clrMapOvr>
     <a:masterClrMapping/>
@@ -3713,13 +3510,7 @@
       </p:grpSpPr>
       <p:sp>
         <p:nvSpPr>
-          <p:cNvPr id="2" name="标题 1">
-            <a:extLst>
-              <a:ext uri="{FF2B5EF4-FFF2-40B4-BE49-F238E27FC236}">
-                <a16:creationId xmlns:a16="http://schemas.microsoft.com/office/drawing/2014/main" id="{6047A424-70D7-4CCC-966E-2695D258EB84}"/>
-              </a:ext>
-            </a:extLst>
-          </p:cNvPr>
+          <p:cNvPr id="2" name="标题 1"/>
           <p:cNvSpPr>
             <a:spLocks noGrp="1"/>
           </p:cNvSpPr>
@@ -3747,13 +3538,7 @@
       </p:sp>
       <p:sp>
         <p:nvSpPr>
-          <p:cNvPr id="6" name="内容占位符 2">
-            <a:extLst>
-              <a:ext uri="{FF2B5EF4-FFF2-40B4-BE49-F238E27FC236}">
-                <a16:creationId xmlns:a16="http://schemas.microsoft.com/office/drawing/2014/main" id="{C3EF152B-F75B-4EE9-988A-88A56172C0DA}"/>
-              </a:ext>
-            </a:extLst>
-          </p:cNvPr>
+          <p:cNvPr id="6" name="内容占位符 2"/>
           <p:cNvSpPr>
             <a:spLocks noGrp="1"/>
           </p:cNvSpPr>
@@ -3803,6 +3588,7 @@
               <a:rPr kumimoji="1" lang="en-US" altLang="zh-CN" dirty="0"/>
               <a:t>“/”</a:t>
             </a:r>
+            <a:endParaRPr kumimoji="1" lang="en-US" altLang="zh-CN" dirty="0"/>
           </a:p>
           <a:p>
             <a:pPr lvl="2"/>
@@ -3866,6 +3652,7 @@
               <a:rPr kumimoji="1" lang="en-US" altLang="zh-CN" dirty="0"/>
               <a:t>home</a:t>
             </a:r>
+            <a:endParaRPr kumimoji="1" lang="en-US" altLang="zh-CN" dirty="0"/>
           </a:p>
           <a:p>
             <a:pPr lvl="2"/>
@@ -3931,20 +3718,14 @@
       </p:sp>
       <p:pic>
         <p:nvPicPr>
-          <p:cNvPr id="4" name="图片 3">
-            <a:extLst>
-              <a:ext uri="{FF2B5EF4-FFF2-40B4-BE49-F238E27FC236}">
-                <a16:creationId xmlns:a16="http://schemas.microsoft.com/office/drawing/2014/main" id="{CA355EDA-F163-4D71-8801-4393B4995182}"/>
-              </a:ext>
-            </a:extLst>
-          </p:cNvPr>
+          <p:cNvPr id="4" name="图片 3"/>
           <p:cNvPicPr>
             <a:picLocks noChangeAspect="1"/>
           </p:cNvPicPr>
           <p:nvPr/>
         </p:nvPicPr>
         <p:blipFill>
-          <a:blip r:embed="rId2"/>
+          <a:blip r:embed="rId1"/>
           <a:stretch>
             <a:fillRect/>
           </a:stretch>
@@ -3960,11 +3741,6 @@
         </p:spPr>
       </p:pic>
     </p:spTree>
-    <p:extLst>
-      <p:ext uri="{BB962C8B-B14F-4D97-AF65-F5344CB8AC3E}">
-        <p14:creationId xmlns:p14="http://schemas.microsoft.com/office/powerpoint/2010/main" val="1431003757"/>
-      </p:ext>
-    </p:extLst>
   </p:cSld>
   <p:clrMapOvr>
     <a:masterClrMapping/>
@@ -3991,13 +3767,7 @@
       </p:grpSpPr>
       <p:sp>
         <p:nvSpPr>
-          <p:cNvPr id="2" name="标题 1">
-            <a:extLst>
-              <a:ext uri="{FF2B5EF4-FFF2-40B4-BE49-F238E27FC236}">
-                <a16:creationId xmlns:a16="http://schemas.microsoft.com/office/drawing/2014/main" id="{6047A424-70D7-4CCC-966E-2695D258EB84}"/>
-              </a:ext>
-            </a:extLst>
-          </p:cNvPr>
+          <p:cNvPr id="2" name="标题 1"/>
           <p:cNvSpPr>
             <a:spLocks noGrp="1"/>
           </p:cNvSpPr>
@@ -4019,18 +3789,13 @@
               <a:rPr lang="zh-CN" altLang="en-US" dirty="0"/>
               <a:t>路由的默认路径</a:t>
             </a:r>
+            <a:endParaRPr lang="zh-CN" altLang="en-US" dirty="0"/>
           </a:p>
         </p:txBody>
       </p:sp>
       <p:sp>
         <p:nvSpPr>
-          <p:cNvPr id="6" name="内容占位符 2">
-            <a:extLst>
-              <a:ext uri="{FF2B5EF4-FFF2-40B4-BE49-F238E27FC236}">
-                <a16:creationId xmlns:a16="http://schemas.microsoft.com/office/drawing/2014/main" id="{C3EF152B-F75B-4EE9-988A-88A56172C0DA}"/>
-              </a:ext>
-            </a:extLst>
-          </p:cNvPr>
+          <p:cNvPr id="6" name="内容占位符 2"/>
           <p:cNvSpPr>
             <a:spLocks noGrp="1"/>
           </p:cNvSpPr>
@@ -4056,6 +3821,7 @@
               <a:rPr lang="en-US" altLang="zh-CN" dirty="0"/>
               <a:t>:</a:t>
             </a:r>
+            <a:endParaRPr lang="en-US" altLang="zh-CN" dirty="0"/>
           </a:p>
           <a:p>
             <a:pPr lvl="1"/>
@@ -4091,6 +3857,7 @@
               <a:rPr lang="en-US" altLang="zh-CN" dirty="0"/>
               <a:t>.</a:t>
             </a:r>
+            <a:endParaRPr lang="en-US" altLang="zh-CN" dirty="0"/>
           </a:p>
           <a:p>
             <a:pPr lvl="1"/>
@@ -4118,6 +3885,7 @@
               <a:rPr lang="en-US" altLang="zh-CN" dirty="0"/>
               <a:t>.</a:t>
             </a:r>
+            <a:endParaRPr lang="en-US" altLang="zh-CN" dirty="0"/>
           </a:p>
           <a:p>
             <a:r>
@@ -4156,6 +3924,7 @@
               <a:rPr lang="en-US" altLang="zh-CN" dirty="0"/>
               <a:t>?</a:t>
             </a:r>
+            <a:endParaRPr lang="en-US" altLang="zh-CN" dirty="0"/>
           </a:p>
           <a:p>
             <a:pPr lvl="1"/>
@@ -4175,8 +3944,6 @@
               <a:rPr lang="en-US" altLang="zh-CN" dirty="0"/>
               <a:t>.</a:t>
             </a:r>
-          </a:p>
-          <a:p>
             <a:endParaRPr lang="en-US" altLang="zh-CN" dirty="0"/>
           </a:p>
           <a:p>
@@ -4186,6 +3953,9 @@
             <a:endParaRPr lang="en-US" altLang="zh-CN" dirty="0"/>
           </a:p>
           <a:p>
+            <a:endParaRPr lang="en-US" altLang="zh-CN" dirty="0"/>
+          </a:p>
+          <a:p>
             <a:r>
               <a:rPr lang="zh-CN" altLang="en-US" dirty="0"/>
               <a:t>配置解析</a:t>
@@ -4194,6 +3964,7 @@
               <a:rPr lang="en-US" altLang="zh-CN" dirty="0"/>
               <a:t>:</a:t>
             </a:r>
+            <a:endParaRPr lang="en-US" altLang="zh-CN" dirty="0"/>
           </a:p>
           <a:p>
             <a:pPr lvl="1"/>
@@ -4213,6 +3984,7 @@
               <a:rPr lang="en-US" altLang="zh-CN" dirty="0"/>
               <a:t>. </a:t>
             </a:r>
+            <a:endParaRPr lang="en-US" altLang="zh-CN" dirty="0"/>
           </a:p>
           <a:p>
             <a:pPr lvl="1"/>
@@ -4228,6 +4000,7 @@
               <a:rPr lang="en-US" altLang="zh-CN" dirty="0"/>
               <a:t>: /</a:t>
             </a:r>
+            <a:endParaRPr lang="en-US" altLang="zh-CN" dirty="0"/>
           </a:p>
           <a:p>
             <a:pPr lvl="1"/>
@@ -4267,6 +4040,7 @@
               <a:rPr lang="en-US" altLang="zh-CN" dirty="0"/>
               <a:t>.</a:t>
             </a:r>
+            <a:endParaRPr lang="en-US" altLang="zh-CN" dirty="0"/>
           </a:p>
           <a:p>
             <a:endParaRPr kumimoji="1" lang="zh-CN" altLang="en-US" dirty="0"/>
@@ -4275,20 +4049,14 @@
       </p:sp>
       <p:pic>
         <p:nvPicPr>
-          <p:cNvPr id="5" name="图片 4">
-            <a:extLst>
-              <a:ext uri="{FF2B5EF4-FFF2-40B4-BE49-F238E27FC236}">
-                <a16:creationId xmlns:a16="http://schemas.microsoft.com/office/drawing/2014/main" id="{30260654-330F-4305-A370-5A98D3C9031F}"/>
-              </a:ext>
-            </a:extLst>
-          </p:cNvPr>
+          <p:cNvPr id="5" name="图片 4"/>
           <p:cNvPicPr>
             <a:picLocks noChangeAspect="1"/>
           </p:cNvPicPr>
           <p:nvPr/>
         </p:nvPicPr>
         <p:blipFill>
-          <a:blip r:embed="rId2"/>
+          <a:blip r:embed="rId1"/>
           <a:stretch>
             <a:fillRect/>
           </a:stretch>
@@ -4304,11 +4072,6 @@
         </p:spPr>
       </p:pic>
     </p:spTree>
-    <p:extLst>
-      <p:ext uri="{BB962C8B-B14F-4D97-AF65-F5344CB8AC3E}">
-        <p14:creationId xmlns:p14="http://schemas.microsoft.com/office/powerpoint/2010/main" val="3556361711"/>
-      </p:ext>
-    </p:extLst>
   </p:cSld>
   <p:clrMapOvr>
     <a:masterClrMapping/>
@@ -4335,13 +4098,7 @@
       </p:grpSpPr>
       <p:sp>
         <p:nvSpPr>
-          <p:cNvPr id="2" name="标题 1">
-            <a:extLst>
-              <a:ext uri="{FF2B5EF4-FFF2-40B4-BE49-F238E27FC236}">
-                <a16:creationId xmlns:a16="http://schemas.microsoft.com/office/drawing/2014/main" id="{6047A424-70D7-4CCC-966E-2695D258EB84}"/>
-              </a:ext>
-            </a:extLst>
-          </p:cNvPr>
+          <p:cNvPr id="2" name="标题 1"/>
           <p:cNvSpPr>
             <a:spLocks noGrp="1"/>
           </p:cNvSpPr>
@@ -4369,13 +4126,7 @@
       </p:sp>
       <p:sp>
         <p:nvSpPr>
-          <p:cNvPr id="3" name="内容占位符 2">
-            <a:extLst>
-              <a:ext uri="{FF2B5EF4-FFF2-40B4-BE49-F238E27FC236}">
-                <a16:creationId xmlns:a16="http://schemas.microsoft.com/office/drawing/2014/main" id="{349EB7CE-ACB9-461D-ABD1-C4B53C255AF1}"/>
-              </a:ext>
-            </a:extLst>
-          </p:cNvPr>
+          <p:cNvPr id="3" name="内容占位符 2"/>
           <p:cNvSpPr>
             <a:spLocks noGrp="1"/>
           </p:cNvSpPr>
@@ -4464,6 +4215,7 @@
               <a:rPr kumimoji="1" lang="en-US" altLang="zh-CN" dirty="0"/>
               <a:t>keep-alive</a:t>
             </a:r>
+            <a:endParaRPr kumimoji="1" lang="en-US" altLang="zh-CN" dirty="0"/>
           </a:p>
           <a:p>
             <a:endParaRPr kumimoji="1" lang="zh-CN" altLang="en-US" dirty="0"/>
@@ -4471,11 +4223,6 @@
         </p:txBody>
       </p:sp>
     </p:spTree>
-    <p:extLst>
-      <p:ext uri="{BB962C8B-B14F-4D97-AF65-F5344CB8AC3E}">
-        <p14:creationId xmlns:p14="http://schemas.microsoft.com/office/powerpoint/2010/main" val="2459154881"/>
-      </p:ext>
-    </p:extLst>
   </p:cSld>
   <p:clrMapOvr>
     <a:masterClrMapping/>
@@ -4502,13 +4249,7 @@
       </p:grpSpPr>
       <p:sp>
         <p:nvSpPr>
-          <p:cNvPr id="2" name="标题 1">
-            <a:extLst>
-              <a:ext uri="{FF2B5EF4-FFF2-40B4-BE49-F238E27FC236}">
-                <a16:creationId xmlns:a16="http://schemas.microsoft.com/office/drawing/2014/main" id="{6047A424-70D7-4CCC-966E-2695D258EB84}"/>
-              </a:ext>
-            </a:extLst>
-          </p:cNvPr>
+          <p:cNvPr id="2" name="标题 1"/>
           <p:cNvSpPr>
             <a:spLocks noGrp="1"/>
           </p:cNvSpPr>
@@ -4542,18 +4283,13 @@
               <a:rPr lang="zh-CN" altLang="en-US" dirty="0"/>
               <a:t>模式</a:t>
             </a:r>
+            <a:endParaRPr lang="zh-CN" altLang="en-US" dirty="0"/>
           </a:p>
         </p:txBody>
       </p:sp>
       <p:sp>
         <p:nvSpPr>
-          <p:cNvPr id="6" name="内容占位符 2">
-            <a:extLst>
-              <a:ext uri="{FF2B5EF4-FFF2-40B4-BE49-F238E27FC236}">
-                <a16:creationId xmlns:a16="http://schemas.microsoft.com/office/drawing/2014/main" id="{C3EF152B-F75B-4EE9-988A-88A56172C0DA}"/>
-              </a:ext>
-            </a:extLst>
-          </p:cNvPr>
+          <p:cNvPr id="6" name="内容占位符 2"/>
           <p:cNvSpPr>
             <a:spLocks noGrp="1"/>
           </p:cNvSpPr>
@@ -4579,6 +4315,7 @@
               <a:rPr lang="en-US" altLang="zh-CN" dirty="0"/>
               <a:t>:</a:t>
             </a:r>
+            <a:endParaRPr lang="en-US" altLang="zh-CN" dirty="0"/>
           </a:p>
           <a:p>
             <a:pPr lvl="1"/>
@@ -4594,6 +4331,7 @@
               <a:rPr lang="en-US" altLang="zh-CN" dirty="0"/>
               <a:t>hash</a:t>
             </a:r>
+            <a:endParaRPr lang="en-US" altLang="zh-CN" dirty="0"/>
           </a:p>
           <a:p>
             <a:pPr lvl="1"/>
@@ -4609,6 +4347,7 @@
               <a:rPr lang="en-US" altLang="zh-CN" dirty="0"/>
               <a:t>history</a:t>
             </a:r>
+            <a:endParaRPr lang="en-US" altLang="zh-CN" dirty="0"/>
           </a:p>
           <a:p>
             <a:pPr lvl="1"/>
@@ -4636,6 +4375,7 @@
               <a:rPr lang="en-US" altLang="zh-CN" dirty="0"/>
               <a:t>hash.</a:t>
             </a:r>
+            <a:endParaRPr lang="en-US" altLang="zh-CN" dirty="0"/>
           </a:p>
           <a:p>
             <a:r>
@@ -4678,6 +4418,7 @@
               <a:rPr lang="en-US" altLang="zh-CN" dirty="0"/>
               <a:t>:</a:t>
             </a:r>
+            <a:endParaRPr lang="en-US" altLang="zh-CN" dirty="0"/>
           </a:p>
           <a:p>
             <a:endParaRPr kumimoji="1" lang="en-US" altLang="zh-CN" dirty="0"/>
@@ -4701,13 +4442,31 @@
       </p:sp>
       <p:pic>
         <p:nvPicPr>
-          <p:cNvPr id="3" name="图片 2">
-            <a:extLst>
-              <a:ext uri="{FF2B5EF4-FFF2-40B4-BE49-F238E27FC236}">
-                <a16:creationId xmlns:a16="http://schemas.microsoft.com/office/drawing/2014/main" id="{8FF580E4-A6F8-43DF-B8D7-21F58EDA7093}"/>
-              </a:ext>
-            </a:extLst>
-          </p:cNvPr>
+          <p:cNvPr id="3" name="图片 2"/>
+          <p:cNvPicPr>
+            <a:picLocks noChangeAspect="1"/>
+          </p:cNvPicPr>
+          <p:nvPr/>
+        </p:nvPicPr>
+        <p:blipFill>
+          <a:blip r:embed="rId1"/>
+          <a:stretch>
+            <a:fillRect/>
+          </a:stretch>
+        </p:blipFill>
+        <p:spPr>
+          <a:xfrm>
+            <a:off x="994022" y="2647950"/>
+            <a:ext cx="4400550" cy="1562100"/>
+          </a:xfrm>
+          <a:prstGeom prst="rect">
+            <a:avLst/>
+          </a:prstGeom>
+        </p:spPr>
+      </p:pic>
+      <p:pic>
+        <p:nvPicPr>
+          <p:cNvPr id="4" name="图片 3"/>
           <p:cNvPicPr>
             <a:picLocks noChangeAspect="1"/>
           </p:cNvPicPr>
@@ -4721,50 +4480,15 @@
         </p:blipFill>
         <p:spPr>
           <a:xfrm>
-            <a:off x="994022" y="2647950"/>
-            <a:ext cx="4400550" cy="1562100"/>
+            <a:off x="5025656" y="2545278"/>
+            <a:ext cx="4229100" cy="2447925"/>
           </a:xfrm>
           <a:prstGeom prst="rect">
             <a:avLst/>
           </a:prstGeom>
         </p:spPr>
       </p:pic>
-      <p:pic>
-        <p:nvPicPr>
-          <p:cNvPr id="4" name="图片 3">
-            <a:extLst>
-              <a:ext uri="{FF2B5EF4-FFF2-40B4-BE49-F238E27FC236}">
-                <a16:creationId xmlns:a16="http://schemas.microsoft.com/office/drawing/2014/main" id="{5CD3420A-8799-4413-B0B4-6CBE6685EB86}"/>
-              </a:ext>
-            </a:extLst>
-          </p:cNvPr>
-          <p:cNvPicPr>
-            <a:picLocks noChangeAspect="1"/>
-          </p:cNvPicPr>
-          <p:nvPr/>
-        </p:nvPicPr>
-        <p:blipFill>
-          <a:blip r:embed="rId3"/>
-          <a:stretch>
-            <a:fillRect/>
-          </a:stretch>
-        </p:blipFill>
-        <p:spPr>
-          <a:xfrm>
-            <a:off x="5025656" y="2545278"/>
-            <a:ext cx="4229100" cy="2447925"/>
-          </a:xfrm>
-          <a:prstGeom prst="rect">
-            <a:avLst/>
-          </a:prstGeom>
-        </p:spPr>
-      </p:pic>
     </p:spTree>
-    <p:extLst>
-      <p:ext uri="{BB962C8B-B14F-4D97-AF65-F5344CB8AC3E}">
-        <p14:creationId xmlns:p14="http://schemas.microsoft.com/office/powerpoint/2010/main" val="3151260646"/>
-      </p:ext>
-    </p:extLst>
   </p:cSld>
   <p:clrMapOvr>
     <a:masterClrMapping/>
@@ -4791,13 +4515,7 @@
       </p:grpSpPr>
       <p:sp>
         <p:nvSpPr>
-          <p:cNvPr id="2" name="标题 1">
-            <a:extLst>
-              <a:ext uri="{FF2B5EF4-FFF2-40B4-BE49-F238E27FC236}">
-                <a16:creationId xmlns:a16="http://schemas.microsoft.com/office/drawing/2014/main" id="{6047A424-70D7-4CCC-966E-2695D258EB84}"/>
-              </a:ext>
-            </a:extLst>
-          </p:cNvPr>
+          <p:cNvPr id="2" name="标题 1"/>
           <p:cNvSpPr>
             <a:spLocks noGrp="1"/>
           </p:cNvSpPr>
@@ -4819,18 +4537,13 @@
               <a:rPr lang="zh-CN" altLang="en-US" dirty="0"/>
               <a:t>思考题</a:t>
             </a:r>
+            <a:endParaRPr lang="zh-CN" altLang="en-US" dirty="0"/>
           </a:p>
         </p:txBody>
       </p:sp>
       <p:sp>
         <p:nvSpPr>
-          <p:cNvPr id="6" name="内容占位符 2">
-            <a:extLst>
-              <a:ext uri="{FF2B5EF4-FFF2-40B4-BE49-F238E27FC236}">
-                <a16:creationId xmlns:a16="http://schemas.microsoft.com/office/drawing/2014/main" id="{C3EF152B-F75B-4EE9-988A-88A56172C0DA}"/>
-              </a:ext>
-            </a:extLst>
-          </p:cNvPr>
+          <p:cNvPr id="6" name="内容占位符 2"/>
           <p:cNvSpPr>
             <a:spLocks noGrp="1"/>
           </p:cNvSpPr>
@@ -4890,13 +4603,7 @@
       </p:sp>
       <p:sp>
         <p:nvSpPr>
-          <p:cNvPr id="5" name="文本框 4">
-            <a:extLst>
-              <a:ext uri="{FF2B5EF4-FFF2-40B4-BE49-F238E27FC236}">
-                <a16:creationId xmlns:a16="http://schemas.microsoft.com/office/drawing/2014/main" id="{162C1DD4-D97C-42B2-96F2-30E4CBA190DE}"/>
-              </a:ext>
-            </a:extLst>
-          </p:cNvPr>
+          <p:cNvPr id="5" name="文本框 4"/>
           <p:cNvSpPr txBox="1"/>
           <p:nvPr/>
         </p:nvSpPr>
@@ -4938,11 +4645,6 @@
         </p:txBody>
       </p:sp>
     </p:spTree>
-    <p:extLst>
-      <p:ext uri="{BB962C8B-B14F-4D97-AF65-F5344CB8AC3E}">
-        <p14:creationId xmlns:p14="http://schemas.microsoft.com/office/powerpoint/2010/main" val="2101140281"/>
-      </p:ext>
-    </p:extLst>
   </p:cSld>
   <p:clrMapOvr>
     <a:masterClrMapping/>
@@ -4969,13 +4671,7 @@
       </p:grpSpPr>
       <p:sp>
         <p:nvSpPr>
-          <p:cNvPr id="2" name="标题 1">
-            <a:extLst>
-              <a:ext uri="{FF2B5EF4-FFF2-40B4-BE49-F238E27FC236}">
-                <a16:creationId xmlns:a16="http://schemas.microsoft.com/office/drawing/2014/main" id="{6047A424-70D7-4CCC-966E-2695D258EB84}"/>
-              </a:ext>
-            </a:extLst>
-          </p:cNvPr>
+          <p:cNvPr id="2" name="标题 1"/>
           <p:cNvSpPr>
             <a:spLocks noGrp="1"/>
           </p:cNvSpPr>
@@ -5009,18 +4705,13 @@
               <a:rPr lang="zh-CN" altLang="en-US" dirty="0"/>
               <a:t>模式思考题</a:t>
             </a:r>
+            <a:endParaRPr lang="zh-CN" altLang="en-US" dirty="0"/>
           </a:p>
         </p:txBody>
       </p:sp>
       <p:sp>
         <p:nvSpPr>
-          <p:cNvPr id="6" name="内容占位符 2">
-            <a:extLst>
-              <a:ext uri="{FF2B5EF4-FFF2-40B4-BE49-F238E27FC236}">
-                <a16:creationId xmlns:a16="http://schemas.microsoft.com/office/drawing/2014/main" id="{C3EF152B-F75B-4EE9-988A-88A56172C0DA}"/>
-              </a:ext>
-            </a:extLst>
-          </p:cNvPr>
+          <p:cNvPr id="6" name="内容占位符 2"/>
           <p:cNvSpPr>
             <a:spLocks noGrp="1"/>
           </p:cNvSpPr>
@@ -5160,6 +4851,7 @@
               <a:rPr kumimoji="1" lang="en-US" altLang="zh-CN" dirty="0"/>
               <a:t>history</a:t>
             </a:r>
+            <a:endParaRPr kumimoji="1" lang="en-US" altLang="zh-CN" dirty="0"/>
           </a:p>
           <a:p>
             <a:pPr lvl="1"/>
@@ -5253,13 +4945,7 @@
       </p:sp>
       <p:sp>
         <p:nvSpPr>
-          <p:cNvPr id="7" name="文本框 6">
-            <a:extLst>
-              <a:ext uri="{FF2B5EF4-FFF2-40B4-BE49-F238E27FC236}">
-                <a16:creationId xmlns:a16="http://schemas.microsoft.com/office/drawing/2014/main" id="{FE4EA644-30F3-43F9-80D2-FB784C9F187D}"/>
-              </a:ext>
-            </a:extLst>
-          </p:cNvPr>
+          <p:cNvPr id="7" name="文本框 6"/>
           <p:cNvSpPr txBox="1"/>
           <p:nvPr/>
         </p:nvSpPr>
@@ -5295,6 +4981,7 @@
               <a:rPr lang="en-US" altLang="zh-CN" dirty="0"/>
               <a:t>", function() { </a:t>
             </a:r>
+            <a:endParaRPr lang="en-US" altLang="zh-CN" dirty="0"/>
           </a:p>
           <a:p>
             <a:r>
@@ -5345,11 +5032,6 @@
         </p:txBody>
       </p:sp>
     </p:spTree>
-    <p:extLst>
-      <p:ext uri="{BB962C8B-B14F-4D97-AF65-F5344CB8AC3E}">
-        <p14:creationId xmlns:p14="http://schemas.microsoft.com/office/powerpoint/2010/main" val="398871467"/>
-      </p:ext>
-    </p:extLst>
   </p:cSld>
   <p:clrMapOvr>
     <a:masterClrMapping/>
@@ -5376,13 +5058,7 @@
       </p:grpSpPr>
       <p:sp>
         <p:nvSpPr>
-          <p:cNvPr id="2" name="标题 1">
-            <a:extLst>
-              <a:ext uri="{FF2B5EF4-FFF2-40B4-BE49-F238E27FC236}">
-                <a16:creationId xmlns:a16="http://schemas.microsoft.com/office/drawing/2014/main" id="{6047A424-70D7-4CCC-966E-2695D258EB84}"/>
-              </a:ext>
-            </a:extLst>
-          </p:cNvPr>
+          <p:cNvPr id="2" name="标题 1"/>
           <p:cNvSpPr>
             <a:spLocks noGrp="1"/>
           </p:cNvSpPr>
@@ -5414,13 +5090,7 @@
       </p:sp>
       <p:sp>
         <p:nvSpPr>
-          <p:cNvPr id="6" name="内容占位符 2">
-            <a:extLst>
-              <a:ext uri="{FF2B5EF4-FFF2-40B4-BE49-F238E27FC236}">
-                <a16:creationId xmlns:a16="http://schemas.microsoft.com/office/drawing/2014/main" id="{C3EF152B-F75B-4EE9-988A-88A56172C0DA}"/>
-              </a:ext>
-            </a:extLst>
-          </p:cNvPr>
+          <p:cNvPr id="6" name="内容占位符 2"/>
           <p:cNvSpPr>
             <a:spLocks noGrp="1"/>
           </p:cNvSpPr>
@@ -5486,6 +5156,7 @@
               <a:rPr kumimoji="1" lang="en-US" altLang="zh-CN" dirty="0"/>
               <a:t>.</a:t>
             </a:r>
+            <a:endParaRPr kumimoji="1" lang="en-US" altLang="zh-CN" dirty="0"/>
           </a:p>
           <a:p>
             <a:r>
@@ -5504,6 +5175,7 @@
               <a:rPr kumimoji="1" lang="en-US" altLang="zh-CN" dirty="0"/>
               <a:t>:</a:t>
             </a:r>
+            <a:endParaRPr kumimoji="1" lang="en-US" altLang="zh-CN" dirty="0"/>
           </a:p>
           <a:p>
             <a:pPr lvl="1"/>
@@ -5559,6 +5231,7 @@
               <a:rPr kumimoji="1" lang="en-US" altLang="zh-CN" dirty="0"/>
               <a:t>&lt;a&gt;</a:t>
             </a:r>
+            <a:endParaRPr kumimoji="1" lang="en-US" altLang="zh-CN" dirty="0"/>
           </a:p>
           <a:p>
             <a:pPr lvl="1"/>
@@ -5670,6 +5343,7 @@
               <a:rPr kumimoji="1" lang="en-US" altLang="zh-CN" dirty="0"/>
               <a:t>.</a:t>
             </a:r>
+            <a:endParaRPr kumimoji="1" lang="en-US" altLang="zh-CN" dirty="0"/>
           </a:p>
           <a:p>
             <a:pPr lvl="2"/>
@@ -5697,6 +5371,7 @@
               <a:rPr lang="en-US" altLang="zh-CN" dirty="0"/>
               <a:t>.</a:t>
             </a:r>
+            <a:endParaRPr lang="en-US" altLang="zh-CN" dirty="0"/>
           </a:p>
           <a:p>
             <a:pPr lvl="2"/>
@@ -5730,20 +5405,14 @@
       </p:sp>
       <p:pic>
         <p:nvPicPr>
-          <p:cNvPr id="3" name="图片 2">
-            <a:extLst>
-              <a:ext uri="{FF2B5EF4-FFF2-40B4-BE49-F238E27FC236}">
-                <a16:creationId xmlns:a16="http://schemas.microsoft.com/office/drawing/2014/main" id="{C3AEA5D6-2505-45BB-BBA1-C0B618F9F5FC}"/>
-              </a:ext>
-            </a:extLst>
-          </p:cNvPr>
+          <p:cNvPr id="3" name="图片 2"/>
           <p:cNvPicPr>
             <a:picLocks noChangeAspect="1"/>
           </p:cNvPicPr>
           <p:nvPr/>
         </p:nvPicPr>
         <p:blipFill>
-          <a:blip r:embed="rId2"/>
+          <a:blip r:embed="rId1"/>
           <a:stretch>
             <a:fillRect/>
           </a:stretch>
@@ -5759,11 +5428,6 @@
         </p:spPr>
       </p:pic>
     </p:spTree>
-    <p:extLst>
-      <p:ext uri="{BB962C8B-B14F-4D97-AF65-F5344CB8AC3E}">
-        <p14:creationId xmlns:p14="http://schemas.microsoft.com/office/powerpoint/2010/main" val="4152194069"/>
-      </p:ext>
-    </p:extLst>
   </p:cSld>
   <p:clrMapOvr>
     <a:masterClrMapping/>
@@ -5790,13 +5454,7 @@
       </p:grpSpPr>
       <p:sp>
         <p:nvSpPr>
-          <p:cNvPr id="2" name="标题 1">
-            <a:extLst>
-              <a:ext uri="{FF2B5EF4-FFF2-40B4-BE49-F238E27FC236}">
-                <a16:creationId xmlns:a16="http://schemas.microsoft.com/office/drawing/2014/main" id="{6047A424-70D7-4CCC-966E-2695D258EB84}"/>
-              </a:ext>
-            </a:extLst>
-          </p:cNvPr>
+          <p:cNvPr id="2" name="标题 1"/>
           <p:cNvSpPr>
             <a:spLocks noGrp="1"/>
           </p:cNvSpPr>
@@ -5828,13 +5486,7 @@
       </p:sp>
       <p:sp>
         <p:nvSpPr>
-          <p:cNvPr id="6" name="内容占位符 2">
-            <a:extLst>
-              <a:ext uri="{FF2B5EF4-FFF2-40B4-BE49-F238E27FC236}">
-                <a16:creationId xmlns:a16="http://schemas.microsoft.com/office/drawing/2014/main" id="{C3EF152B-F75B-4EE9-988A-88A56172C0DA}"/>
-              </a:ext>
-            </a:extLst>
-          </p:cNvPr>
+          <p:cNvPr id="6" name="内容占位符 2"/>
           <p:cNvSpPr>
             <a:spLocks noGrp="1"/>
           </p:cNvSpPr>
@@ -5884,6 +5536,7 @@
               <a:rPr lang="en-US" altLang="zh-CN" dirty="0"/>
               <a:t>exact-active-class</a:t>
             </a:r>
+            <a:endParaRPr lang="en-US" altLang="zh-CN" dirty="0"/>
           </a:p>
           <a:p>
             <a:pPr lvl="2"/>
@@ -5903,6 +5556,7 @@
               <a:rPr lang="en-US" altLang="zh-CN" dirty="0"/>
               <a:t>class.</a:t>
             </a:r>
+            <a:endParaRPr lang="en-US" altLang="zh-CN" dirty="0"/>
           </a:p>
           <a:p>
             <a:pPr lvl="2"/>
@@ -5922,6 +5576,7 @@
               <a:rPr lang="en-US" altLang="zh-CN" dirty="0"/>
               <a:t>.</a:t>
             </a:r>
+            <a:endParaRPr lang="en-US" altLang="zh-CN" dirty="0"/>
           </a:p>
           <a:p>
             <a:pPr lvl="1"/>
@@ -5931,20 +5586,14 @@
       </p:sp>
       <p:pic>
         <p:nvPicPr>
-          <p:cNvPr id="4" name="图片 3">
-            <a:extLst>
-              <a:ext uri="{FF2B5EF4-FFF2-40B4-BE49-F238E27FC236}">
-                <a16:creationId xmlns:a16="http://schemas.microsoft.com/office/drawing/2014/main" id="{9BFD620F-1CC9-48CF-BB36-23682483E569}"/>
-              </a:ext>
-            </a:extLst>
-          </p:cNvPr>
+          <p:cNvPr id="4" name="图片 3"/>
           <p:cNvPicPr>
             <a:picLocks noChangeAspect="1"/>
           </p:cNvPicPr>
           <p:nvPr/>
         </p:nvPicPr>
         <p:blipFill>
-          <a:blip r:embed="rId2"/>
+          <a:blip r:embed="rId1"/>
           <a:stretch>
             <a:fillRect/>
           </a:stretch>
@@ -5960,11 +5609,6 @@
         </p:spPr>
       </p:pic>
     </p:spTree>
-    <p:extLst>
-      <p:ext uri="{BB962C8B-B14F-4D97-AF65-F5344CB8AC3E}">
-        <p14:creationId xmlns:p14="http://schemas.microsoft.com/office/powerpoint/2010/main" val="3397421700"/>
-      </p:ext>
-    </p:extLst>
   </p:cSld>
   <p:clrMapOvr>
     <a:masterClrMapping/>
@@ -5991,13 +5635,7 @@
       </p:grpSpPr>
       <p:sp>
         <p:nvSpPr>
-          <p:cNvPr id="2" name="标题 1">
-            <a:extLst>
-              <a:ext uri="{FF2B5EF4-FFF2-40B4-BE49-F238E27FC236}">
-                <a16:creationId xmlns:a16="http://schemas.microsoft.com/office/drawing/2014/main" id="{6047A424-70D7-4CCC-966E-2695D258EB84}"/>
-              </a:ext>
-            </a:extLst>
-          </p:cNvPr>
+          <p:cNvPr id="2" name="标题 1"/>
           <p:cNvSpPr>
             <a:spLocks noGrp="1"/>
           </p:cNvSpPr>
@@ -6019,18 +5657,13 @@
               <a:rPr lang="zh-CN" altLang="en-US" dirty="0"/>
               <a:t>路由代码跳转</a:t>
             </a:r>
+            <a:endParaRPr lang="zh-CN" altLang="en-US" dirty="0"/>
           </a:p>
         </p:txBody>
       </p:sp>
       <p:sp>
         <p:nvSpPr>
-          <p:cNvPr id="6" name="内容占位符 2">
-            <a:extLst>
-              <a:ext uri="{FF2B5EF4-FFF2-40B4-BE49-F238E27FC236}">
-                <a16:creationId xmlns:a16="http://schemas.microsoft.com/office/drawing/2014/main" id="{C3EF152B-F75B-4EE9-988A-88A56172C0DA}"/>
-              </a:ext>
-            </a:extLst>
-          </p:cNvPr>
+          <p:cNvPr id="6" name="内容占位符 2"/>
           <p:cNvSpPr>
             <a:spLocks noGrp="1"/>
           </p:cNvSpPr>
@@ -6084,6 +5717,7 @@
               <a:rPr lang="zh-CN" altLang="en-US" dirty="0"/>
               <a:t>就可以使用第二种跳转方式了</a:t>
             </a:r>
+            <a:endParaRPr lang="zh-CN" altLang="en-US" dirty="0"/>
           </a:p>
           <a:p>
             <a:r>
@@ -6108,20 +5742,14 @@
       </p:sp>
       <p:pic>
         <p:nvPicPr>
-          <p:cNvPr id="3" name="图片 2">
-            <a:extLst>
-              <a:ext uri="{FF2B5EF4-FFF2-40B4-BE49-F238E27FC236}">
-                <a16:creationId xmlns:a16="http://schemas.microsoft.com/office/drawing/2014/main" id="{E0B859F1-439D-4518-B609-F73AD2CE1DD5}"/>
-              </a:ext>
-            </a:extLst>
-          </p:cNvPr>
+          <p:cNvPr id="3" name="图片 2"/>
           <p:cNvPicPr>
             <a:picLocks noChangeAspect="1"/>
           </p:cNvPicPr>
           <p:nvPr/>
         </p:nvPicPr>
         <p:blipFill>
-          <a:blip r:embed="rId2"/>
+          <a:blip r:embed="rId1"/>
           <a:stretch>
             <a:fillRect/>
           </a:stretch>
@@ -6137,11 +5765,6 @@
         </p:spPr>
       </p:pic>
     </p:spTree>
-    <p:extLst>
-      <p:ext uri="{BB962C8B-B14F-4D97-AF65-F5344CB8AC3E}">
-        <p14:creationId xmlns:p14="http://schemas.microsoft.com/office/powerpoint/2010/main" val="3837975531"/>
-      </p:ext>
-    </p:extLst>
   </p:cSld>
   <p:clrMapOvr>
     <a:masterClrMapping/>
@@ -6168,13 +5791,7 @@
       </p:grpSpPr>
       <p:sp>
         <p:nvSpPr>
-          <p:cNvPr id="2" name="标题 1">
-            <a:extLst>
-              <a:ext uri="{FF2B5EF4-FFF2-40B4-BE49-F238E27FC236}">
-                <a16:creationId xmlns:a16="http://schemas.microsoft.com/office/drawing/2014/main" id="{6047A424-70D7-4CCC-966E-2695D258EB84}"/>
-              </a:ext>
-            </a:extLst>
-          </p:cNvPr>
+          <p:cNvPr id="2" name="标题 1"/>
           <p:cNvSpPr>
             <a:spLocks noGrp="1"/>
           </p:cNvSpPr>
@@ -6196,25 +5813,20 @@
               <a:rPr lang="zh-CN" altLang="en-US" dirty="0"/>
               <a:t>路由代码跳转</a:t>
             </a:r>
+            <a:endParaRPr lang="zh-CN" altLang="en-US" dirty="0"/>
           </a:p>
         </p:txBody>
       </p:sp>
       <p:pic>
         <p:nvPicPr>
-          <p:cNvPr id="7" name="图片 6">
-            <a:extLst>
-              <a:ext uri="{FF2B5EF4-FFF2-40B4-BE49-F238E27FC236}">
-                <a16:creationId xmlns:a16="http://schemas.microsoft.com/office/drawing/2014/main" id="{194DCC01-12BA-4ED6-AC99-814C1F80449D}"/>
-              </a:ext>
-            </a:extLst>
-          </p:cNvPr>
+          <p:cNvPr id="7" name="图片 6"/>
           <p:cNvPicPr>
             <a:picLocks noChangeAspect="1"/>
           </p:cNvPicPr>
           <p:nvPr/>
         </p:nvPicPr>
         <p:blipFill>
-          <a:blip r:embed="rId2"/>
+          <a:blip r:embed="rId1"/>
           <a:stretch>
             <a:fillRect/>
           </a:stretch>
@@ -6230,11 +5842,6 @@
         </p:spPr>
       </p:pic>
     </p:spTree>
-    <p:extLst>
-      <p:ext uri="{BB962C8B-B14F-4D97-AF65-F5344CB8AC3E}">
-        <p14:creationId xmlns:p14="http://schemas.microsoft.com/office/powerpoint/2010/main" val="2744760647"/>
-      </p:ext>
-    </p:extLst>
   </p:cSld>
   <p:clrMapOvr>
     <a:masterClrMapping/>
@@ -6261,13 +5868,7 @@
       </p:grpSpPr>
       <p:sp>
         <p:nvSpPr>
-          <p:cNvPr id="2" name="标题 1">
-            <a:extLst>
-              <a:ext uri="{FF2B5EF4-FFF2-40B4-BE49-F238E27FC236}">
-                <a16:creationId xmlns:a16="http://schemas.microsoft.com/office/drawing/2014/main" id="{6047A424-70D7-4CCC-966E-2695D258EB84}"/>
-              </a:ext>
-            </a:extLst>
-          </p:cNvPr>
+          <p:cNvPr id="2" name="标题 1"/>
           <p:cNvSpPr>
             <a:spLocks noGrp="1"/>
           </p:cNvSpPr>
@@ -6295,13 +5896,7 @@
       </p:sp>
       <p:sp>
         <p:nvSpPr>
-          <p:cNvPr id="4" name="内容占位符 2">
-            <a:extLst>
-              <a:ext uri="{FF2B5EF4-FFF2-40B4-BE49-F238E27FC236}">
-                <a16:creationId xmlns:a16="http://schemas.microsoft.com/office/drawing/2014/main" id="{B5AD0B57-069A-4A66-9959-DFA64B5DEBFC}"/>
-              </a:ext>
-            </a:extLst>
-          </p:cNvPr>
+          <p:cNvPr id="4" name="内容占位符 2"/>
           <p:cNvSpPr>
             <a:spLocks noGrp="1"/>
           </p:cNvSpPr>
@@ -6405,20 +6000,14 @@
       </p:sp>
       <p:pic>
         <p:nvPicPr>
-          <p:cNvPr id="5" name="图片 4">
-            <a:extLst>
-              <a:ext uri="{FF2B5EF4-FFF2-40B4-BE49-F238E27FC236}">
-                <a16:creationId xmlns:a16="http://schemas.microsoft.com/office/drawing/2014/main" id="{2E222BCD-82C0-49E8-93EA-A860B857A369}"/>
-              </a:ext>
-            </a:extLst>
-          </p:cNvPr>
+          <p:cNvPr id="5" name="图片 4"/>
           <p:cNvPicPr>
             <a:picLocks noChangeAspect="1"/>
           </p:cNvPicPr>
           <p:nvPr/>
         </p:nvPicPr>
         <p:blipFill>
-          <a:blip r:embed="rId2"/>
+          <a:blip r:embed="rId1"/>
           <a:stretch>
             <a:fillRect/>
           </a:stretch>
@@ -6434,11 +6023,6 @@
         </p:spPr>
       </p:pic>
     </p:spTree>
-    <p:extLst>
-      <p:ext uri="{BB962C8B-B14F-4D97-AF65-F5344CB8AC3E}">
-        <p14:creationId xmlns:p14="http://schemas.microsoft.com/office/powerpoint/2010/main" val="3836700748"/>
-      </p:ext>
-    </p:extLst>
   </p:cSld>
   <p:clrMapOvr>
     <a:masterClrMapping/>
@@ -6465,13 +6049,7 @@
       </p:grpSpPr>
       <p:sp>
         <p:nvSpPr>
-          <p:cNvPr id="2" name="标题 1">
-            <a:extLst>
-              <a:ext uri="{FF2B5EF4-FFF2-40B4-BE49-F238E27FC236}">
-                <a16:creationId xmlns:a16="http://schemas.microsoft.com/office/drawing/2014/main" id="{6047A424-70D7-4CCC-966E-2695D258EB84}"/>
-              </a:ext>
-            </a:extLst>
-          </p:cNvPr>
+          <p:cNvPr id="2" name="标题 1"/>
           <p:cNvSpPr>
             <a:spLocks noGrp="1"/>
           </p:cNvSpPr>
@@ -6499,13 +6077,7 @@
       </p:sp>
       <p:sp>
         <p:nvSpPr>
-          <p:cNvPr id="4" name="内容占位符 2">
-            <a:extLst>
-              <a:ext uri="{FF2B5EF4-FFF2-40B4-BE49-F238E27FC236}">
-                <a16:creationId xmlns:a16="http://schemas.microsoft.com/office/drawing/2014/main" id="{B5AD0B57-069A-4A66-9959-DFA64B5DEBFC}"/>
-              </a:ext>
-            </a:extLst>
-          </p:cNvPr>
+          <p:cNvPr id="4" name="内容占位符 2"/>
           <p:cNvSpPr>
             <a:spLocks noGrp="1"/>
           </p:cNvSpPr>
@@ -6579,6 +6151,7 @@
               <a:rPr kumimoji="1" lang="en-US" altLang="zh-CN" dirty="0"/>
               <a:t>ID</a:t>
             </a:r>
+            <a:endParaRPr kumimoji="1" lang="en-US" altLang="zh-CN" dirty="0"/>
           </a:p>
           <a:p>
             <a:pPr lvl="1"/>
@@ -6654,6 +6227,7 @@
               <a:rPr kumimoji="1" lang="en-US" altLang="zh-CN" dirty="0"/>
               <a:t>123.</a:t>
             </a:r>
+            <a:endParaRPr kumimoji="1" lang="en-US" altLang="zh-CN" dirty="0"/>
           </a:p>
           <a:p>
             <a:pPr lvl="1"/>
@@ -6681,25 +6255,20 @@
               <a:rPr kumimoji="1" lang="en-US" altLang="zh-CN" dirty="0"/>
               <a:t>id</a:t>
             </a:r>
+            <a:endParaRPr kumimoji="1" lang="en-US" altLang="zh-CN" dirty="0"/>
           </a:p>
         </p:txBody>
       </p:sp>
       <p:pic>
         <p:nvPicPr>
-          <p:cNvPr id="8" name="图片 7">
-            <a:extLst>
-              <a:ext uri="{FF2B5EF4-FFF2-40B4-BE49-F238E27FC236}">
-                <a16:creationId xmlns:a16="http://schemas.microsoft.com/office/drawing/2014/main" id="{3D780616-B170-4E64-B4FE-359A593834A2}"/>
-              </a:ext>
-            </a:extLst>
-          </p:cNvPr>
+          <p:cNvPr id="8" name="图片 7"/>
           <p:cNvPicPr>
             <a:picLocks noChangeAspect="1"/>
           </p:cNvPicPr>
           <p:nvPr/>
         </p:nvPicPr>
         <p:blipFill>
-          <a:blip r:embed="rId2"/>
+          <a:blip r:embed="rId1"/>
           <a:stretch>
             <a:fillRect/>
           </a:stretch>
@@ -6715,11 +6284,6 @@
         </p:spPr>
       </p:pic>
     </p:spTree>
-    <p:extLst>
-      <p:ext uri="{BB962C8B-B14F-4D97-AF65-F5344CB8AC3E}">
-        <p14:creationId xmlns:p14="http://schemas.microsoft.com/office/powerpoint/2010/main" val="3284007377"/>
-      </p:ext>
-    </p:extLst>
   </p:cSld>
   <p:clrMapOvr>
     <a:masterClrMapping/>
@@ -6746,13 +6310,7 @@
       </p:grpSpPr>
       <p:sp>
         <p:nvSpPr>
-          <p:cNvPr id="2" name="标题 1">
-            <a:extLst>
-              <a:ext uri="{FF2B5EF4-FFF2-40B4-BE49-F238E27FC236}">
-                <a16:creationId xmlns:a16="http://schemas.microsoft.com/office/drawing/2014/main" id="{6047A424-70D7-4CCC-966E-2695D258EB84}"/>
-              </a:ext>
-            </a:extLst>
-          </p:cNvPr>
+          <p:cNvPr id="2" name="标题 1"/>
           <p:cNvSpPr>
             <a:spLocks noGrp="1"/>
           </p:cNvSpPr>
@@ -6780,13 +6338,7 @@
       </p:sp>
       <p:sp>
         <p:nvSpPr>
-          <p:cNvPr id="4" name="内容占位符 2">
-            <a:extLst>
-              <a:ext uri="{FF2B5EF4-FFF2-40B4-BE49-F238E27FC236}">
-                <a16:creationId xmlns:a16="http://schemas.microsoft.com/office/drawing/2014/main" id="{B5AD0B57-069A-4A66-9959-DFA64B5DEBFC}"/>
-              </a:ext>
-            </a:extLst>
-          </p:cNvPr>
+          <p:cNvPr id="4" name="内容占位符 2"/>
           <p:cNvSpPr>
             <a:spLocks noGrp="1"/>
           </p:cNvSpPr>
@@ -6812,6 +6364,7 @@
               <a:rPr lang="en-US" altLang="zh-CN" dirty="0"/>
               <a:t>:</a:t>
             </a:r>
+            <a:endParaRPr lang="en-US" altLang="zh-CN" dirty="0"/>
           </a:p>
           <a:p>
             <a:pPr lvl="1"/>
@@ -6831,6 +6384,7 @@
               <a:rPr lang="zh-CN" altLang="en-US" dirty="0"/>
               <a:t>包会变得非常大，影响页面加载。</a:t>
             </a:r>
+            <a:endParaRPr lang="zh-CN" altLang="en-US" dirty="0"/>
           </a:p>
           <a:p>
             <a:pPr lvl="1"/>
@@ -6838,6 +6392,7 @@
               <a:rPr lang="zh-CN" altLang="en-US" dirty="0"/>
               <a:t>如果我们能把不同路由对应的组件分割成不同的代码块，然后当路由被访问的时候才加载对应组件，这样就更加高效了</a:t>
             </a:r>
+            <a:endParaRPr lang="zh-CN" altLang="en-US" dirty="0"/>
           </a:p>
           <a:p>
             <a:r>
@@ -6848,6 +6403,7 @@
               <a:rPr lang="en-US" altLang="zh-CN" dirty="0"/>
               <a:t>?</a:t>
             </a:r>
+            <a:endParaRPr lang="en-US" altLang="zh-CN" dirty="0"/>
           </a:p>
           <a:p>
             <a:pPr lvl="1"/>
@@ -6867,6 +6423,7 @@
               <a:rPr lang="en-US" altLang="zh-CN" dirty="0"/>
               <a:t>.</a:t>
             </a:r>
+            <a:endParaRPr lang="en-US" altLang="zh-CN" dirty="0"/>
           </a:p>
           <a:p>
             <a:pPr lvl="1"/>
@@ -6902,6 +6459,7 @@
               <a:rPr lang="en-US" altLang="zh-CN" dirty="0"/>
               <a:t>.</a:t>
             </a:r>
+            <a:endParaRPr lang="en-US" altLang="zh-CN" dirty="0"/>
           </a:p>
           <a:p>
             <a:pPr lvl="1"/>
@@ -6937,6 +6495,7 @@
               <a:rPr lang="en-US" altLang="zh-CN" dirty="0"/>
               <a:t>.</a:t>
             </a:r>
+            <a:endParaRPr lang="en-US" altLang="zh-CN" dirty="0"/>
           </a:p>
           <a:p>
             <a:pPr lvl="1"/>
@@ -6964,6 +6523,7 @@
               <a:rPr lang="en-US" altLang="zh-CN" dirty="0"/>
               <a:t>.</a:t>
             </a:r>
+            <a:endParaRPr lang="en-US" altLang="zh-CN" dirty="0"/>
           </a:p>
           <a:p>
             <a:pPr lvl="1"/>
@@ -6983,6 +6543,7 @@
               <a:rPr lang="en-US" altLang="zh-CN" dirty="0"/>
               <a:t>.</a:t>
             </a:r>
+            <a:endParaRPr lang="en-US" altLang="zh-CN" dirty="0"/>
           </a:p>
           <a:p>
             <a:r>
@@ -6993,6 +6554,7 @@
               <a:rPr lang="en-US" altLang="zh-CN" dirty="0"/>
               <a:t>?</a:t>
             </a:r>
+            <a:endParaRPr lang="en-US" altLang="zh-CN" dirty="0"/>
           </a:p>
           <a:p>
             <a:pPr lvl="1"/>
@@ -7012,6 +6574,7 @@
               <a:rPr lang="en-US" altLang="zh-CN" dirty="0"/>
               <a:t>.</a:t>
             </a:r>
+            <a:endParaRPr lang="en-US" altLang="zh-CN" dirty="0"/>
           </a:p>
           <a:p>
             <a:pPr lvl="1"/>
@@ -7084,11 +6647,6 @@
         </p:txBody>
       </p:sp>
     </p:spTree>
-    <p:extLst>
-      <p:ext uri="{BB962C8B-B14F-4D97-AF65-F5344CB8AC3E}">
-        <p14:creationId xmlns:p14="http://schemas.microsoft.com/office/powerpoint/2010/main" val="3170247337"/>
-      </p:ext>
-    </p:extLst>
   </p:cSld>
   <p:clrMapOvr>
     <a:masterClrMapping/>
@@ -7115,13 +6673,7 @@
       </p:grpSpPr>
       <p:sp>
         <p:nvSpPr>
-          <p:cNvPr id="2" name="标题 1">
-            <a:extLst>
-              <a:ext uri="{FF2B5EF4-FFF2-40B4-BE49-F238E27FC236}">
-                <a16:creationId xmlns:a16="http://schemas.microsoft.com/office/drawing/2014/main" id="{6047A424-70D7-4CCC-966E-2695D258EB84}"/>
-              </a:ext>
-            </a:extLst>
-          </p:cNvPr>
+          <p:cNvPr id="2" name="标题 1"/>
           <p:cNvSpPr>
             <a:spLocks noGrp="1"/>
           </p:cNvSpPr>
@@ -7143,18 +6695,13 @@
               <a:rPr lang="zh-CN" altLang="en-US" dirty="0"/>
               <a:t>什么是路由？</a:t>
             </a:r>
+            <a:endParaRPr lang="zh-CN" altLang="en-US" dirty="0"/>
           </a:p>
         </p:txBody>
       </p:sp>
       <p:sp>
         <p:nvSpPr>
-          <p:cNvPr id="3" name="内容占位符 2">
-            <a:extLst>
-              <a:ext uri="{FF2B5EF4-FFF2-40B4-BE49-F238E27FC236}">
-                <a16:creationId xmlns:a16="http://schemas.microsoft.com/office/drawing/2014/main" id="{349EB7CE-ACB9-461D-ABD1-C4B53C255AF1}"/>
-              </a:ext>
-            </a:extLst>
-          </p:cNvPr>
+          <p:cNvPr id="3" name="内容占位符 2"/>
           <p:cNvSpPr>
             <a:spLocks noGrp="1"/>
           </p:cNvSpPr>
@@ -7221,6 +6768,7 @@
               <a:rPr lang="zh-CN" altLang="en-US" dirty="0"/>
               <a:t>维基百科</a:t>
             </a:r>
+            <a:endParaRPr lang="zh-CN" altLang="en-US" dirty="0"/>
           </a:p>
           <a:p>
             <a:pPr>
@@ -7288,6 +6836,7 @@
               <a:rPr lang="en-US" altLang="zh-CN" dirty="0"/>
               <a:t>.</a:t>
             </a:r>
+            <a:endParaRPr lang="en-US" altLang="zh-CN" dirty="0"/>
           </a:p>
           <a:p>
             <a:pPr lvl="1">
@@ -7311,6 +6860,7 @@
               <a:rPr lang="en-US" altLang="zh-CN" dirty="0"/>
               <a:t>?</a:t>
             </a:r>
+            <a:endParaRPr lang="en-US" altLang="zh-CN" dirty="0"/>
           </a:p>
           <a:p>
             <a:pPr lvl="1">
@@ -7334,6 +6884,7 @@
               <a:rPr lang="en-US" altLang="zh-CN" dirty="0"/>
               <a:t>.</a:t>
             </a:r>
+            <a:endParaRPr lang="en-US" altLang="zh-CN" dirty="0"/>
           </a:p>
           <a:p>
             <a:pPr lvl="2">
@@ -7365,6 +6916,7 @@
               <a:rPr lang="en-US" altLang="zh-CN" dirty="0"/>
               <a:t>.</a:t>
             </a:r>
+            <a:endParaRPr lang="en-US" altLang="zh-CN" dirty="0"/>
           </a:p>
           <a:p>
             <a:pPr lvl="2">
@@ -7392,6 +6944,7 @@
               <a:rPr lang="en-US" altLang="zh-CN" dirty="0"/>
               <a:t>.</a:t>
             </a:r>
+            <a:endParaRPr lang="en-US" altLang="zh-CN" dirty="0"/>
           </a:p>
           <a:p>
             <a:pPr lvl="1">
@@ -7407,6 +6960,7 @@
               <a:rPr lang="en-US" altLang="zh-CN" dirty="0"/>
               <a:t>.</a:t>
             </a:r>
+            <a:endParaRPr lang="en-US" altLang="zh-CN" dirty="0"/>
           </a:p>
           <a:p>
             <a:pPr lvl="2">
@@ -7430,6 +6984,7 @@
               <a:rPr lang="en-US" altLang="zh-CN" dirty="0"/>
               <a:t>.</a:t>
             </a:r>
+            <a:endParaRPr lang="en-US" altLang="zh-CN" dirty="0"/>
           </a:p>
           <a:p>
             <a:pPr>
@@ -7444,20 +6999,14 @@
       <p:pic>
         <p:nvPicPr>
           <p:cNvPr id="4" name="Picture 12" descr="¸å-³å¾ç">
-            <a:extLst>
-              <a:ext uri="{FF2B5EF4-FFF2-40B4-BE49-F238E27FC236}">
-                <a16:creationId xmlns:a16="http://schemas.microsoft.com/office/drawing/2014/main" id="{AF287FF5-DCF2-4CDE-AFBF-BB06488AE5CB}"/>
-              </a:ext>
-            </a:extLst>
-          </p:cNvPr>
+³å¾ç"/>
           <p:cNvPicPr>
             <a:picLocks noChangeAspect="1" noChangeArrowheads="1"/>
           </p:cNvPicPr>
           <p:nvPr/>
         </p:nvPicPr>
         <p:blipFill>
-          <a:blip r:embed="rId2">
+          <a:blip r:embed="rId1">
             <a:extLst>
               <a:ext uri="{28A0092B-C50C-407E-A947-70E740481C1C}">
                 <a14:useLocalDpi xmlns:a14="http://schemas.microsoft.com/office/drawing/2010/main" val="0"/>
@@ -7490,11 +7039,6 @@
         </p:spPr>
       </p:pic>
     </p:spTree>
-    <p:extLst>
-      <p:ext uri="{BB962C8B-B14F-4D97-AF65-F5344CB8AC3E}">
-        <p14:creationId xmlns:p14="http://schemas.microsoft.com/office/powerpoint/2010/main" val="4247677075"/>
-      </p:ext>
-    </p:extLst>
   </p:cSld>
   <p:clrMapOvr>
     <a:masterClrMapping/>
@@ -7604,13 +7148,7 @@
       </p:grpSpPr>
       <p:sp>
         <p:nvSpPr>
-          <p:cNvPr id="2" name="标题 1">
-            <a:extLst>
-              <a:ext uri="{FF2B5EF4-FFF2-40B4-BE49-F238E27FC236}">
-                <a16:creationId xmlns:a16="http://schemas.microsoft.com/office/drawing/2014/main" id="{6047A424-70D7-4CCC-966E-2695D258EB84}"/>
-              </a:ext>
-            </a:extLst>
-          </p:cNvPr>
+          <p:cNvPr id="2" name="标题 1"/>
           <p:cNvSpPr>
             <a:spLocks noGrp="1"/>
           </p:cNvSpPr>
@@ -7632,18 +7170,13 @@
               <a:rPr lang="zh-CN" altLang="en-US" dirty="0"/>
               <a:t>路由懒加载的效果</a:t>
             </a:r>
+            <a:endParaRPr lang="zh-CN" altLang="en-US" dirty="0"/>
           </a:p>
         </p:txBody>
       </p:sp>
       <p:pic>
         <p:nvPicPr>
-          <p:cNvPr id="6" name="内容占位符 3">
-            <a:extLst>
-              <a:ext uri="{FF2B5EF4-FFF2-40B4-BE49-F238E27FC236}">
-                <a16:creationId xmlns:a16="http://schemas.microsoft.com/office/drawing/2014/main" id="{F455B827-C57A-476A-8155-E2BB2881BE01}"/>
-              </a:ext>
-            </a:extLst>
-          </p:cNvPr>
+          <p:cNvPr id="6" name="内容占位符 3"/>
           <p:cNvPicPr>
             <a:picLocks noGrp="1" noChangeAspect="1"/>
           </p:cNvPicPr>
@@ -7652,6 +7185,30 @@
           </p:nvPr>
         </p:nvPicPr>
         <p:blipFill>
+          <a:blip r:embed="rId1"/>
+          <a:stretch>
+            <a:fillRect/>
+          </a:stretch>
+        </p:blipFill>
+        <p:spPr>
+          <a:xfrm>
+            <a:off x="444194" y="1302300"/>
+            <a:ext cx="4280206" cy="3466865"/>
+          </a:xfrm>
+          <a:prstGeom prst="rect">
+            <a:avLst/>
+          </a:prstGeom>
+        </p:spPr>
+      </p:pic>
+      <p:pic>
+        <p:nvPicPr>
+          <p:cNvPr id="7" name="图片 6"/>
+          <p:cNvPicPr>
+            <a:picLocks noChangeAspect="1"/>
+          </p:cNvPicPr>
+          <p:nvPr/>
+        </p:nvPicPr>
+        <p:blipFill>
           <a:blip r:embed="rId2"/>
           <a:stretch>
             <a:fillRect/>
@@ -7659,8 +7216,8 @@
         </p:blipFill>
         <p:spPr>
           <a:xfrm>
-            <a:off x="444194" y="1302300"/>
-            <a:ext cx="4280206" cy="3466865"/>
+            <a:off x="6191738" y="1302300"/>
+            <a:ext cx="5038969" cy="2233661"/>
           </a:xfrm>
           <a:prstGeom prst="rect">
             <a:avLst/>
@@ -7669,13 +7226,7 @@
       </p:pic>
       <p:pic>
         <p:nvPicPr>
-          <p:cNvPr id="7" name="图片 6">
-            <a:extLst>
-              <a:ext uri="{FF2B5EF4-FFF2-40B4-BE49-F238E27FC236}">
-                <a16:creationId xmlns:a16="http://schemas.microsoft.com/office/drawing/2014/main" id="{73045E90-7D47-4250-A5B9-6F6ABCCE3743}"/>
-              </a:ext>
-            </a:extLst>
-          </p:cNvPr>
+          <p:cNvPr id="8" name="图片 7"/>
           <p:cNvPicPr>
             <a:picLocks noChangeAspect="1"/>
           </p:cNvPicPr>
@@ -7689,8 +7240,8 @@
         </p:blipFill>
         <p:spPr>
           <a:xfrm>
-            <a:off x="6191738" y="1302300"/>
-            <a:ext cx="5038969" cy="2233661"/>
+            <a:off x="444194" y="4963752"/>
+            <a:ext cx="3649785" cy="1642403"/>
           </a:xfrm>
           <a:prstGeom prst="rect">
             <a:avLst/>
@@ -7699,13 +7250,7 @@
       </p:pic>
       <p:pic>
         <p:nvPicPr>
-          <p:cNvPr id="8" name="图片 7">
-            <a:extLst>
-              <a:ext uri="{FF2B5EF4-FFF2-40B4-BE49-F238E27FC236}">
-                <a16:creationId xmlns:a16="http://schemas.microsoft.com/office/drawing/2014/main" id="{CDB18693-C649-4D8D-BCAB-CA5C5602510B}"/>
-              </a:ext>
-            </a:extLst>
-          </p:cNvPr>
+          <p:cNvPr id="9" name="图片 8"/>
           <p:cNvPicPr>
             <a:picLocks noChangeAspect="1"/>
           </p:cNvPicPr>
@@ -7719,50 +7264,15 @@
         </p:blipFill>
         <p:spPr>
           <a:xfrm>
-            <a:off x="444194" y="4963752"/>
-            <a:ext cx="3649785" cy="1642403"/>
+            <a:off x="6191738" y="3814402"/>
+            <a:ext cx="4191000" cy="2298700"/>
           </a:xfrm>
           <a:prstGeom prst="rect">
             <a:avLst/>
           </a:prstGeom>
         </p:spPr>
       </p:pic>
-      <p:pic>
-        <p:nvPicPr>
-          <p:cNvPr id="9" name="图片 8">
-            <a:extLst>
-              <a:ext uri="{FF2B5EF4-FFF2-40B4-BE49-F238E27FC236}">
-                <a16:creationId xmlns:a16="http://schemas.microsoft.com/office/drawing/2014/main" id="{7D842CAF-739F-40F8-85AE-B0D1E3E749F8}"/>
-              </a:ext>
-            </a:extLst>
-          </p:cNvPr>
-          <p:cNvPicPr>
-            <a:picLocks noChangeAspect="1"/>
-          </p:cNvPicPr>
-          <p:nvPr/>
-        </p:nvPicPr>
-        <p:blipFill>
-          <a:blip r:embed="rId5"/>
-          <a:stretch>
-            <a:fillRect/>
-          </a:stretch>
-        </p:blipFill>
-        <p:spPr>
-          <a:xfrm>
-            <a:off x="6191738" y="3814402"/>
-            <a:ext cx="4191000" cy="2298700"/>
-          </a:xfrm>
-          <a:prstGeom prst="rect">
-            <a:avLst/>
-          </a:prstGeom>
-        </p:spPr>
-      </p:pic>
     </p:spTree>
-    <p:extLst>
-      <p:ext uri="{BB962C8B-B14F-4D97-AF65-F5344CB8AC3E}">
-        <p14:creationId xmlns:p14="http://schemas.microsoft.com/office/powerpoint/2010/main" val="3639086268"/>
-      </p:ext>
-    </p:extLst>
   </p:cSld>
   <p:clrMapOvr>
     <a:masterClrMapping/>
@@ -8031,13 +7541,7 @@
       </p:grpSpPr>
       <p:sp>
         <p:nvSpPr>
-          <p:cNvPr id="2" name="标题 1">
-            <a:extLst>
-              <a:ext uri="{FF2B5EF4-FFF2-40B4-BE49-F238E27FC236}">
-                <a16:creationId xmlns:a16="http://schemas.microsoft.com/office/drawing/2014/main" id="{6047A424-70D7-4CCC-966E-2695D258EB84}"/>
-              </a:ext>
-            </a:extLst>
-          </p:cNvPr>
+          <p:cNvPr id="2" name="标题 1"/>
           <p:cNvSpPr>
             <a:spLocks noGrp="1"/>
           </p:cNvSpPr>
@@ -8077,13 +7581,7 @@
       </p:sp>
       <p:sp>
         <p:nvSpPr>
-          <p:cNvPr id="4" name="内容占位符 3">
-            <a:extLst>
-              <a:ext uri="{FF2B5EF4-FFF2-40B4-BE49-F238E27FC236}">
-                <a16:creationId xmlns:a16="http://schemas.microsoft.com/office/drawing/2014/main" id="{36D6E45F-1292-4203-A93E-6BFF96035651}"/>
-              </a:ext>
-            </a:extLst>
-          </p:cNvPr>
+          <p:cNvPr id="4" name="内容占位符 3"/>
           <p:cNvSpPr>
             <a:spLocks noGrp="1"/>
           </p:cNvSpPr>
@@ -8133,6 +7631,7 @@
               <a:rPr lang="en-US" altLang="zh-CN" dirty="0"/>
               <a:t>.</a:t>
             </a:r>
+            <a:endParaRPr lang="en-US" altLang="zh-CN" dirty="0"/>
           </a:p>
           <a:p>
             <a:endParaRPr kumimoji="1" lang="en-US" altLang="zh-CN" dirty="0"/>
@@ -8211,6 +7710,7 @@
               <a:rPr lang="en-US" altLang="zh-CN" dirty="0"/>
               <a:t>.</a:t>
             </a:r>
+            <a:endParaRPr lang="en-US" altLang="zh-CN" dirty="0"/>
           </a:p>
           <a:p>
             <a:pPr marL="0" indent="0">
@@ -8225,13 +7725,7 @@
       </p:sp>
       <p:sp>
         <p:nvSpPr>
-          <p:cNvPr id="10" name="文本框 9">
-            <a:extLst>
-              <a:ext uri="{FF2B5EF4-FFF2-40B4-BE49-F238E27FC236}">
-                <a16:creationId xmlns:a16="http://schemas.microsoft.com/office/drawing/2014/main" id="{693720C1-4983-4EF7-BCEB-323FDC59337A}"/>
-              </a:ext>
-            </a:extLst>
-          </p:cNvPr>
+          <p:cNvPr id="10" name="文本框 9"/>
           <p:cNvSpPr txBox="1"/>
           <p:nvPr/>
         </p:nvSpPr>
@@ -8314,18 +7808,18 @@
               </a:rPr>
               <a:t>')) })};</a:t>
             </a:r>
+            <a:endParaRPr lang="en-US" altLang="zh-CN" dirty="0">
+              <a:solidFill>
+                <a:srgbClr val="FF0000"/>
+              </a:solidFill>
+              <a:latin typeface="Consolas" panose="020B0609020204030204" pitchFamily="49" charset="0"/>
+            </a:endParaRPr>
           </a:p>
         </p:txBody>
       </p:sp>
       <p:sp>
         <p:nvSpPr>
-          <p:cNvPr id="11" name="文本框 10">
-            <a:extLst>
-              <a:ext uri="{FF2B5EF4-FFF2-40B4-BE49-F238E27FC236}">
-                <a16:creationId xmlns:a16="http://schemas.microsoft.com/office/drawing/2014/main" id="{D9627CD7-261A-4C61-8E1B-D538CED10F27}"/>
-              </a:ext>
-            </a:extLst>
-          </p:cNvPr>
+          <p:cNvPr id="11" name="文本框 10"/>
           <p:cNvSpPr txBox="1"/>
           <p:nvPr/>
         </p:nvSpPr>
@@ -8383,13 +7877,7 @@
       </p:sp>
       <p:sp>
         <p:nvSpPr>
-          <p:cNvPr id="12" name="文本框 11">
-            <a:extLst>
-              <a:ext uri="{FF2B5EF4-FFF2-40B4-BE49-F238E27FC236}">
-                <a16:creationId xmlns:a16="http://schemas.microsoft.com/office/drawing/2014/main" id="{19A07809-3CD1-48BF-A375-8578BF289469}"/>
-              </a:ext>
-            </a:extLst>
-          </p:cNvPr>
+          <p:cNvPr id="12" name="文本框 11"/>
           <p:cNvSpPr txBox="1"/>
           <p:nvPr/>
         </p:nvSpPr>
@@ -8446,11 +7934,6 @@
         </p:txBody>
       </p:sp>
     </p:spTree>
-    <p:extLst>
-      <p:ext uri="{BB962C8B-B14F-4D97-AF65-F5344CB8AC3E}">
-        <p14:creationId xmlns:p14="http://schemas.microsoft.com/office/powerpoint/2010/main" val="1671992109"/>
-      </p:ext>
-    </p:extLst>
   </p:cSld>
   <p:clrMapOvr>
     <a:masterClrMapping/>
@@ -8671,13 +8154,7 @@
       </p:grpSpPr>
       <p:sp>
         <p:nvSpPr>
-          <p:cNvPr id="2" name="标题 1">
-            <a:extLst>
-              <a:ext uri="{FF2B5EF4-FFF2-40B4-BE49-F238E27FC236}">
-                <a16:creationId xmlns:a16="http://schemas.microsoft.com/office/drawing/2014/main" id="{6047A424-70D7-4CCC-966E-2695D258EB84}"/>
-              </a:ext>
-            </a:extLst>
-          </p:cNvPr>
+          <p:cNvPr id="2" name="标题 1"/>
           <p:cNvSpPr>
             <a:spLocks noGrp="1"/>
           </p:cNvSpPr>
@@ -8699,18 +8176,13 @@
               <a:rPr lang="zh-CN" altLang="en-US" dirty="0"/>
               <a:t>认识嵌套路由</a:t>
             </a:r>
+            <a:endParaRPr lang="zh-CN" altLang="en-US" dirty="0"/>
           </a:p>
         </p:txBody>
       </p:sp>
       <p:sp>
         <p:nvSpPr>
-          <p:cNvPr id="4" name="内容占位符 3">
-            <a:extLst>
-              <a:ext uri="{FF2B5EF4-FFF2-40B4-BE49-F238E27FC236}">
-                <a16:creationId xmlns:a16="http://schemas.microsoft.com/office/drawing/2014/main" id="{36D6E45F-1292-4203-A93E-6BFF96035651}"/>
-              </a:ext>
-            </a:extLst>
-          </p:cNvPr>
+          <p:cNvPr id="4" name="内容占位符 3"/>
           <p:cNvSpPr>
             <a:spLocks noGrp="1"/>
           </p:cNvSpPr>
@@ -8732,6 +8204,7 @@
               <a:rPr lang="zh-CN" altLang="en-US" dirty="0"/>
               <a:t>嵌套路由是一个很常见的功能</a:t>
             </a:r>
+            <a:endParaRPr lang="zh-CN" altLang="en-US" dirty="0"/>
           </a:p>
           <a:p>
             <a:pPr lvl="1"/>
@@ -8775,6 +8248,7 @@
               <a:rPr lang="en-US" altLang="zh-CN" dirty="0"/>
               <a:t>.</a:t>
             </a:r>
+            <a:endParaRPr lang="en-US" altLang="zh-CN" dirty="0"/>
           </a:p>
           <a:p>
             <a:pPr lvl="1"/>
@@ -8794,6 +8268,7 @@
               <a:rPr lang="en-US" altLang="zh-CN" dirty="0"/>
               <a:t>.</a:t>
             </a:r>
+            <a:endParaRPr lang="en-US" altLang="zh-CN" dirty="0"/>
           </a:p>
           <a:p>
             <a:r>
@@ -8810,20 +8285,14 @@
       </p:sp>
       <p:pic>
         <p:nvPicPr>
-          <p:cNvPr id="7" name="Picture 2" descr="img">
-            <a:extLst>
-              <a:ext uri="{FF2B5EF4-FFF2-40B4-BE49-F238E27FC236}">
-                <a16:creationId xmlns:a16="http://schemas.microsoft.com/office/drawing/2014/main" id="{85079E79-AFA9-48DC-903C-0990D592D192}"/>
-              </a:ext>
-            </a:extLst>
-          </p:cNvPr>
+          <p:cNvPr id="7" name="Picture 2" descr="img"/>
           <p:cNvPicPr>
             <a:picLocks noChangeAspect="1" noChangeArrowheads="1"/>
           </p:cNvPicPr>
           <p:nvPr/>
         </p:nvPicPr>
         <p:blipFill>
-          <a:blip r:embed="rId2">
+          <a:blip r:embed="rId1">
             <a:extLst>
               <a:ext uri="{28A0092B-C50C-407E-A947-70E740481C1C}">
                 <a14:useLocalDpi xmlns:a14="http://schemas.microsoft.com/office/drawing/2010/main" val="0"/>
@@ -8857,13 +8326,7 @@
       </p:pic>
       <p:sp>
         <p:nvSpPr>
-          <p:cNvPr id="3" name="矩形 2">
-            <a:extLst>
-              <a:ext uri="{FF2B5EF4-FFF2-40B4-BE49-F238E27FC236}">
-                <a16:creationId xmlns:a16="http://schemas.microsoft.com/office/drawing/2014/main" id="{0778616C-E71D-4413-BD3E-55E1F223683B}"/>
-              </a:ext>
-            </a:extLst>
-          </p:cNvPr>
+          <p:cNvPr id="3" name="矩形 2"/>
           <p:cNvSpPr/>
           <p:nvPr/>
         </p:nvSpPr>
@@ -8903,6 +8366,10 @@
               </a:rPr>
               <a:t>:</a:t>
             </a:r>
+            <a:endParaRPr lang="en-US" altLang="zh-CN" dirty="0">
+              <a:latin typeface="微软雅黑" panose="020B0503020204020204" pitchFamily="34" charset="-122"/>
+              <a:ea typeface="微软雅黑" panose="020B0503020204020204" pitchFamily="34" charset="-122"/>
+            </a:endParaRPr>
           </a:p>
           <a:p>
             <a:pPr marL="285750" indent="-285750">
@@ -8940,6 +8407,10 @@
               </a:rPr>
               <a:t>.</a:t>
             </a:r>
+            <a:endParaRPr lang="en-US" altLang="zh-CN" dirty="0">
+              <a:latin typeface="微软雅黑" panose="020B0503020204020204" pitchFamily="34" charset="-122"/>
+              <a:ea typeface="微软雅黑" panose="020B0503020204020204" pitchFamily="34" charset="-122"/>
+            </a:endParaRPr>
           </a:p>
           <a:p>
             <a:pPr marL="285750" indent="-285750">
@@ -8985,11 +8456,6 @@
         </p:txBody>
       </p:sp>
     </p:spTree>
-    <p:extLst>
-      <p:ext uri="{BB962C8B-B14F-4D97-AF65-F5344CB8AC3E}">
-        <p14:creationId xmlns:p14="http://schemas.microsoft.com/office/powerpoint/2010/main" val="142653356"/>
-      </p:ext>
-    </p:extLst>
   </p:cSld>
   <p:clrMapOvr>
     <a:masterClrMapping/>
@@ -9099,13 +8565,7 @@
       </p:grpSpPr>
       <p:sp>
         <p:nvSpPr>
-          <p:cNvPr id="2" name="标题 1">
-            <a:extLst>
-              <a:ext uri="{FF2B5EF4-FFF2-40B4-BE49-F238E27FC236}">
-                <a16:creationId xmlns:a16="http://schemas.microsoft.com/office/drawing/2014/main" id="{6047A424-70D7-4CCC-966E-2695D258EB84}"/>
-              </a:ext>
-            </a:extLst>
-          </p:cNvPr>
+          <p:cNvPr id="2" name="标题 1"/>
           <p:cNvSpPr>
             <a:spLocks noGrp="1"/>
           </p:cNvSpPr>
@@ -9127,18 +8587,13 @@
               <a:rPr lang="zh-CN" altLang="en-US" dirty="0"/>
               <a:t>嵌套路由实现</a:t>
             </a:r>
+            <a:endParaRPr lang="zh-CN" altLang="en-US" dirty="0"/>
           </a:p>
         </p:txBody>
       </p:sp>
       <p:sp>
         <p:nvSpPr>
-          <p:cNvPr id="4" name="内容占位符 3">
-            <a:extLst>
-              <a:ext uri="{FF2B5EF4-FFF2-40B4-BE49-F238E27FC236}">
-                <a16:creationId xmlns:a16="http://schemas.microsoft.com/office/drawing/2014/main" id="{36D6E45F-1292-4203-A93E-6BFF96035651}"/>
-              </a:ext>
-            </a:extLst>
-          </p:cNvPr>
+          <p:cNvPr id="4" name="内容占位符 3"/>
           <p:cNvSpPr>
             <a:spLocks noGrp="1"/>
           </p:cNvSpPr>
@@ -9230,6 +8685,7 @@
               <a:rPr lang="en-US" altLang="zh-CN" dirty="0"/>
               <a:t>router-view</a:t>
             </a:r>
+            <a:endParaRPr lang="en-US" altLang="zh-CN" dirty="0"/>
           </a:p>
           <a:p>
             <a:endParaRPr lang="en-US" altLang="zh-CN" dirty="0"/>
@@ -9244,13 +8700,31 @@
       </p:sp>
       <p:pic>
         <p:nvPicPr>
-          <p:cNvPr id="6" name="图片 5">
-            <a:extLst>
-              <a:ext uri="{FF2B5EF4-FFF2-40B4-BE49-F238E27FC236}">
-                <a16:creationId xmlns:a16="http://schemas.microsoft.com/office/drawing/2014/main" id="{ACEC8C73-F19C-4E94-BEE5-E700B9C6DD3D}"/>
-              </a:ext>
-            </a:extLst>
-          </p:cNvPr>
+          <p:cNvPr id="6" name="图片 5"/>
+          <p:cNvPicPr>
+            <a:picLocks noChangeAspect="1"/>
+          </p:cNvPicPr>
+          <p:nvPr/>
+        </p:nvPicPr>
+        <p:blipFill>
+          <a:blip r:embed="rId1"/>
+          <a:stretch>
+            <a:fillRect/>
+          </a:stretch>
+        </p:blipFill>
+        <p:spPr>
+          <a:xfrm>
+            <a:off x="588823" y="2575042"/>
+            <a:ext cx="4846891" cy="2123997"/>
+          </a:xfrm>
+          <a:prstGeom prst="rect">
+            <a:avLst/>
+          </a:prstGeom>
+        </p:spPr>
+      </p:pic>
+      <p:pic>
+        <p:nvPicPr>
+          <p:cNvPr id="8" name="图片 7"/>
           <p:cNvPicPr>
             <a:picLocks noChangeAspect="1"/>
           </p:cNvPicPr>
@@ -9264,8 +8738,8 @@
         </p:blipFill>
         <p:spPr>
           <a:xfrm>
-            <a:off x="588823" y="2575042"/>
-            <a:ext cx="4846891" cy="2123997"/>
+            <a:off x="557406" y="4872103"/>
+            <a:ext cx="5365096" cy="1985897"/>
           </a:xfrm>
           <a:prstGeom prst="rect">
             <a:avLst/>
@@ -9274,13 +8748,7 @@
       </p:pic>
       <p:pic>
         <p:nvPicPr>
-          <p:cNvPr id="8" name="图片 7">
-            <a:extLst>
-              <a:ext uri="{FF2B5EF4-FFF2-40B4-BE49-F238E27FC236}">
-                <a16:creationId xmlns:a16="http://schemas.microsoft.com/office/drawing/2014/main" id="{E81D8235-7F5C-446A-98E3-8AA0B600C829}"/>
-              </a:ext>
-            </a:extLst>
-          </p:cNvPr>
+          <p:cNvPr id="9" name="图片 8"/>
           <p:cNvPicPr>
             <a:picLocks noChangeAspect="1"/>
           </p:cNvPicPr>
@@ -9294,23 +8762,107 @@
         </p:blipFill>
         <p:spPr>
           <a:xfrm>
-            <a:off x="557406" y="4872103"/>
-            <a:ext cx="5365096" cy="1985897"/>
+            <a:off x="6912310" y="2219937"/>
+            <a:ext cx="3598760" cy="2418126"/>
           </a:xfrm>
           <a:prstGeom prst="rect">
             <a:avLst/>
           </a:prstGeom>
         </p:spPr>
       </p:pic>
+      <p:sp>
+        <p:nvSpPr>
+          <p:cNvPr id="10" name="文本框 9"/>
+          <p:cNvSpPr txBox="1"/>
+          <p:nvPr/>
+        </p:nvSpPr>
+        <p:spPr>
+          <a:xfrm>
+            <a:off x="9354345" y="3244334"/>
+            <a:ext cx="553799" cy="369332"/>
+          </a:xfrm>
+          <a:prstGeom prst="rect">
+            <a:avLst/>
+          </a:prstGeom>
+          <a:noFill/>
+        </p:spPr>
+        <p:txBody>
+          <a:bodyPr wrap="square" rtlCol="0">
+            <a:spAutoFit/>
+          </a:bodyPr>
+          <a:lstStyle/>
+          <a:p>
+            <a:r>
+              <a:rPr lang="en-US" altLang="zh-CN" dirty="0"/>
+              <a:t>3</a:t>
+            </a:r>
+            <a:endParaRPr lang="zh-CN" altLang="en-US" dirty="0"/>
+          </a:p>
+        </p:txBody>
+      </p:sp>
+      <p:sp>
+        <p:nvSpPr>
+          <p:cNvPr id="11" name="文本框 10"/>
+          <p:cNvSpPr txBox="1"/>
+          <p:nvPr/>
+        </p:nvSpPr>
+        <p:spPr>
+          <a:xfrm>
+            <a:off x="3850810" y="5488620"/>
+            <a:ext cx="737611" cy="369332"/>
+          </a:xfrm>
+          <a:prstGeom prst="rect">
+            <a:avLst/>
+          </a:prstGeom>
+          <a:noFill/>
+        </p:spPr>
+        <p:txBody>
+          <a:bodyPr wrap="square" rtlCol="0">
+            <a:spAutoFit/>
+          </a:bodyPr>
+          <a:lstStyle/>
+          <a:p>
+            <a:r>
+              <a:rPr lang="en-US" altLang="zh-CN" dirty="0"/>
+              <a:t>2</a:t>
+            </a:r>
+            <a:endParaRPr lang="zh-CN" altLang="en-US" dirty="0"/>
+          </a:p>
+        </p:txBody>
+      </p:sp>
+      <p:sp>
+        <p:nvSpPr>
+          <p:cNvPr id="12" name="文本框 11"/>
+          <p:cNvSpPr txBox="1"/>
+          <p:nvPr/>
+        </p:nvSpPr>
+        <p:spPr>
+          <a:xfrm>
+            <a:off x="3164668" y="3781187"/>
+            <a:ext cx="553799" cy="369332"/>
+          </a:xfrm>
+          <a:prstGeom prst="rect">
+            <a:avLst/>
+          </a:prstGeom>
+          <a:noFill/>
+        </p:spPr>
+        <p:txBody>
+          <a:bodyPr wrap="square" rtlCol="0">
+            <a:spAutoFit/>
+          </a:bodyPr>
+          <a:lstStyle/>
+          <a:p>
+            <a:r>
+              <a:rPr lang="en-US" altLang="zh-CN" dirty="0"/>
+              <a:t>1</a:t>
+            </a:r>
+            <a:endParaRPr lang="zh-CN" altLang="en-US" dirty="0"/>
+          </a:p>
+        </p:txBody>
+      </p:sp>
       <p:pic>
         <p:nvPicPr>
-          <p:cNvPr id="9" name="图片 8">
-            <a:extLst>
-              <a:ext uri="{FF2B5EF4-FFF2-40B4-BE49-F238E27FC236}">
-                <a16:creationId xmlns:a16="http://schemas.microsoft.com/office/drawing/2014/main" id="{923E5C23-C1A0-4F6F-9B23-583936618236}"/>
-              </a:ext>
-            </a:extLst>
-          </p:cNvPr>
+          <p:cNvPr id="13" name="图片 12"/>
           <p:cNvPicPr>
             <a:picLocks noChangeAspect="1"/>
           </p:cNvPicPr>
@@ -9324,8 +8876,8 @@
         </p:blipFill>
         <p:spPr>
           <a:xfrm>
-            <a:off x="6912310" y="2219937"/>
-            <a:ext cx="3598760" cy="2418126"/>
+            <a:off x="6665288" y="4638063"/>
+            <a:ext cx="3896935" cy="2190557"/>
           </a:xfrm>
           <a:prstGeom prst="rect">
             <a:avLst/>
@@ -9334,19 +8886,13 @@
       </p:pic>
       <p:sp>
         <p:nvSpPr>
-          <p:cNvPr id="10" name="文本框 9">
-            <a:extLst>
-              <a:ext uri="{FF2B5EF4-FFF2-40B4-BE49-F238E27FC236}">
-                <a16:creationId xmlns:a16="http://schemas.microsoft.com/office/drawing/2014/main" id="{CB0F5230-FA3B-4B71-8F1E-1D332E769592}"/>
-              </a:ext>
-            </a:extLst>
-          </p:cNvPr>
+          <p:cNvPr id="14" name="文本框 13"/>
           <p:cNvSpPr txBox="1"/>
           <p:nvPr/>
         </p:nvSpPr>
         <p:spPr>
           <a:xfrm>
-            <a:off x="9354345" y="3244334"/>
+            <a:off x="9463613" y="5477794"/>
             <a:ext cx="553799" cy="369332"/>
           </a:xfrm>
           <a:prstGeom prst="rect">
@@ -9362,144 +8908,6 @@
           <a:p>
             <a:r>
               <a:rPr lang="en-US" altLang="zh-CN" dirty="0"/>
-              <a:t>3</a:t>
-            </a:r>
-            <a:endParaRPr lang="zh-CN" altLang="en-US" dirty="0"/>
-          </a:p>
-        </p:txBody>
-      </p:sp>
-      <p:sp>
-        <p:nvSpPr>
-          <p:cNvPr id="11" name="文本框 10">
-            <a:extLst>
-              <a:ext uri="{FF2B5EF4-FFF2-40B4-BE49-F238E27FC236}">
-                <a16:creationId xmlns:a16="http://schemas.microsoft.com/office/drawing/2014/main" id="{F4E6AC7D-09D3-4AC5-BDF4-F52E1F85FCD0}"/>
-              </a:ext>
-            </a:extLst>
-          </p:cNvPr>
-          <p:cNvSpPr txBox="1"/>
-          <p:nvPr/>
-        </p:nvSpPr>
-        <p:spPr>
-          <a:xfrm>
-            <a:off x="3850810" y="5488620"/>
-            <a:ext cx="737611" cy="369332"/>
-          </a:xfrm>
-          <a:prstGeom prst="rect">
-            <a:avLst/>
-          </a:prstGeom>
-          <a:noFill/>
-        </p:spPr>
-        <p:txBody>
-          <a:bodyPr wrap="square" rtlCol="0">
-            <a:spAutoFit/>
-          </a:bodyPr>
-          <a:lstStyle/>
-          <a:p>
-            <a:r>
-              <a:rPr lang="en-US" altLang="zh-CN" dirty="0"/>
-              <a:t>2</a:t>
-            </a:r>
-            <a:endParaRPr lang="zh-CN" altLang="en-US" dirty="0"/>
-          </a:p>
-        </p:txBody>
-      </p:sp>
-      <p:sp>
-        <p:nvSpPr>
-          <p:cNvPr id="12" name="文本框 11">
-            <a:extLst>
-              <a:ext uri="{FF2B5EF4-FFF2-40B4-BE49-F238E27FC236}">
-                <a16:creationId xmlns:a16="http://schemas.microsoft.com/office/drawing/2014/main" id="{17727616-7C82-4596-8F67-53A4F5B63617}"/>
-              </a:ext>
-            </a:extLst>
-          </p:cNvPr>
-          <p:cNvSpPr txBox="1"/>
-          <p:nvPr/>
-        </p:nvSpPr>
-        <p:spPr>
-          <a:xfrm>
-            <a:off x="3164668" y="3781187"/>
-            <a:ext cx="553799" cy="369332"/>
-          </a:xfrm>
-          <a:prstGeom prst="rect">
-            <a:avLst/>
-          </a:prstGeom>
-          <a:noFill/>
-        </p:spPr>
-        <p:txBody>
-          <a:bodyPr wrap="square" rtlCol="0">
-            <a:spAutoFit/>
-          </a:bodyPr>
-          <a:lstStyle/>
-          <a:p>
-            <a:r>
-              <a:rPr lang="en-US" altLang="zh-CN" dirty="0"/>
-              <a:t>1</a:t>
-            </a:r>
-            <a:endParaRPr lang="zh-CN" altLang="en-US" dirty="0"/>
-          </a:p>
-        </p:txBody>
-      </p:sp>
-      <p:pic>
-        <p:nvPicPr>
-          <p:cNvPr id="13" name="图片 12">
-            <a:extLst>
-              <a:ext uri="{FF2B5EF4-FFF2-40B4-BE49-F238E27FC236}">
-                <a16:creationId xmlns:a16="http://schemas.microsoft.com/office/drawing/2014/main" id="{6E4B001F-E477-4DF3-83FC-90F85F023CD6}"/>
-              </a:ext>
-            </a:extLst>
-          </p:cNvPr>
-          <p:cNvPicPr>
-            <a:picLocks noChangeAspect="1"/>
-          </p:cNvPicPr>
-          <p:nvPr/>
-        </p:nvPicPr>
-        <p:blipFill>
-          <a:blip r:embed="rId5"/>
-          <a:stretch>
-            <a:fillRect/>
-          </a:stretch>
-        </p:blipFill>
-        <p:spPr>
-          <a:xfrm>
-            <a:off x="6665288" y="4638063"/>
-            <a:ext cx="3896935" cy="2190557"/>
-          </a:xfrm>
-          <a:prstGeom prst="rect">
-            <a:avLst/>
-          </a:prstGeom>
-        </p:spPr>
-      </p:pic>
-      <p:sp>
-        <p:nvSpPr>
-          <p:cNvPr id="14" name="文本框 13">
-            <a:extLst>
-              <a:ext uri="{FF2B5EF4-FFF2-40B4-BE49-F238E27FC236}">
-                <a16:creationId xmlns:a16="http://schemas.microsoft.com/office/drawing/2014/main" id="{E42D07CF-46E5-47E0-A41C-143EB242629E}"/>
-              </a:ext>
-            </a:extLst>
-          </p:cNvPr>
-          <p:cNvSpPr txBox="1"/>
-          <p:nvPr/>
-        </p:nvSpPr>
-        <p:spPr>
-          <a:xfrm>
-            <a:off x="9463613" y="5477794"/>
-            <a:ext cx="553799" cy="369332"/>
-          </a:xfrm>
-          <a:prstGeom prst="rect">
-            <a:avLst/>
-          </a:prstGeom>
-          <a:noFill/>
-        </p:spPr>
-        <p:txBody>
-          <a:bodyPr wrap="square" rtlCol="0">
-            <a:spAutoFit/>
-          </a:bodyPr>
-          <a:lstStyle/>
-          <a:p>
-            <a:r>
-              <a:rPr lang="en-US" altLang="zh-CN" dirty="0"/>
               <a:t>4</a:t>
             </a:r>
             <a:endParaRPr lang="zh-CN" altLang="en-US" dirty="0"/>
@@ -9507,11 +8915,6 @@
         </p:txBody>
       </p:sp>
     </p:spTree>
-    <p:extLst>
-      <p:ext uri="{BB962C8B-B14F-4D97-AF65-F5344CB8AC3E}">
-        <p14:creationId xmlns:p14="http://schemas.microsoft.com/office/powerpoint/2010/main" val="446978784"/>
-      </p:ext>
-    </p:extLst>
   </p:cSld>
   <p:clrMapOvr>
     <a:masterClrMapping/>
@@ -9538,13 +8941,7 @@
       </p:grpSpPr>
       <p:sp>
         <p:nvSpPr>
-          <p:cNvPr id="2" name="标题 1">
-            <a:extLst>
-              <a:ext uri="{FF2B5EF4-FFF2-40B4-BE49-F238E27FC236}">
-                <a16:creationId xmlns:a16="http://schemas.microsoft.com/office/drawing/2014/main" id="{6047A424-70D7-4CCC-966E-2695D258EB84}"/>
-              </a:ext>
-            </a:extLst>
-          </p:cNvPr>
+          <p:cNvPr id="2" name="标题 1"/>
           <p:cNvSpPr>
             <a:spLocks noGrp="1"/>
           </p:cNvSpPr>
@@ -9566,18 +8963,13 @@
               <a:rPr lang="zh-CN" altLang="en-US" dirty="0"/>
               <a:t>嵌套默认路径</a:t>
             </a:r>
+            <a:endParaRPr lang="zh-CN" altLang="en-US" dirty="0"/>
           </a:p>
         </p:txBody>
       </p:sp>
       <p:sp>
         <p:nvSpPr>
-          <p:cNvPr id="4" name="内容占位符 3">
-            <a:extLst>
-              <a:ext uri="{FF2B5EF4-FFF2-40B4-BE49-F238E27FC236}">
-                <a16:creationId xmlns:a16="http://schemas.microsoft.com/office/drawing/2014/main" id="{36D6E45F-1292-4203-A93E-6BFF96035651}"/>
-              </a:ext>
-            </a:extLst>
-          </p:cNvPr>
+          <p:cNvPr id="4" name="内容占位符 3"/>
           <p:cNvSpPr>
             <a:spLocks noGrp="1"/>
           </p:cNvSpPr>
@@ -9617,20 +9009,14 @@
       </p:sp>
       <p:pic>
         <p:nvPicPr>
-          <p:cNvPr id="15" name="图片 14">
-            <a:extLst>
-              <a:ext uri="{FF2B5EF4-FFF2-40B4-BE49-F238E27FC236}">
-                <a16:creationId xmlns:a16="http://schemas.microsoft.com/office/drawing/2014/main" id="{B82213FE-62FB-42BD-B1A7-AB0ECD86EC78}"/>
-              </a:ext>
-            </a:extLst>
-          </p:cNvPr>
+          <p:cNvPr id="15" name="图片 14"/>
           <p:cNvPicPr>
             <a:picLocks noChangeAspect="1"/>
           </p:cNvPicPr>
           <p:nvPr/>
         </p:nvPicPr>
         <p:blipFill>
-          <a:blip r:embed="rId2">
+          <a:blip r:embed="rId1">
             <a:extLst>
               <a:ext uri="{28A0092B-C50C-407E-A947-70E740481C1C}">
                 <a14:useLocalDpi xmlns:a14="http://schemas.microsoft.com/office/drawing/2010/main" val="0"/>
@@ -9652,11 +9038,6 @@
         </p:spPr>
       </p:pic>
     </p:spTree>
-    <p:extLst>
-      <p:ext uri="{BB962C8B-B14F-4D97-AF65-F5344CB8AC3E}">
-        <p14:creationId xmlns:p14="http://schemas.microsoft.com/office/powerpoint/2010/main" val="2063694705"/>
-      </p:ext>
-    </p:extLst>
   </p:cSld>
   <p:clrMapOvr>
     <a:masterClrMapping/>
@@ -9683,13 +9064,7 @@
       </p:grpSpPr>
       <p:sp>
         <p:nvSpPr>
-          <p:cNvPr id="2" name="标题 1">
-            <a:extLst>
-              <a:ext uri="{FF2B5EF4-FFF2-40B4-BE49-F238E27FC236}">
-                <a16:creationId xmlns:a16="http://schemas.microsoft.com/office/drawing/2014/main" id="{6047A424-70D7-4CCC-966E-2695D258EB84}"/>
-              </a:ext>
-            </a:extLst>
-          </p:cNvPr>
+          <p:cNvPr id="2" name="标题 1"/>
           <p:cNvSpPr>
             <a:spLocks noGrp="1"/>
           </p:cNvSpPr>
@@ -9711,18 +9086,13 @@
               <a:rPr lang="zh-CN" altLang="en-US" dirty="0"/>
               <a:t>传递参数的方式</a:t>
             </a:r>
+            <a:endParaRPr lang="zh-CN" altLang="en-US" dirty="0"/>
           </a:p>
         </p:txBody>
       </p:sp>
       <p:sp>
         <p:nvSpPr>
-          <p:cNvPr id="4" name="内容占位符 3">
-            <a:extLst>
-              <a:ext uri="{FF2B5EF4-FFF2-40B4-BE49-F238E27FC236}">
-                <a16:creationId xmlns:a16="http://schemas.microsoft.com/office/drawing/2014/main" id="{36D6E45F-1292-4203-A93E-6BFF96035651}"/>
-              </a:ext>
-            </a:extLst>
-          </p:cNvPr>
+          <p:cNvPr id="4" name="内容占位符 3"/>
           <p:cNvSpPr>
             <a:spLocks noGrp="1"/>
           </p:cNvSpPr>
@@ -9756,6 +9126,7 @@
               <a:rPr lang="en-US" altLang="zh-CN" dirty="0"/>
               <a:t>query</a:t>
             </a:r>
+            <a:endParaRPr lang="en-US" altLang="zh-CN" dirty="0"/>
           </a:p>
           <a:p>
             <a:r>
@@ -9770,6 +9141,7 @@
               <a:rPr lang="en-US" altLang="zh-CN" b="1" dirty="0"/>
               <a:t>:</a:t>
             </a:r>
+            <a:endParaRPr lang="en-US" altLang="zh-CN" b="1" dirty="0"/>
           </a:p>
           <a:p>
             <a:pPr lvl="1"/>
@@ -9789,6 +9161,11 @@
               </a:rPr>
               <a:t>/router/:id</a:t>
             </a:r>
+            <a:endParaRPr lang="en-US" altLang="zh-CN" dirty="0">
+              <a:solidFill>
+                <a:srgbClr val="FF0000"/>
+              </a:solidFill>
+            </a:endParaRPr>
           </a:p>
           <a:p>
             <a:pPr lvl="1"/>
@@ -9824,6 +9201,11 @@
               </a:rPr>
               <a:t>后面跟上对应的值</a:t>
             </a:r>
+            <a:endParaRPr lang="zh-CN" altLang="en-US" dirty="0">
+              <a:solidFill>
+                <a:srgbClr val="FF0000"/>
+              </a:solidFill>
+            </a:endParaRPr>
           </a:p>
           <a:p>
             <a:pPr lvl="1"/>
@@ -9870,6 +9252,7 @@
               <a:rPr lang="en-US" altLang="zh-CN" b="1" dirty="0"/>
               <a:t>:</a:t>
             </a:r>
+            <a:endParaRPr lang="en-US" altLang="zh-CN" b="1" dirty="0"/>
           </a:p>
           <a:p>
             <a:pPr lvl="1"/>
@@ -9897,6 +9280,7 @@
               <a:rPr lang="zh-CN" altLang="en-US" dirty="0"/>
               <a:t>也就是普通配置</a:t>
             </a:r>
+            <a:endParaRPr lang="zh-CN" altLang="en-US" dirty="0"/>
           </a:p>
           <a:p>
             <a:pPr lvl="1"/>
@@ -9944,6 +9328,11 @@
               </a:rPr>
               <a:t>作为传递方式</a:t>
             </a:r>
+            <a:endParaRPr lang="zh-CN" altLang="en-US" dirty="0">
+              <a:solidFill>
+                <a:srgbClr val="FF0000"/>
+              </a:solidFill>
+            </a:endParaRPr>
           </a:p>
           <a:p>
             <a:pPr lvl="1"/>
@@ -10041,15 +9430,11 @@
               <a:rPr lang="zh-CN" altLang="en-US" dirty="0"/>
               <a:t>代码方式</a:t>
             </a:r>
+            <a:endParaRPr lang="zh-CN" altLang="en-US" dirty="0"/>
           </a:p>
         </p:txBody>
       </p:sp>
     </p:spTree>
-    <p:extLst>
-      <p:ext uri="{BB962C8B-B14F-4D97-AF65-F5344CB8AC3E}">
-        <p14:creationId xmlns:p14="http://schemas.microsoft.com/office/powerpoint/2010/main" val="740970055"/>
-      </p:ext>
-    </p:extLst>
   </p:cSld>
   <p:clrMapOvr>
     <a:masterClrMapping/>
@@ -10076,13 +9461,7 @@
       </p:grpSpPr>
       <p:sp>
         <p:nvSpPr>
-          <p:cNvPr id="2" name="标题 1">
-            <a:extLst>
-              <a:ext uri="{FF2B5EF4-FFF2-40B4-BE49-F238E27FC236}">
-                <a16:creationId xmlns:a16="http://schemas.microsoft.com/office/drawing/2014/main" id="{6047A424-70D7-4CCC-966E-2695D258EB84}"/>
-              </a:ext>
-            </a:extLst>
-          </p:cNvPr>
+          <p:cNvPr id="2" name="标题 1"/>
           <p:cNvSpPr>
             <a:spLocks noGrp="1"/>
           </p:cNvSpPr>
@@ -10104,18 +9483,13 @@
               <a:rPr lang="zh-CN" altLang="en-US" dirty="0"/>
               <a:t>准备工作</a:t>
             </a:r>
+            <a:endParaRPr lang="zh-CN" altLang="en-US" dirty="0"/>
           </a:p>
         </p:txBody>
       </p:sp>
       <p:sp>
         <p:nvSpPr>
-          <p:cNvPr id="4" name="内容占位符 3">
-            <a:extLst>
-              <a:ext uri="{FF2B5EF4-FFF2-40B4-BE49-F238E27FC236}">
-                <a16:creationId xmlns:a16="http://schemas.microsoft.com/office/drawing/2014/main" id="{36D6E45F-1292-4203-A93E-6BFF96035651}"/>
-              </a:ext>
-            </a:extLst>
-          </p:cNvPr>
+          <p:cNvPr id="4" name="内容占位符 3"/>
           <p:cNvSpPr>
             <a:spLocks noGrp="1"/>
           </p:cNvSpPr>
@@ -10177,6 +9551,7 @@
               <a:rPr lang="en-US" altLang="zh-CN" dirty="0"/>
               <a:t> </a:t>
             </a:r>
+            <a:endParaRPr lang="en-US" altLang="zh-CN" dirty="0"/>
           </a:p>
           <a:p>
             <a:pPr lvl="1"/>
@@ -10218,13 +9593,31 @@
       </p:sp>
       <p:pic>
         <p:nvPicPr>
-          <p:cNvPr id="3" name="图片 2">
-            <a:extLst>
-              <a:ext uri="{FF2B5EF4-FFF2-40B4-BE49-F238E27FC236}">
-                <a16:creationId xmlns:a16="http://schemas.microsoft.com/office/drawing/2014/main" id="{37A33B53-F33E-4A3F-BFE2-5C2DEEC92F27}"/>
-              </a:ext>
-            </a:extLst>
-          </p:cNvPr>
+          <p:cNvPr id="3" name="图片 2"/>
+          <p:cNvPicPr>
+            <a:picLocks noChangeAspect="1"/>
+          </p:cNvPicPr>
+          <p:nvPr/>
+        </p:nvPicPr>
+        <p:blipFill>
+          <a:blip r:embed="rId1"/>
+          <a:stretch>
+            <a:fillRect/>
+          </a:stretch>
+        </p:blipFill>
+        <p:spPr>
+          <a:xfrm>
+            <a:off x="117535" y="2776304"/>
+            <a:ext cx="4482822" cy="3039933"/>
+          </a:xfrm>
+          <a:prstGeom prst="rect">
+            <a:avLst/>
+          </a:prstGeom>
+        </p:spPr>
+      </p:pic>
+      <p:pic>
+        <p:nvPicPr>
+          <p:cNvPr id="5" name="图片 4"/>
           <p:cNvPicPr>
             <a:picLocks noChangeAspect="1"/>
           </p:cNvPicPr>
@@ -10238,8 +9631,8 @@
         </p:blipFill>
         <p:spPr>
           <a:xfrm>
-            <a:off x="117535" y="2776304"/>
-            <a:ext cx="4482822" cy="3039933"/>
+            <a:off x="4600357" y="1904301"/>
+            <a:ext cx="5279494" cy="1869696"/>
           </a:xfrm>
           <a:prstGeom prst="rect">
             <a:avLst/>
@@ -10248,13 +9641,7 @@
       </p:pic>
       <p:pic>
         <p:nvPicPr>
-          <p:cNvPr id="5" name="图片 4">
-            <a:extLst>
-              <a:ext uri="{FF2B5EF4-FFF2-40B4-BE49-F238E27FC236}">
-                <a16:creationId xmlns:a16="http://schemas.microsoft.com/office/drawing/2014/main" id="{AAAAB40A-4FCA-440D-9CF9-D2A8074D50AC}"/>
-              </a:ext>
-            </a:extLst>
-          </p:cNvPr>
+          <p:cNvPr id="7" name="图片 6"/>
           <p:cNvPicPr>
             <a:picLocks noChangeAspect="1"/>
           </p:cNvPicPr>
@@ -10268,8 +9655,8 @@
         </p:blipFill>
         <p:spPr>
           <a:xfrm>
-            <a:off x="4600357" y="1904301"/>
-            <a:ext cx="5279494" cy="1869696"/>
+            <a:off x="4541633" y="4017713"/>
+            <a:ext cx="4544954" cy="2326416"/>
           </a:xfrm>
           <a:prstGeom prst="rect">
             <a:avLst/>
@@ -10278,13 +9665,7 @@
       </p:pic>
       <p:pic>
         <p:nvPicPr>
-          <p:cNvPr id="7" name="图片 6">
-            <a:extLst>
-              <a:ext uri="{FF2B5EF4-FFF2-40B4-BE49-F238E27FC236}">
-                <a16:creationId xmlns:a16="http://schemas.microsoft.com/office/drawing/2014/main" id="{4BF6F315-ECD5-4046-AD51-074804CFDE89}"/>
-              </a:ext>
-            </a:extLst>
-          </p:cNvPr>
+          <p:cNvPr id="8" name="图片 7"/>
           <p:cNvPicPr>
             <a:picLocks noChangeAspect="1"/>
           </p:cNvPicPr>
@@ -10298,50 +9679,15 @@
         </p:blipFill>
         <p:spPr>
           <a:xfrm>
-            <a:off x="4541633" y="4017713"/>
-            <a:ext cx="4544954" cy="2326416"/>
+            <a:off x="9302690" y="3592323"/>
+            <a:ext cx="2771775" cy="3028950"/>
           </a:xfrm>
           <a:prstGeom prst="rect">
             <a:avLst/>
           </a:prstGeom>
         </p:spPr>
       </p:pic>
-      <p:pic>
-        <p:nvPicPr>
-          <p:cNvPr id="8" name="图片 7">
-            <a:extLst>
-              <a:ext uri="{FF2B5EF4-FFF2-40B4-BE49-F238E27FC236}">
-                <a16:creationId xmlns:a16="http://schemas.microsoft.com/office/drawing/2014/main" id="{0C80A62B-FBC5-4BD2-A892-3F015CA1E65D}"/>
-              </a:ext>
-            </a:extLst>
-          </p:cNvPr>
-          <p:cNvPicPr>
-            <a:picLocks noChangeAspect="1"/>
-          </p:cNvPicPr>
-          <p:nvPr/>
-        </p:nvPicPr>
-        <p:blipFill>
-          <a:blip r:embed="rId5"/>
-          <a:stretch>
-            <a:fillRect/>
-          </a:stretch>
-        </p:blipFill>
-        <p:spPr>
-          <a:xfrm>
-            <a:off x="9302690" y="3592323"/>
-            <a:ext cx="2771775" cy="3028950"/>
-          </a:xfrm>
-          <a:prstGeom prst="rect">
-            <a:avLst/>
-          </a:prstGeom>
-        </p:spPr>
-      </p:pic>
     </p:spTree>
-    <p:extLst>
-      <p:ext uri="{BB962C8B-B14F-4D97-AF65-F5344CB8AC3E}">
-        <p14:creationId xmlns:p14="http://schemas.microsoft.com/office/powerpoint/2010/main" val="491800573"/>
-      </p:ext>
-    </p:extLst>
   </p:cSld>
   <p:clrMapOvr>
     <a:masterClrMapping/>
@@ -10368,13 +9714,7 @@
       </p:grpSpPr>
       <p:sp>
         <p:nvSpPr>
-          <p:cNvPr id="2" name="标题 1">
-            <a:extLst>
-              <a:ext uri="{FF2B5EF4-FFF2-40B4-BE49-F238E27FC236}">
-                <a16:creationId xmlns:a16="http://schemas.microsoft.com/office/drawing/2014/main" id="{6047A424-70D7-4CCC-966E-2695D258EB84}"/>
-              </a:ext>
-            </a:extLst>
-          </p:cNvPr>
+          <p:cNvPr id="2" name="标题 1"/>
           <p:cNvSpPr>
             <a:spLocks noGrp="1"/>
           </p:cNvSpPr>
@@ -10406,13 +9746,7 @@
       </p:sp>
       <p:pic>
         <p:nvPicPr>
-          <p:cNvPr id="6" name="内容占位符 5">
-            <a:extLst>
-              <a:ext uri="{FF2B5EF4-FFF2-40B4-BE49-F238E27FC236}">
-                <a16:creationId xmlns:a16="http://schemas.microsoft.com/office/drawing/2014/main" id="{3190B8D9-79C7-46DE-9372-63AA54F04DE9}"/>
-              </a:ext>
-            </a:extLst>
-          </p:cNvPr>
+          <p:cNvPr id="6" name="内容占位符 5"/>
           <p:cNvPicPr>
             <a:picLocks noGrp="1" noChangeAspect="1"/>
           </p:cNvPicPr>
@@ -10421,7 +9755,7 @@
           </p:nvPr>
         </p:nvPicPr>
         <p:blipFill>
-          <a:blip r:embed="rId2"/>
+          <a:blip r:embed="rId1"/>
           <a:stretch>
             <a:fillRect/>
           </a:stretch>
@@ -10438,20 +9772,14 @@
       </p:pic>
       <p:pic>
         <p:nvPicPr>
-          <p:cNvPr id="9" name="图片 8">
-            <a:extLst>
-              <a:ext uri="{FF2B5EF4-FFF2-40B4-BE49-F238E27FC236}">
-                <a16:creationId xmlns:a16="http://schemas.microsoft.com/office/drawing/2014/main" id="{85B8EDB8-BD6F-41EC-9CE2-762533D41C63}"/>
-              </a:ext>
-            </a:extLst>
-          </p:cNvPr>
+          <p:cNvPr id="9" name="图片 8"/>
           <p:cNvPicPr>
             <a:picLocks noChangeAspect="1"/>
           </p:cNvPicPr>
           <p:nvPr/>
         </p:nvPicPr>
         <p:blipFill>
-          <a:blip r:embed="rId3"/>
+          <a:blip r:embed="rId2"/>
           <a:stretch>
             <a:fillRect/>
           </a:stretch>
@@ -10467,11 +9795,6 @@
         </p:spPr>
       </p:pic>
     </p:spTree>
-    <p:extLst>
-      <p:ext uri="{BB962C8B-B14F-4D97-AF65-F5344CB8AC3E}">
-        <p14:creationId xmlns:p14="http://schemas.microsoft.com/office/powerpoint/2010/main" val="1411764769"/>
-      </p:ext>
-    </p:extLst>
   </p:cSld>
   <p:clrMapOvr>
     <a:masterClrMapping/>
@@ -10498,13 +9821,7 @@
       </p:grpSpPr>
       <p:sp>
         <p:nvSpPr>
-          <p:cNvPr id="2" name="标题 1">
-            <a:extLst>
-              <a:ext uri="{FF2B5EF4-FFF2-40B4-BE49-F238E27FC236}">
-                <a16:creationId xmlns:a16="http://schemas.microsoft.com/office/drawing/2014/main" id="{6047A424-70D7-4CCC-966E-2695D258EB84}"/>
-              </a:ext>
-            </a:extLst>
-          </p:cNvPr>
+          <p:cNvPr id="2" name="标题 1"/>
           <p:cNvSpPr>
             <a:spLocks noGrp="1"/>
           </p:cNvSpPr>
@@ -10534,18 +9851,13 @@
               <a:rPr lang="zh-CN" altLang="en-US" dirty="0"/>
               <a:t>代码</a:t>
             </a:r>
+            <a:endParaRPr lang="zh-CN" altLang="en-US" dirty="0"/>
           </a:p>
         </p:txBody>
       </p:sp>
       <p:sp>
         <p:nvSpPr>
-          <p:cNvPr id="4" name="内容占位符 3">
-            <a:extLst>
-              <a:ext uri="{FF2B5EF4-FFF2-40B4-BE49-F238E27FC236}">
-                <a16:creationId xmlns:a16="http://schemas.microsoft.com/office/drawing/2014/main" id="{B49169CB-F8F8-491A-A767-840B61A3E03C}"/>
-              </a:ext>
-            </a:extLst>
-          </p:cNvPr>
+          <p:cNvPr id="4" name="内容占位符 3"/>
           <p:cNvSpPr>
             <a:spLocks noGrp="1"/>
           </p:cNvSpPr>
@@ -10564,20 +9876,14 @@
       </p:sp>
       <p:pic>
         <p:nvPicPr>
-          <p:cNvPr id="5" name="图片 4">
-            <a:extLst>
-              <a:ext uri="{FF2B5EF4-FFF2-40B4-BE49-F238E27FC236}">
-                <a16:creationId xmlns:a16="http://schemas.microsoft.com/office/drawing/2014/main" id="{5E477BF0-3CC1-4F63-BB73-4D9C2A0E5A8D}"/>
-              </a:ext>
-            </a:extLst>
-          </p:cNvPr>
+          <p:cNvPr id="5" name="图片 4"/>
           <p:cNvPicPr>
             <a:picLocks noChangeAspect="1"/>
           </p:cNvPicPr>
           <p:nvPr/>
         </p:nvPicPr>
         <p:blipFill>
-          <a:blip r:embed="rId2"/>
+          <a:blip r:embed="rId1"/>
           <a:stretch>
             <a:fillRect/>
           </a:stretch>
@@ -10593,11 +9899,6 @@
         </p:spPr>
       </p:pic>
     </p:spTree>
-    <p:extLst>
-      <p:ext uri="{BB962C8B-B14F-4D97-AF65-F5344CB8AC3E}">
-        <p14:creationId xmlns:p14="http://schemas.microsoft.com/office/powerpoint/2010/main" val="651264313"/>
-      </p:ext>
-    </p:extLst>
   </p:cSld>
   <p:clrMapOvr>
     <a:masterClrMapping/>
@@ -10624,13 +9925,7 @@
       </p:grpSpPr>
       <p:sp>
         <p:nvSpPr>
-          <p:cNvPr id="2" name="标题 1">
-            <a:extLst>
-              <a:ext uri="{FF2B5EF4-FFF2-40B4-BE49-F238E27FC236}">
-                <a16:creationId xmlns:a16="http://schemas.microsoft.com/office/drawing/2014/main" id="{6047A424-70D7-4CCC-966E-2695D258EB84}"/>
-              </a:ext>
-            </a:extLst>
-          </p:cNvPr>
+          <p:cNvPr id="2" name="标题 1"/>
           <p:cNvSpPr>
             <a:spLocks noGrp="1"/>
           </p:cNvSpPr>
@@ -10652,18 +9947,13 @@
               <a:rPr lang="zh-CN" altLang="en-US" dirty="0"/>
               <a:t>获取参数</a:t>
             </a:r>
+            <a:endParaRPr lang="zh-CN" altLang="en-US" dirty="0"/>
           </a:p>
         </p:txBody>
       </p:sp>
       <p:sp>
         <p:nvSpPr>
-          <p:cNvPr id="4" name="内容占位符 3">
-            <a:extLst>
-              <a:ext uri="{FF2B5EF4-FFF2-40B4-BE49-F238E27FC236}">
-                <a16:creationId xmlns:a16="http://schemas.microsoft.com/office/drawing/2014/main" id="{B49169CB-F8F8-491A-A767-840B61A3E03C}"/>
-              </a:ext>
-            </a:extLst>
-          </p:cNvPr>
+          <p:cNvPr id="4" name="内容占位符 3"/>
           <p:cNvSpPr>
             <a:spLocks noGrp="1"/>
           </p:cNvSpPr>
@@ -10697,6 +9987,7 @@
               <a:rPr lang="en-US" altLang="zh-CN" dirty="0"/>
               <a:t>.</a:t>
             </a:r>
+            <a:endParaRPr lang="en-US" altLang="zh-CN" dirty="0"/>
           </a:p>
           <a:p>
             <a:pPr lvl="1"/>
@@ -10728,6 +10019,7 @@
               <a:rPr lang="zh-CN" altLang="en-US" dirty="0"/>
               <a:t>，并且当路由切换时，路由对象会被更新。</a:t>
             </a:r>
+            <a:endParaRPr lang="zh-CN" altLang="en-US" dirty="0"/>
           </a:p>
           <a:p>
             <a:r>
@@ -10746,6 +10038,7 @@
               <a:rPr lang="en-US" altLang="zh-CN" dirty="0"/>
               <a:t>:</a:t>
             </a:r>
+            <a:endParaRPr lang="en-US" altLang="zh-CN" dirty="0"/>
           </a:p>
           <a:p>
             <a:endParaRPr lang="zh-CN" altLang="en-US" dirty="0"/>
@@ -10757,20 +10050,14 @@
       </p:sp>
       <p:pic>
         <p:nvPicPr>
-          <p:cNvPr id="3" name="图片 2">
-            <a:extLst>
-              <a:ext uri="{FF2B5EF4-FFF2-40B4-BE49-F238E27FC236}">
-                <a16:creationId xmlns:a16="http://schemas.microsoft.com/office/drawing/2014/main" id="{F423C449-0599-4E46-9844-730547162606}"/>
-              </a:ext>
-            </a:extLst>
-          </p:cNvPr>
+          <p:cNvPr id="3" name="图片 2"/>
           <p:cNvPicPr>
             <a:picLocks noChangeAspect="1"/>
           </p:cNvPicPr>
           <p:nvPr/>
         </p:nvPicPr>
         <p:blipFill>
-          <a:blip r:embed="rId2"/>
+          <a:blip r:embed="rId1"/>
           <a:stretch>
             <a:fillRect/>
           </a:stretch>
@@ -10786,11 +10073,6 @@
         </p:spPr>
       </p:pic>
     </p:spTree>
-    <p:extLst>
-      <p:ext uri="{BB962C8B-B14F-4D97-AF65-F5344CB8AC3E}">
-        <p14:creationId xmlns:p14="http://schemas.microsoft.com/office/powerpoint/2010/main" val="82756331"/>
-      </p:ext>
-    </p:extLst>
   </p:cSld>
   <p:clrMapOvr>
     <a:masterClrMapping/>
@@ -10817,13 +10099,7 @@
       </p:grpSpPr>
       <p:sp>
         <p:nvSpPr>
-          <p:cNvPr id="2" name="标题 1">
-            <a:extLst>
-              <a:ext uri="{FF2B5EF4-FFF2-40B4-BE49-F238E27FC236}">
-                <a16:creationId xmlns:a16="http://schemas.microsoft.com/office/drawing/2014/main" id="{6047A424-70D7-4CCC-966E-2695D258EB84}"/>
-              </a:ext>
-            </a:extLst>
-          </p:cNvPr>
+          <p:cNvPr id="2" name="标题 1"/>
           <p:cNvSpPr>
             <a:spLocks noGrp="1"/>
           </p:cNvSpPr>
@@ -10845,18 +10121,13 @@
               <a:rPr lang="zh-CN" altLang="en-US" dirty="0"/>
               <a:t>后端路由阶段（了解）</a:t>
             </a:r>
+            <a:endParaRPr lang="zh-CN" altLang="en-US" dirty="0"/>
           </a:p>
         </p:txBody>
       </p:sp>
       <p:sp>
         <p:nvSpPr>
-          <p:cNvPr id="3" name="内容占位符 2">
-            <a:extLst>
-              <a:ext uri="{FF2B5EF4-FFF2-40B4-BE49-F238E27FC236}">
-                <a16:creationId xmlns:a16="http://schemas.microsoft.com/office/drawing/2014/main" id="{349EB7CE-ACB9-461D-ABD1-C4B53C255AF1}"/>
-              </a:ext>
-            </a:extLst>
-          </p:cNvPr>
+          <p:cNvPr id="3" name="内容占位符 2"/>
           <p:cNvSpPr>
             <a:spLocks noGrp="1"/>
           </p:cNvSpPr>
@@ -10890,6 +10161,7 @@
               <a:rPr lang="en-US" altLang="zh-CN" sz="1600" dirty="0"/>
               <a:t>.</a:t>
             </a:r>
+            <a:endParaRPr lang="en-US" altLang="zh-CN" sz="1600" dirty="0"/>
           </a:p>
           <a:p>
             <a:pPr lvl="1"/>
@@ -10915,8 +10187,21 @@
             </a:r>
             <a:r>
               <a:rPr lang="en-US" altLang="zh-CN" sz="1400" dirty="0"/>
-              <a:t>.</a:t>
-            </a:r>
+              <a:t>.  </a:t>
+            </a:r>
+            <a:r>
+              <a:rPr lang="zh-CN" altLang="zh-CN" sz="1400" b="1" dirty="0"/>
+              <a:t>返回的是</a:t>
+            </a:r>
+            <a:r>
+              <a:rPr lang="en-US" altLang="zh-CN" sz="1400" b="1" dirty="0"/>
+              <a:t>html</a:t>
+            </a:r>
+            <a:r>
+              <a:rPr lang="zh-CN" altLang="en-US" sz="1400" b="1" dirty="0"/>
+              <a:t>页面</a:t>
+            </a:r>
+            <a:endParaRPr lang="en-US" altLang="zh-CN" sz="1400" dirty="0"/>
           </a:p>
           <a:p>
             <a:pPr lvl="1"/>
@@ -10947,6 +10232,7 @@
               <a:rPr lang="en-US" altLang="zh-CN" sz="1600" dirty="0"/>
               <a:t>?</a:t>
             </a:r>
+            <a:endParaRPr lang="en-US" altLang="zh-CN" sz="1600" dirty="0"/>
           </a:p>
           <a:p>
             <a:pPr lvl="1"/>
@@ -10966,6 +10252,7 @@
               <a:rPr lang="en-US" altLang="zh-CN" sz="1400" dirty="0"/>
               <a:t>URL.</a:t>
             </a:r>
+            <a:endParaRPr lang="en-US" altLang="zh-CN" sz="1400" dirty="0"/>
           </a:p>
           <a:p>
             <a:pPr lvl="1"/>
@@ -11013,6 +10300,7 @@
               <a:rPr lang="en-US" altLang="zh-CN" sz="1400" dirty="0"/>
               <a:t>.</a:t>
             </a:r>
+            <a:endParaRPr lang="en-US" altLang="zh-CN" sz="1400" dirty="0"/>
           </a:p>
           <a:p>
             <a:pPr lvl="1"/>
@@ -11052,6 +10340,7 @@
               <a:rPr lang="en-US" altLang="zh-CN" sz="1400" dirty="0"/>
               <a:t>.</a:t>
             </a:r>
+            <a:endParaRPr lang="en-US" altLang="zh-CN" sz="1400" dirty="0"/>
           </a:p>
           <a:p>
             <a:pPr lvl="1"/>
@@ -11071,6 +10360,7 @@
               <a:rPr lang="en-US" altLang="zh-CN" sz="1400" dirty="0"/>
               <a:t>.</a:t>
             </a:r>
+            <a:endParaRPr lang="en-US" altLang="zh-CN" sz="1400" dirty="0"/>
           </a:p>
           <a:p>
             <a:pPr lvl="1"/>
@@ -11093,6 +10383,7 @@
               <a:rPr lang="en-US" altLang="zh-CN" sz="1600" dirty="0"/>
               <a:t>.</a:t>
             </a:r>
+            <a:endParaRPr lang="en-US" altLang="zh-CN" sz="1600" dirty="0"/>
           </a:p>
           <a:p>
             <a:pPr lvl="1"/>
@@ -11136,6 +10427,7 @@
               <a:rPr lang="en-US" altLang="zh-CN" sz="1400" dirty="0"/>
               <a:t>.</a:t>
             </a:r>
+            <a:endParaRPr lang="en-US" altLang="zh-CN" sz="1400" dirty="0"/>
           </a:p>
           <a:p>
             <a:pPr lvl="1"/>
@@ -11191,6 +10483,7 @@
               <a:rPr lang="en-US" altLang="zh-CN" sz="1400" dirty="0"/>
               <a:t>.</a:t>
             </a:r>
+            <a:endParaRPr lang="en-US" altLang="zh-CN" sz="1400" dirty="0"/>
           </a:p>
           <a:p>
             <a:pPr lvl="1"/>
@@ -11205,6 +10498,7 @@
               <a:rPr lang="en-US" altLang="zh-CN" sz="1600" dirty="0"/>
               <a:t>:</a:t>
             </a:r>
+            <a:endParaRPr lang="en-US" altLang="zh-CN" sz="1600" dirty="0"/>
           </a:p>
           <a:p>
             <a:pPr lvl="1"/>
@@ -11216,6 +10510,7 @@
               <a:rPr lang="en-US" altLang="zh-CN" sz="1400" dirty="0"/>
               <a:t>.</a:t>
             </a:r>
+            <a:endParaRPr lang="en-US" altLang="zh-CN" sz="1400" dirty="0"/>
           </a:p>
           <a:p>
             <a:pPr lvl="1"/>
@@ -11251,6 +10546,7 @@
               <a:rPr lang="en-US" altLang="zh-CN" sz="1400" dirty="0"/>
               <a:t>.</a:t>
             </a:r>
+            <a:endParaRPr lang="en-US" altLang="zh-CN" sz="1400" dirty="0"/>
           </a:p>
           <a:p>
             <a:pPr lvl="1"/>
@@ -11278,6 +10574,7 @@
               <a:rPr lang="en-US" altLang="zh-CN" sz="1400" dirty="0"/>
               <a:t>.</a:t>
             </a:r>
+            <a:endParaRPr lang="en-US" altLang="zh-CN" sz="1400" dirty="0"/>
           </a:p>
           <a:p>
             <a:endParaRPr kumimoji="1" lang="zh-CN" altLang="en-US" sz="1600" dirty="0"/>
@@ -11285,11 +10582,6 @@
         </p:txBody>
       </p:sp>
     </p:spTree>
-    <p:extLst>
-      <p:ext uri="{BB962C8B-B14F-4D97-AF65-F5344CB8AC3E}">
-        <p14:creationId xmlns:p14="http://schemas.microsoft.com/office/powerpoint/2010/main" val="1332531010"/>
-      </p:ext>
-    </p:extLst>
   </p:cSld>
   <p:clrMapOvr>
     <a:masterClrMapping/>
@@ -11316,13 +10608,7 @@
       </p:grpSpPr>
       <p:sp>
         <p:nvSpPr>
-          <p:cNvPr id="2" name="标题 1">
-            <a:extLst>
-              <a:ext uri="{FF2B5EF4-FFF2-40B4-BE49-F238E27FC236}">
-                <a16:creationId xmlns:a16="http://schemas.microsoft.com/office/drawing/2014/main" id="{6047A424-70D7-4CCC-966E-2695D258EB84}"/>
-              </a:ext>
-            </a:extLst>
-          </p:cNvPr>
+          <p:cNvPr id="2" name="标题 1"/>
           <p:cNvSpPr>
             <a:spLocks noGrp="1"/>
           </p:cNvSpPr>
@@ -11356,18 +10642,13 @@
               <a:rPr lang="zh-CN" altLang="en-US" dirty="0"/>
               <a:t>是有区别的</a:t>
             </a:r>
+            <a:endParaRPr lang="zh-CN" altLang="en-US" dirty="0"/>
           </a:p>
         </p:txBody>
       </p:sp>
       <p:sp>
         <p:nvSpPr>
-          <p:cNvPr id="4" name="内容占位符 3">
-            <a:extLst>
-              <a:ext uri="{FF2B5EF4-FFF2-40B4-BE49-F238E27FC236}">
-                <a16:creationId xmlns:a16="http://schemas.microsoft.com/office/drawing/2014/main" id="{B49169CB-F8F8-491A-A767-840B61A3E03C}"/>
-              </a:ext>
-            </a:extLst>
-          </p:cNvPr>
+          <p:cNvPr id="4" name="内容占位符 3"/>
           <p:cNvSpPr>
             <a:spLocks noGrp="1"/>
           </p:cNvSpPr>
@@ -11441,6 +10722,7 @@
               <a:rPr lang="zh-CN" altLang="en-US" dirty="0"/>
               <a:t>方法</a:t>
             </a:r>
+            <a:endParaRPr lang="zh-CN" altLang="en-US" dirty="0"/>
           </a:p>
           <a:p>
             <a:pPr lvl="1"/>
@@ -11492,15 +10774,11 @@
               <a:rPr lang="zh-CN" altLang="en-US" dirty="0"/>
               <a:t>等 </a:t>
             </a:r>
+            <a:endParaRPr lang="zh-CN" altLang="en-US" dirty="0"/>
           </a:p>
         </p:txBody>
       </p:sp>
     </p:spTree>
-    <p:extLst>
-      <p:ext uri="{BB962C8B-B14F-4D97-AF65-F5344CB8AC3E}">
-        <p14:creationId xmlns:p14="http://schemas.microsoft.com/office/powerpoint/2010/main" val="378726121"/>
-      </p:ext>
-    </p:extLst>
   </p:cSld>
   <p:clrMapOvr>
     <a:masterClrMapping/>
@@ -11527,13 +10805,7 @@
       </p:grpSpPr>
       <p:sp>
         <p:nvSpPr>
-          <p:cNvPr id="2" name="标题 1">
-            <a:extLst>
-              <a:ext uri="{FF2B5EF4-FFF2-40B4-BE49-F238E27FC236}">
-                <a16:creationId xmlns:a16="http://schemas.microsoft.com/office/drawing/2014/main" id="{6047A424-70D7-4CCC-966E-2695D258EB84}"/>
-              </a:ext>
-            </a:extLst>
-          </p:cNvPr>
+          <p:cNvPr id="2" name="标题 1"/>
           <p:cNvSpPr>
             <a:spLocks noGrp="1"/>
           </p:cNvSpPr>
@@ -11565,13 +10837,7 @@
       </p:sp>
       <p:sp>
         <p:nvSpPr>
-          <p:cNvPr id="4" name="内容占位符 3">
-            <a:extLst>
-              <a:ext uri="{FF2B5EF4-FFF2-40B4-BE49-F238E27FC236}">
-                <a16:creationId xmlns:a16="http://schemas.microsoft.com/office/drawing/2014/main" id="{B49169CB-F8F8-491A-A767-840B61A3E03C}"/>
-              </a:ext>
-            </a:extLst>
-          </p:cNvPr>
+          <p:cNvPr id="4" name="内容占位符 3"/>
           <p:cNvSpPr>
             <a:spLocks noGrp="1"/>
           </p:cNvSpPr>
@@ -11621,6 +10887,7 @@
               <a:rPr lang="en-US" altLang="zh-CN" dirty="0"/>
               <a:t>?</a:t>
             </a:r>
+            <a:endParaRPr lang="en-US" altLang="zh-CN" dirty="0"/>
           </a:p>
           <a:p>
             <a:pPr lvl="1"/>
@@ -11672,6 +10939,7 @@
               <a:rPr lang="en-US" altLang="zh-CN" dirty="0"/>
               <a:t>.</a:t>
             </a:r>
+            <a:endParaRPr lang="en-US" altLang="zh-CN" dirty="0"/>
           </a:p>
           <a:p>
             <a:pPr lvl="1"/>
@@ -11715,6 +10983,7 @@
               <a:rPr lang="en-US" altLang="zh-CN" dirty="0"/>
               <a:t>'.</a:t>
             </a:r>
+            <a:endParaRPr lang="en-US" altLang="zh-CN" dirty="0"/>
           </a:p>
           <a:p>
             <a:pPr lvl="1"/>
@@ -11750,6 +11019,7 @@
               <a:rPr lang="en-US" altLang="zh-CN" dirty="0"/>
               <a:t>?</a:t>
             </a:r>
+            <a:endParaRPr lang="en-US" altLang="zh-CN" dirty="0"/>
           </a:p>
           <a:p>
             <a:r>
@@ -11760,6 +11030,7 @@
               <a:rPr lang="en-US" altLang="zh-CN" dirty="0"/>
               <a:t>:</a:t>
             </a:r>
+            <a:endParaRPr lang="en-US" altLang="zh-CN" dirty="0"/>
           </a:p>
           <a:p>
             <a:pPr lvl="1"/>
@@ -11783,6 +11054,7 @@
               <a:rPr lang="en-US" altLang="zh-CN" dirty="0"/>
               <a:t>.</a:t>
             </a:r>
+            <a:endParaRPr lang="en-US" altLang="zh-CN" dirty="0"/>
           </a:p>
           <a:p>
             <a:pPr lvl="1"/>
@@ -11810,6 +11082,7 @@
               <a:rPr lang="en-US" altLang="zh-CN" dirty="0"/>
               <a:t>.</a:t>
             </a:r>
+            <a:endParaRPr lang="en-US" altLang="zh-CN" dirty="0"/>
           </a:p>
           <a:p>
             <a:pPr lvl="1"/>
@@ -11837,6 +11110,7 @@
               <a:rPr lang="en-US" altLang="zh-CN" dirty="0"/>
               <a:t>).</a:t>
             </a:r>
+            <a:endParaRPr lang="en-US" altLang="zh-CN" dirty="0"/>
           </a:p>
           <a:p>
             <a:r>
@@ -11855,6 +11129,7 @@
               <a:rPr lang="en-US" altLang="zh-CN" dirty="0"/>
               <a:t>.</a:t>
             </a:r>
+            <a:endParaRPr lang="en-US" altLang="zh-CN" dirty="0"/>
           </a:p>
           <a:p>
             <a:r>
@@ -11865,6 +11140,7 @@
               <a:rPr lang="en-US" altLang="zh-CN" dirty="0"/>
               <a:t>?</a:t>
             </a:r>
+            <a:endParaRPr lang="en-US" altLang="zh-CN" dirty="0"/>
           </a:p>
           <a:p>
             <a:pPr lvl="1"/>
@@ -11884,6 +11160,7 @@
               <a:rPr lang="en-US" altLang="zh-CN" dirty="0"/>
               <a:t>.</a:t>
             </a:r>
+            <a:endParaRPr lang="en-US" altLang="zh-CN" dirty="0"/>
           </a:p>
           <a:p>
             <a:pPr lvl="1"/>
@@ -11927,6 +11204,7 @@
               <a:rPr lang="en-US" altLang="zh-CN" dirty="0"/>
               <a:t>.</a:t>
             </a:r>
+            <a:endParaRPr lang="en-US" altLang="zh-CN" dirty="0"/>
           </a:p>
           <a:p>
             <a:endParaRPr lang="en-US" altLang="zh-CN" dirty="0"/>
@@ -11940,11 +11218,6 @@
         </p:txBody>
       </p:sp>
     </p:spTree>
-    <p:extLst>
-      <p:ext uri="{BB962C8B-B14F-4D97-AF65-F5344CB8AC3E}">
-        <p14:creationId xmlns:p14="http://schemas.microsoft.com/office/powerpoint/2010/main" val="3846282079"/>
-      </p:ext>
-    </p:extLst>
   </p:cSld>
   <p:clrMapOvr>
     <a:masterClrMapping/>
@@ -11971,13 +11244,7 @@
       </p:grpSpPr>
       <p:sp>
         <p:nvSpPr>
-          <p:cNvPr id="2" name="标题 1">
-            <a:extLst>
-              <a:ext uri="{FF2B5EF4-FFF2-40B4-BE49-F238E27FC236}">
-                <a16:creationId xmlns:a16="http://schemas.microsoft.com/office/drawing/2014/main" id="{6047A424-70D7-4CCC-966E-2695D258EB84}"/>
-              </a:ext>
-            </a:extLst>
-          </p:cNvPr>
+          <p:cNvPr id="2" name="标题 1"/>
           <p:cNvSpPr>
             <a:spLocks noGrp="1"/>
           </p:cNvSpPr>
@@ -12009,13 +11276,7 @@
       </p:sp>
       <p:sp>
         <p:nvSpPr>
-          <p:cNvPr id="4" name="内容占位符 3">
-            <a:extLst>
-              <a:ext uri="{FF2B5EF4-FFF2-40B4-BE49-F238E27FC236}">
-                <a16:creationId xmlns:a16="http://schemas.microsoft.com/office/drawing/2014/main" id="{B49169CB-F8F8-491A-A767-840B61A3E03C}"/>
-              </a:ext>
-            </a:extLst>
-          </p:cNvPr>
+          <p:cNvPr id="4" name="内容占位符 3"/>
           <p:cNvSpPr>
             <a:spLocks noGrp="1"/>
           </p:cNvSpPr>
@@ -12049,6 +11310,7 @@
               <a:rPr lang="en-US" altLang="zh-CN" dirty="0"/>
               <a:t>.</a:t>
             </a:r>
+            <a:endParaRPr lang="en-US" altLang="zh-CN" dirty="0"/>
           </a:p>
           <a:p>
             <a:pPr lvl="1"/>
@@ -12114,13 +11376,7 @@
       </p:sp>
       <p:sp>
         <p:nvSpPr>
-          <p:cNvPr id="5" name="文本框 4">
-            <a:extLst>
-              <a:ext uri="{FF2B5EF4-FFF2-40B4-BE49-F238E27FC236}">
-                <a16:creationId xmlns:a16="http://schemas.microsoft.com/office/drawing/2014/main" id="{2B079C62-AC7E-49EF-984F-A120A0F1FD47}"/>
-              </a:ext>
-            </a:extLst>
-          </p:cNvPr>
+          <p:cNvPr id="5" name="文本框 4"/>
           <p:cNvSpPr txBox="1"/>
           <p:nvPr/>
         </p:nvSpPr>
@@ -12158,6 +11414,10 @@
               </a:rPr>
               <a:t>:</a:t>
             </a:r>
+            <a:endParaRPr lang="en-US" altLang="zh-CN" dirty="0">
+              <a:latin typeface="微软雅黑" panose="020B0503020204020204" pitchFamily="34" charset="-122"/>
+              <a:ea typeface="微软雅黑" panose="020B0503020204020204" pitchFamily="34" charset="-122"/>
+            </a:endParaRPr>
           </a:p>
           <a:p>
             <a:pPr marL="285750" indent="-285750">
@@ -12185,6 +11445,10 @@
               </a:rPr>
               <a:t>.</a:t>
             </a:r>
+            <a:endParaRPr lang="en-US" altLang="zh-CN" dirty="0">
+              <a:latin typeface="微软雅黑" panose="020B0503020204020204" pitchFamily="34" charset="-122"/>
+              <a:ea typeface="微软雅黑" panose="020B0503020204020204" pitchFamily="34" charset="-122"/>
+            </a:endParaRPr>
           </a:p>
           <a:p>
             <a:pPr marL="285750" indent="-285750">
@@ -12212,6 +11476,10 @@
               </a:rPr>
               <a:t>.</a:t>
             </a:r>
+            <a:endParaRPr lang="en-US" altLang="zh-CN" dirty="0">
+              <a:latin typeface="微软雅黑" panose="020B0503020204020204" pitchFamily="34" charset="-122"/>
+              <a:ea typeface="微软雅黑" panose="020B0503020204020204" pitchFamily="34" charset="-122"/>
+            </a:endParaRPr>
           </a:p>
           <a:p>
             <a:pPr marL="285750" indent="-285750">
@@ -12253,18 +11521,40 @@
               </a:rPr>
               <a:t>.</a:t>
             </a:r>
+            <a:endParaRPr lang="en-US" altLang="zh-CN" dirty="0">
+              <a:latin typeface="微软雅黑" panose="020B0503020204020204" pitchFamily="34" charset="-122"/>
+              <a:ea typeface="微软雅黑" panose="020B0503020204020204" pitchFamily="34" charset="-122"/>
+            </a:endParaRPr>
           </a:p>
         </p:txBody>
       </p:sp>
       <p:pic>
         <p:nvPicPr>
-          <p:cNvPr id="3" name="图片 2">
-            <a:extLst>
-              <a:ext uri="{FF2B5EF4-FFF2-40B4-BE49-F238E27FC236}">
-                <a16:creationId xmlns:a16="http://schemas.microsoft.com/office/drawing/2014/main" id="{61C2857D-53C7-4D59-A49A-20CEB90FE7A0}"/>
-              </a:ext>
-            </a:extLst>
-          </p:cNvPr>
+          <p:cNvPr id="3" name="图片 2"/>
+          <p:cNvPicPr>
+            <a:picLocks noChangeAspect="1"/>
+          </p:cNvPicPr>
+          <p:nvPr/>
+        </p:nvPicPr>
+        <p:blipFill>
+          <a:blip r:embed="rId1"/>
+          <a:stretch>
+            <a:fillRect/>
+          </a:stretch>
+        </p:blipFill>
+        <p:spPr>
+          <a:xfrm>
+            <a:off x="0" y="2101887"/>
+            <a:ext cx="9685347" cy="3353623"/>
+          </a:xfrm>
+          <a:prstGeom prst="rect">
+            <a:avLst/>
+          </a:prstGeom>
+        </p:spPr>
+      </p:pic>
+      <p:pic>
+        <p:nvPicPr>
+          <p:cNvPr id="6" name="图片 5"/>
           <p:cNvPicPr>
             <a:picLocks noChangeAspect="1"/>
           </p:cNvPicPr>
@@ -12278,50 +11568,15 @@
         </p:blipFill>
         <p:spPr>
           <a:xfrm>
-            <a:off x="0" y="2101887"/>
-            <a:ext cx="9685347" cy="3353623"/>
+            <a:off x="8374367" y="3952875"/>
+            <a:ext cx="3886200" cy="2905125"/>
           </a:xfrm>
           <a:prstGeom prst="rect">
             <a:avLst/>
           </a:prstGeom>
         </p:spPr>
       </p:pic>
-      <p:pic>
-        <p:nvPicPr>
-          <p:cNvPr id="6" name="图片 5">
-            <a:extLst>
-              <a:ext uri="{FF2B5EF4-FFF2-40B4-BE49-F238E27FC236}">
-                <a16:creationId xmlns:a16="http://schemas.microsoft.com/office/drawing/2014/main" id="{79FACDF6-2D92-4485-92B7-85319E20B622}"/>
-              </a:ext>
-            </a:extLst>
-          </p:cNvPr>
-          <p:cNvPicPr>
-            <a:picLocks noChangeAspect="1"/>
-          </p:cNvPicPr>
-          <p:nvPr/>
-        </p:nvPicPr>
-        <p:blipFill>
-          <a:blip r:embed="rId3"/>
-          <a:stretch>
-            <a:fillRect/>
-          </a:stretch>
-        </p:blipFill>
-        <p:spPr>
-          <a:xfrm>
-            <a:off x="8374367" y="3952875"/>
-            <a:ext cx="3886200" cy="2905125"/>
-          </a:xfrm>
-          <a:prstGeom prst="rect">
-            <a:avLst/>
-          </a:prstGeom>
-        </p:spPr>
-      </p:pic>
     </p:spTree>
-    <p:extLst>
-      <p:ext uri="{BB962C8B-B14F-4D97-AF65-F5344CB8AC3E}">
-        <p14:creationId xmlns:p14="http://schemas.microsoft.com/office/powerpoint/2010/main" val="3071547979"/>
-      </p:ext>
-    </p:extLst>
   </p:cSld>
   <p:clrMapOvr>
     <a:masterClrMapping/>
@@ -12434,13 +11689,7 @@
       </p:grpSpPr>
       <p:sp>
         <p:nvSpPr>
-          <p:cNvPr id="2" name="标题 1">
-            <a:extLst>
-              <a:ext uri="{FF2B5EF4-FFF2-40B4-BE49-F238E27FC236}">
-                <a16:creationId xmlns:a16="http://schemas.microsoft.com/office/drawing/2014/main" id="{6047A424-70D7-4CCC-966E-2695D258EB84}"/>
-              </a:ext>
-            </a:extLst>
-          </p:cNvPr>
+          <p:cNvPr id="2" name="标题 1"/>
           <p:cNvSpPr>
             <a:spLocks noGrp="1"/>
           </p:cNvSpPr>
@@ -12462,18 +11711,13 @@
               <a:rPr lang="zh-CN" altLang="en-US" dirty="0"/>
               <a:t>导航守卫补充</a:t>
             </a:r>
+            <a:endParaRPr lang="zh-CN" altLang="en-US" dirty="0"/>
           </a:p>
         </p:txBody>
       </p:sp>
       <p:sp>
         <p:nvSpPr>
-          <p:cNvPr id="8" name="内容占位符 7">
-            <a:extLst>
-              <a:ext uri="{FF2B5EF4-FFF2-40B4-BE49-F238E27FC236}">
-                <a16:creationId xmlns:a16="http://schemas.microsoft.com/office/drawing/2014/main" id="{FE680155-E644-4E6A-AA01-AB70886580C9}"/>
-              </a:ext>
-            </a:extLst>
-          </p:cNvPr>
+          <p:cNvPr id="8" name="内容占位符 7"/>
           <p:cNvSpPr>
             <a:spLocks noGrp="1"/>
           </p:cNvSpPr>
@@ -12530,6 +11774,7 @@
               <a:rPr lang="en-US" altLang="zh-CN" dirty="0"/>
               <a:t>.</a:t>
             </a:r>
+            <a:endParaRPr lang="en-US" altLang="zh-CN" dirty="0"/>
           </a:p>
           <a:p>
             <a:r>
@@ -12560,6 +11805,7 @@
               <a:rPr lang="en-US" altLang="zh-CN" dirty="0"/>
               <a:t>.</a:t>
             </a:r>
+            <a:endParaRPr lang="en-US" altLang="zh-CN" dirty="0"/>
           </a:p>
           <a:p>
             <a:pPr lvl="1"/>
@@ -12571,6 +11817,7 @@
               <a:rPr lang="en-US" altLang="zh-CN" dirty="0"/>
               <a:t>.</a:t>
             </a:r>
+            <a:endParaRPr lang="en-US" altLang="zh-CN" dirty="0"/>
           </a:p>
           <a:p>
             <a:pPr lvl="1"/>
@@ -12582,11 +11829,12 @@
               <a:rPr lang="en-US" altLang="zh-CN" dirty="0"/>
               <a:t>.</a:t>
             </a:r>
-          </a:p>
-          <a:p>
             <a:endParaRPr lang="en-US" altLang="zh-CN" dirty="0"/>
           </a:p>
           <a:p>
+            <a:endParaRPr lang="en-US" altLang="zh-CN" dirty="0"/>
+          </a:p>
+          <a:p>
             <a:r>
               <a:rPr lang="zh-CN" altLang="en-US" dirty="0"/>
               <a:t>更多内容</a:t>
@@ -12603,12 +11851,13 @@
               <a:rPr lang="en-US" altLang="zh-CN" dirty="0"/>
               <a:t>:</a:t>
             </a:r>
+            <a:endParaRPr lang="en-US" altLang="zh-CN" dirty="0"/>
           </a:p>
           <a:p>
             <a:pPr lvl="1"/>
             <a:r>
               <a:rPr lang="en-US" altLang="zh-CN" dirty="0">
-                <a:hlinkClick r:id="rId2"/>
+                <a:hlinkClick r:id="rId1"/>
               </a:rPr>
               <a:t>https://router.vuejs.org/zh/guide/advanced/navigation-guards.html#%E8%B7%AF%E7%94%B1%E7%8B%AC%E4%BA%AB%E7%9A%84%E5%AE%88%E5%8D%AB</a:t>
             </a:r>
@@ -12623,11 +11872,6 @@
         </p:txBody>
       </p:sp>
     </p:spTree>
-    <p:extLst>
-      <p:ext uri="{BB962C8B-B14F-4D97-AF65-F5344CB8AC3E}">
-        <p14:creationId xmlns:p14="http://schemas.microsoft.com/office/powerpoint/2010/main" val="1906025718"/>
-      </p:ext>
-    </p:extLst>
   </p:cSld>
   <p:clrMapOvr>
     <a:masterClrMapping/>
@@ -12654,13 +11898,7 @@
       </p:grpSpPr>
       <p:sp>
         <p:nvSpPr>
-          <p:cNvPr id="2" name="标题 1">
-            <a:extLst>
-              <a:ext uri="{FF2B5EF4-FFF2-40B4-BE49-F238E27FC236}">
-                <a16:creationId xmlns:a16="http://schemas.microsoft.com/office/drawing/2014/main" id="{6047A424-70D7-4CCC-966E-2695D258EB84}"/>
-              </a:ext>
-            </a:extLst>
-          </p:cNvPr>
+          <p:cNvPr id="2" name="标题 1"/>
           <p:cNvSpPr>
             <a:spLocks noGrp="1"/>
           </p:cNvSpPr>
@@ -12700,13 +11938,7 @@
       </p:sp>
       <p:sp>
         <p:nvSpPr>
-          <p:cNvPr id="8" name="内容占位符 7">
-            <a:extLst>
-              <a:ext uri="{FF2B5EF4-FFF2-40B4-BE49-F238E27FC236}">
-                <a16:creationId xmlns:a16="http://schemas.microsoft.com/office/drawing/2014/main" id="{FE680155-E644-4E6A-AA01-AB70886580C9}"/>
-              </a:ext>
-            </a:extLst>
-          </p:cNvPr>
+          <p:cNvPr id="8" name="内容占位符 7"/>
           <p:cNvSpPr>
             <a:spLocks noGrp="1"/>
           </p:cNvSpPr>
@@ -12747,6 +11979,7 @@
               <a:rPr lang="en-US" altLang="zh-CN" dirty="0"/>
               <a:t>:</a:t>
             </a:r>
+            <a:endParaRPr lang="en-US" altLang="zh-CN" dirty="0"/>
           </a:p>
           <a:p>
             <a:pPr lvl="1"/>
@@ -12758,6 +11991,7 @@
               <a:rPr lang="zh-CN" altLang="en-US" dirty="0"/>
               <a:t>字符串或正则表达，只有匹配的组件会被缓存</a:t>
             </a:r>
+            <a:endParaRPr lang="zh-CN" altLang="en-US" dirty="0"/>
           </a:p>
           <a:p>
             <a:pPr lvl="1"/>
@@ -12815,25 +12049,20 @@
               <a:rPr lang="zh-CN" altLang="en-US" dirty="0"/>
               <a:t>声明周期函数来验证</a:t>
             </a:r>
+            <a:endParaRPr lang="zh-CN" altLang="en-US" dirty="0"/>
           </a:p>
         </p:txBody>
       </p:sp>
       <p:pic>
         <p:nvPicPr>
-          <p:cNvPr id="4" name="图片 3">
-            <a:extLst>
-              <a:ext uri="{FF2B5EF4-FFF2-40B4-BE49-F238E27FC236}">
-                <a16:creationId xmlns:a16="http://schemas.microsoft.com/office/drawing/2014/main" id="{B6AD63E1-FECE-47EF-AFD9-AF5DF5BFC4B6}"/>
-              </a:ext>
-            </a:extLst>
-          </p:cNvPr>
+          <p:cNvPr id="4" name="图片 3"/>
           <p:cNvPicPr>
             <a:picLocks noChangeAspect="1"/>
           </p:cNvPicPr>
           <p:nvPr/>
         </p:nvPicPr>
         <p:blipFill>
-          <a:blip r:embed="rId2"/>
+          <a:blip r:embed="rId1"/>
           <a:stretch>
             <a:fillRect/>
           </a:stretch>
@@ -12849,11 +12078,6 @@
         </p:spPr>
       </p:pic>
     </p:spTree>
-    <p:extLst>
-      <p:ext uri="{BB962C8B-B14F-4D97-AF65-F5344CB8AC3E}">
-        <p14:creationId xmlns:p14="http://schemas.microsoft.com/office/powerpoint/2010/main" val="1175727214"/>
-      </p:ext>
-    </p:extLst>
   </p:cSld>
   <p:clrMapOvr>
     <a:masterClrMapping/>
@@ -12963,13 +12187,7 @@
       </p:grpSpPr>
       <p:sp>
         <p:nvSpPr>
-          <p:cNvPr id="2" name="标题 1">
-            <a:extLst>
-              <a:ext uri="{FF2B5EF4-FFF2-40B4-BE49-F238E27FC236}">
-                <a16:creationId xmlns:a16="http://schemas.microsoft.com/office/drawing/2014/main" id="{6047A424-70D7-4CCC-966E-2695D258EB84}"/>
-              </a:ext>
-            </a:extLst>
-          </p:cNvPr>
+          <p:cNvPr id="2" name="标题 1"/>
           <p:cNvSpPr>
             <a:spLocks noGrp="1"/>
           </p:cNvSpPr>
@@ -12997,13 +12215,7 @@
       </p:sp>
       <p:sp>
         <p:nvSpPr>
-          <p:cNvPr id="3" name="内容占位符 2">
-            <a:extLst>
-              <a:ext uri="{FF2B5EF4-FFF2-40B4-BE49-F238E27FC236}">
-                <a16:creationId xmlns:a16="http://schemas.microsoft.com/office/drawing/2014/main" id="{349EB7CE-ACB9-461D-ABD1-C4B53C255AF1}"/>
-              </a:ext>
-            </a:extLst>
-          </p:cNvPr>
+          <p:cNvPr id="3" name="内容占位符 2"/>
           <p:cNvSpPr>
             <a:spLocks noGrp="1"/>
           </p:cNvSpPr>
@@ -13053,6 +12265,7 @@
               <a:rPr lang="en-US" altLang="zh-CN" dirty="0"/>
               <a:t>.</a:t>
             </a:r>
+            <a:endParaRPr lang="en-US" altLang="zh-CN" dirty="0"/>
           </a:p>
           <a:p>
             <a:pPr lvl="1"/>
@@ -13104,6 +12317,7 @@
               <a:rPr lang="en-US" altLang="zh-CN" dirty="0"/>
               <a:t>.</a:t>
             </a:r>
+            <a:endParaRPr lang="en-US" altLang="zh-CN" dirty="0"/>
           </a:p>
           <a:p>
             <a:pPr lvl="1"/>
@@ -13131,6 +12345,7 @@
               <a:rPr lang="en-US" altLang="zh-CN" dirty="0"/>
               <a:t>.</a:t>
             </a:r>
+            <a:endParaRPr lang="en-US" altLang="zh-CN" dirty="0"/>
           </a:p>
           <a:p>
             <a:pPr lvl="1"/>
@@ -13174,6 +12389,7 @@
               <a:rPr lang="en-US" altLang="zh-CN" dirty="0"/>
               <a:t>.</a:t>
             </a:r>
+            <a:endParaRPr lang="en-US" altLang="zh-CN" dirty="0"/>
           </a:p>
           <a:p>
             <a:pPr lvl="1"/>
@@ -13185,6 +12401,7 @@
               <a:rPr lang="en-US" altLang="zh-CN" dirty="0"/>
               <a:t>.</a:t>
             </a:r>
+            <a:endParaRPr lang="en-US" altLang="zh-CN" dirty="0"/>
           </a:p>
           <a:p>
             <a:pPr lvl="1"/>
@@ -13219,6 +12436,7 @@
               <a:rPr lang="en-US" altLang="zh-CN" dirty="0"/>
               <a:t>.</a:t>
             </a:r>
+            <a:endParaRPr lang="en-US" altLang="zh-CN" dirty="0"/>
           </a:p>
           <a:p>
             <a:pPr lvl="1"/>
@@ -13230,6 +12448,7 @@
               <a:rPr lang="en-US" altLang="zh-CN" dirty="0"/>
               <a:t>.</a:t>
             </a:r>
+            <a:endParaRPr lang="en-US" altLang="zh-CN" dirty="0"/>
           </a:p>
           <a:p>
             <a:pPr lvl="1"/>
@@ -13264,15 +12483,11 @@
               <a:rPr kumimoji="1" lang="zh-CN" altLang="en-US" dirty="0"/>
               <a:t>如何实现呢？</a:t>
             </a:r>
+            <a:endParaRPr kumimoji="1" lang="zh-CN" altLang="en-US" dirty="0"/>
           </a:p>
         </p:txBody>
       </p:sp>
     </p:spTree>
-    <p:extLst>
-      <p:ext uri="{BB962C8B-B14F-4D97-AF65-F5344CB8AC3E}">
-        <p14:creationId xmlns:p14="http://schemas.microsoft.com/office/powerpoint/2010/main" val="3073891053"/>
-      </p:ext>
-    </p:extLst>
   </p:cSld>
   <p:clrMapOvr>
     <a:masterClrMapping/>
@@ -13299,13 +12514,7 @@
       </p:grpSpPr>
       <p:sp>
         <p:nvSpPr>
-          <p:cNvPr id="2" name="标题 1">
-            <a:extLst>
-              <a:ext uri="{FF2B5EF4-FFF2-40B4-BE49-F238E27FC236}">
-                <a16:creationId xmlns:a16="http://schemas.microsoft.com/office/drawing/2014/main" id="{6047A424-70D7-4CCC-966E-2695D258EB84}"/>
-              </a:ext>
-            </a:extLst>
-          </p:cNvPr>
+          <p:cNvPr id="2" name="标题 1"/>
           <p:cNvSpPr>
             <a:spLocks noGrp="1"/>
           </p:cNvSpPr>
@@ -13337,13 +12546,7 @@
       </p:sp>
       <p:sp>
         <p:nvSpPr>
-          <p:cNvPr id="3" name="内容占位符 2">
-            <a:extLst>
-              <a:ext uri="{FF2B5EF4-FFF2-40B4-BE49-F238E27FC236}">
-                <a16:creationId xmlns:a16="http://schemas.microsoft.com/office/drawing/2014/main" id="{349EB7CE-ACB9-461D-ABD1-C4B53C255AF1}"/>
-              </a:ext>
-            </a:extLst>
-          </p:cNvPr>
+          <p:cNvPr id="3" name="内容占位符 2"/>
           <p:cNvSpPr>
             <a:spLocks noGrp="1"/>
           </p:cNvSpPr>
@@ -13458,28 +12661,16 @@
           <a:p>
             <a:pPr lvl="1"/>
             <a:r>
-              <a:rPr kumimoji="1" lang="en-US" altLang="zh-CN" dirty="0"/>
-              <a:t>6.</a:t>
-            </a:r>
-            <a:r>
-              <a:rPr kumimoji="1" lang="zh-CN" altLang="en-US" dirty="0"/>
-              <a:t>单页应用像网络一样，几乎随处可以访问</a:t>
-            </a:r>
-            <a:r>
-              <a:rPr kumimoji="1" lang="en-US" altLang="zh-CN" dirty="0"/>
-              <a:t>—</a:t>
-            </a:r>
-            <a:r>
-              <a:rPr kumimoji="1" lang="zh-CN" altLang="en-US" dirty="0"/>
-              <a:t>不像大多数的桌面应用，用户可以通过任务网络连接和适当的浏览器访问单页应用。</a:t>
-            </a:r>
-            <a:endParaRPr kumimoji="1" lang="en-US" altLang="zh-CN" dirty="0"/>
+              <a:rPr kumimoji="1" lang="zh-CN" altLang="en-US" dirty="0"/>
+              <a:t>如今，这一名单包括智能手机、平板电脑、电视、笔记本电脑和台式计算机。</a:t>
+            </a:r>
+            <a:endParaRPr kumimoji="1" lang="zh-CN" altLang="en-US" dirty="0"/>
           </a:p>
           <a:p>
             <a:pPr lvl="1"/>
             <a:r>
               <a:rPr kumimoji="1" lang="zh-CN" altLang="en-US" dirty="0"/>
-              <a:t>如今，这一名单包括智能手机、平板电脑、电视、笔记本电脑和台式计算机。 </a:t>
+              <a:t>提升了前端的价值 </a:t>
             </a:r>
             <a:endParaRPr kumimoji="1" lang="en-US" altLang="zh-CN" dirty="0"/>
           </a:p>
@@ -13561,11 +12752,6 @@
         </p:txBody>
       </p:sp>
     </p:spTree>
-    <p:extLst>
-      <p:ext uri="{BB962C8B-B14F-4D97-AF65-F5344CB8AC3E}">
-        <p14:creationId xmlns:p14="http://schemas.microsoft.com/office/powerpoint/2010/main" val="2551331588"/>
-      </p:ext>
-    </p:extLst>
   </p:cSld>
   <p:clrMapOvr>
     <a:masterClrMapping/>
@@ -13592,13 +12778,7 @@
       </p:grpSpPr>
       <p:sp>
         <p:nvSpPr>
-          <p:cNvPr id="2" name="标题 1">
-            <a:extLst>
-              <a:ext uri="{FF2B5EF4-FFF2-40B4-BE49-F238E27FC236}">
-                <a16:creationId xmlns:a16="http://schemas.microsoft.com/office/drawing/2014/main" id="{6047A424-70D7-4CCC-966E-2695D258EB84}"/>
-              </a:ext>
-            </a:extLst>
-          </p:cNvPr>
+          <p:cNvPr id="2" name="标题 1"/>
           <p:cNvSpPr>
             <a:spLocks noGrp="1"/>
           </p:cNvSpPr>
@@ -13634,13 +12814,7 @@
       </p:sp>
       <p:sp>
         <p:nvSpPr>
-          <p:cNvPr id="3" name="内容占位符 2">
-            <a:extLst>
-              <a:ext uri="{FF2B5EF4-FFF2-40B4-BE49-F238E27FC236}">
-                <a16:creationId xmlns:a16="http://schemas.microsoft.com/office/drawing/2014/main" id="{349EB7CE-ACB9-461D-ABD1-C4B53C255AF1}"/>
-              </a:ext>
-            </a:extLst>
-          </p:cNvPr>
+          <p:cNvPr id="3" name="内容占位符 2"/>
           <p:cNvSpPr>
             <a:spLocks noGrp="1"/>
           </p:cNvSpPr>
@@ -13702,6 +12876,7 @@
               <a:rPr lang="en-US" altLang="zh-CN" dirty="0"/>
               <a:t>.</a:t>
             </a:r>
+            <a:endParaRPr lang="en-US" altLang="zh-CN" dirty="0"/>
           </a:p>
           <a:p>
             <a:r>
@@ -13728,6 +12903,7 @@
               <a:rPr lang="zh-CN" altLang="en-US" dirty="0"/>
               <a:t>但是页面不发生刷新</a:t>
             </a:r>
+            <a:endParaRPr lang="zh-CN" altLang="en-US" dirty="0"/>
           </a:p>
           <a:p>
             <a:endParaRPr kumimoji="1" lang="zh-CN" altLang="en-US" dirty="0"/>
@@ -13736,13 +12912,31 @@
       </p:sp>
       <p:pic>
         <p:nvPicPr>
-          <p:cNvPr id="5" name="图片 4">
-            <a:extLst>
-              <a:ext uri="{FF2B5EF4-FFF2-40B4-BE49-F238E27FC236}">
-                <a16:creationId xmlns:a16="http://schemas.microsoft.com/office/drawing/2014/main" id="{302A52E7-53E8-4635-9A46-41E7F2C71CB3}"/>
-              </a:ext>
-            </a:extLst>
-          </p:cNvPr>
+          <p:cNvPr id="5" name="图片 4"/>
+          <p:cNvPicPr>
+            <a:picLocks noChangeAspect="1"/>
+          </p:cNvPicPr>
+          <p:nvPr/>
+        </p:nvPicPr>
+        <p:blipFill>
+          <a:blip r:embed="rId1"/>
+          <a:stretch>
+            <a:fillRect/>
+          </a:stretch>
+        </p:blipFill>
+        <p:spPr>
+          <a:xfrm>
+            <a:off x="713991" y="2588484"/>
+            <a:ext cx="10239375" cy="2066925"/>
+          </a:xfrm>
+          <a:prstGeom prst="rect">
+            <a:avLst/>
+          </a:prstGeom>
+        </p:spPr>
+      </p:pic>
+      <p:pic>
+        <p:nvPicPr>
+          <p:cNvPr id="6" name="图片 5"/>
           <p:cNvPicPr>
             <a:picLocks noChangeAspect="1"/>
           </p:cNvPicPr>
@@ -13756,50 +12950,15 @@
         </p:blipFill>
         <p:spPr>
           <a:xfrm>
-            <a:off x="713991" y="2588484"/>
-            <a:ext cx="10239375" cy="2066925"/>
+            <a:off x="713991" y="5029419"/>
+            <a:ext cx="4809524" cy="657143"/>
           </a:xfrm>
           <a:prstGeom prst="rect">
             <a:avLst/>
           </a:prstGeom>
         </p:spPr>
       </p:pic>
-      <p:pic>
-        <p:nvPicPr>
-          <p:cNvPr id="6" name="图片 5">
-            <a:extLst>
-              <a:ext uri="{FF2B5EF4-FFF2-40B4-BE49-F238E27FC236}">
-                <a16:creationId xmlns:a16="http://schemas.microsoft.com/office/drawing/2014/main" id="{B9912CB8-1B3E-4178-AB95-D821F41D593B}"/>
-              </a:ext>
-            </a:extLst>
-          </p:cNvPr>
-          <p:cNvPicPr>
-            <a:picLocks noChangeAspect="1"/>
-          </p:cNvPicPr>
-          <p:nvPr/>
-        </p:nvPicPr>
-        <p:blipFill>
-          <a:blip r:embed="rId3"/>
-          <a:stretch>
-            <a:fillRect/>
-          </a:stretch>
-        </p:blipFill>
-        <p:spPr>
-          <a:xfrm>
-            <a:off x="713991" y="5029419"/>
-            <a:ext cx="4809524" cy="657143"/>
-          </a:xfrm>
-          <a:prstGeom prst="rect">
-            <a:avLst/>
-          </a:prstGeom>
-        </p:spPr>
-      </p:pic>
     </p:spTree>
-    <p:extLst>
-      <p:ext uri="{BB962C8B-B14F-4D97-AF65-F5344CB8AC3E}">
-        <p14:creationId xmlns:p14="http://schemas.microsoft.com/office/powerpoint/2010/main" val="3870058200"/>
-      </p:ext>
-    </p:extLst>
   </p:cSld>
   <p:clrMapOvr>
     <a:masterClrMapping/>
@@ -13826,13 +12985,7 @@
       </p:grpSpPr>
       <p:sp>
         <p:nvSpPr>
-          <p:cNvPr id="2" name="标题 1">
-            <a:extLst>
-              <a:ext uri="{FF2B5EF4-FFF2-40B4-BE49-F238E27FC236}">
-                <a16:creationId xmlns:a16="http://schemas.microsoft.com/office/drawing/2014/main" id="{6047A424-70D7-4CCC-966E-2695D258EB84}"/>
-              </a:ext>
-            </a:extLst>
-          </p:cNvPr>
+          <p:cNvPr id="2" name="标题 1"/>
           <p:cNvSpPr>
             <a:spLocks noGrp="1"/>
           </p:cNvSpPr>
@@ -13876,13 +13029,7 @@
       </p:sp>
       <p:sp>
         <p:nvSpPr>
-          <p:cNvPr id="3" name="内容占位符 2">
-            <a:extLst>
-              <a:ext uri="{FF2B5EF4-FFF2-40B4-BE49-F238E27FC236}">
-                <a16:creationId xmlns:a16="http://schemas.microsoft.com/office/drawing/2014/main" id="{349EB7CE-ACB9-461D-ABD1-C4B53C255AF1}"/>
-              </a:ext>
-            </a:extLst>
-          </p:cNvPr>
+          <p:cNvPr id="3" name="内容占位符 2"/>
           <p:cNvSpPr>
             <a:spLocks noGrp="1"/>
           </p:cNvSpPr>
@@ -13936,6 +13083,7 @@
               <a:rPr lang="en-US" altLang="zh-CN" dirty="0"/>
               <a:t>.</a:t>
             </a:r>
+            <a:endParaRPr lang="en-US" altLang="zh-CN" dirty="0"/>
           </a:p>
           <a:p>
             <a:r>
@@ -13952,20 +13100,14 @@
       </p:sp>
       <p:pic>
         <p:nvPicPr>
-          <p:cNvPr id="5" name="图片 4">
-            <a:extLst>
-              <a:ext uri="{FF2B5EF4-FFF2-40B4-BE49-F238E27FC236}">
-                <a16:creationId xmlns:a16="http://schemas.microsoft.com/office/drawing/2014/main" id="{AF2E7EFC-788A-4101-AC83-260EF365DD10}"/>
-              </a:ext>
-            </a:extLst>
-          </p:cNvPr>
+          <p:cNvPr id="5" name="图片 4"/>
           <p:cNvPicPr>
             <a:picLocks noChangeAspect="1"/>
           </p:cNvPicPr>
           <p:nvPr/>
         </p:nvPicPr>
         <p:blipFill>
-          <a:blip r:embed="rId2"/>
+          <a:blip r:embed="rId1"/>
           <a:stretch>
             <a:fillRect/>
           </a:stretch>
@@ -13981,11 +13123,6 @@
         </p:spPr>
       </p:pic>
     </p:spTree>
-    <p:extLst>
-      <p:ext uri="{BB962C8B-B14F-4D97-AF65-F5344CB8AC3E}">
-        <p14:creationId xmlns:p14="http://schemas.microsoft.com/office/powerpoint/2010/main" val="2401338127"/>
-      </p:ext>
-    </p:extLst>
   </p:cSld>
   <p:clrMapOvr>
     <a:masterClrMapping/>
@@ -14012,13 +13149,7 @@
       </p:grpSpPr>
       <p:sp>
         <p:nvSpPr>
-          <p:cNvPr id="2" name="标题 1">
-            <a:extLst>
-              <a:ext uri="{FF2B5EF4-FFF2-40B4-BE49-F238E27FC236}">
-                <a16:creationId xmlns:a16="http://schemas.microsoft.com/office/drawing/2014/main" id="{6047A424-70D7-4CCC-966E-2695D258EB84}"/>
-              </a:ext>
-            </a:extLst>
-          </p:cNvPr>
+          <p:cNvPr id="2" name="标题 1"/>
           <p:cNvSpPr>
             <a:spLocks noGrp="1"/>
           </p:cNvSpPr>
@@ -14062,13 +13193,7 @@
       </p:sp>
       <p:sp>
         <p:nvSpPr>
-          <p:cNvPr id="3" name="内容占位符 2">
-            <a:extLst>
-              <a:ext uri="{FF2B5EF4-FFF2-40B4-BE49-F238E27FC236}">
-                <a16:creationId xmlns:a16="http://schemas.microsoft.com/office/drawing/2014/main" id="{349EB7CE-ACB9-461D-ABD1-C4B53C255AF1}"/>
-              </a:ext>
-            </a:extLst>
-          </p:cNvPr>
+          <p:cNvPr id="3" name="内容占位符 2"/>
           <p:cNvSpPr>
             <a:spLocks noGrp="1"/>
           </p:cNvSpPr>
@@ -14100,13 +13225,31 @@
       </p:sp>
       <p:pic>
         <p:nvPicPr>
-          <p:cNvPr id="4" name="图片 3">
-            <a:extLst>
-              <a:ext uri="{FF2B5EF4-FFF2-40B4-BE49-F238E27FC236}">
-                <a16:creationId xmlns:a16="http://schemas.microsoft.com/office/drawing/2014/main" id="{376FA59E-9449-4066-82D6-3B2C6E49E343}"/>
-              </a:ext>
-            </a:extLst>
-          </p:cNvPr>
+          <p:cNvPr id="4" name="图片 3"/>
+          <p:cNvPicPr>
+            <a:picLocks noChangeAspect="1"/>
+          </p:cNvPicPr>
+          <p:nvPr/>
+        </p:nvPicPr>
+        <p:blipFill>
+          <a:blip r:embed="rId1"/>
+          <a:stretch>
+            <a:fillRect/>
+          </a:stretch>
+        </p:blipFill>
+        <p:spPr>
+          <a:xfrm>
+            <a:off x="635685" y="2247379"/>
+            <a:ext cx="3504762" cy="2161905"/>
+          </a:xfrm>
+          <a:prstGeom prst="rect">
+            <a:avLst/>
+          </a:prstGeom>
+        </p:spPr>
+      </p:pic>
+      <p:pic>
+        <p:nvPicPr>
+          <p:cNvPr id="6" name="图片 5"/>
           <p:cNvPicPr>
             <a:picLocks noChangeAspect="1"/>
           </p:cNvPicPr>
@@ -14120,50 +13263,15 @@
         </p:blipFill>
         <p:spPr>
           <a:xfrm>
-            <a:off x="635685" y="2247379"/>
-            <a:ext cx="3504762" cy="2161905"/>
+            <a:off x="0" y="4611372"/>
+            <a:ext cx="12192000" cy="1246496"/>
           </a:xfrm>
           <a:prstGeom prst="rect">
             <a:avLst/>
           </a:prstGeom>
         </p:spPr>
       </p:pic>
-      <p:pic>
-        <p:nvPicPr>
-          <p:cNvPr id="6" name="图片 5">
-            <a:extLst>
-              <a:ext uri="{FF2B5EF4-FFF2-40B4-BE49-F238E27FC236}">
-                <a16:creationId xmlns:a16="http://schemas.microsoft.com/office/drawing/2014/main" id="{592AB69C-11F2-46B8-BF96-0D634856305B}"/>
-              </a:ext>
-            </a:extLst>
-          </p:cNvPr>
-          <p:cNvPicPr>
-            <a:picLocks noChangeAspect="1"/>
-          </p:cNvPicPr>
-          <p:nvPr/>
-        </p:nvPicPr>
-        <p:blipFill>
-          <a:blip r:embed="rId3"/>
-          <a:stretch>
-            <a:fillRect/>
-          </a:stretch>
-        </p:blipFill>
-        <p:spPr>
-          <a:xfrm>
-            <a:off x="0" y="4611372"/>
-            <a:ext cx="12192000" cy="1246496"/>
-          </a:xfrm>
-          <a:prstGeom prst="rect">
-            <a:avLst/>
-          </a:prstGeom>
-        </p:spPr>
-      </p:pic>
     </p:spTree>
-    <p:extLst>
-      <p:ext uri="{BB962C8B-B14F-4D97-AF65-F5344CB8AC3E}">
-        <p14:creationId xmlns:p14="http://schemas.microsoft.com/office/powerpoint/2010/main" val="465742242"/>
-      </p:ext>
-    </p:extLst>
   </p:cSld>
   <p:clrMapOvr>
     <a:masterClrMapping/>
@@ -14214,7 +13322,7 @@
     </a:clrScheme>
     <a:fontScheme name="Office">
       <a:majorFont>
-        <a:latin typeface="等线 Light" panose="020F0302020204030204"/>
+        <a:latin typeface="等线 Light"/>
         <a:ea typeface=""/>
         <a:cs typeface=""/>
         <a:font script="Jpan" typeface="游ゴシック Light"/>
@@ -14247,26 +13355,9 @@
         <a:font script="Viet" typeface="Times New Roman"/>
         <a:font script="Uigh" typeface="Microsoft Uighur"/>
         <a:font script="Geor" typeface="Sylfaen"/>
-        <a:font script="Armn" typeface="Arial"/>
-        <a:font script="Bugi" typeface="Leelawadee UI"/>
-        <a:font script="Bopo" typeface="Microsoft JhengHei"/>
-        <a:font script="Java" typeface="Javanese Text"/>
-        <a:font script="Lisu" typeface="Segoe UI"/>
-        <a:font script="Mymr" typeface="Myanmar Text"/>
-        <a:font script="Nkoo" typeface="Ebrima"/>
-        <a:font script="Olck" typeface="Nirmala UI"/>
-        <a:font script="Osma" typeface="Ebrima"/>
-        <a:font script="Phag" typeface="Phagspa"/>
-        <a:font script="Syrn" typeface="Estrangelo Edessa"/>
-        <a:font script="Syrj" typeface="Estrangelo Edessa"/>
-        <a:font script="Syre" typeface="Estrangelo Edessa"/>
-        <a:font script="Sora" typeface="Nirmala UI"/>
-        <a:font script="Tale" typeface="Microsoft Tai Le"/>
-        <a:font script="Talu" typeface="Microsoft New Tai Lue"/>
-        <a:font script="Tfng" typeface="Ebrima"/>
       </a:majorFont>
       <a:minorFont>
-        <a:latin typeface="等线" panose="020F0502020204030204"/>
+        <a:latin typeface="等线"/>
         <a:ea typeface=""/>
         <a:cs typeface=""/>
         <a:font script="Jpan" typeface="游ゴシック"/>
@@ -14299,23 +13390,6 @@
         <a:font script="Viet" typeface="Arial"/>
         <a:font script="Uigh" typeface="Microsoft Uighur"/>
         <a:font script="Geor" typeface="Sylfaen"/>
-        <a:font script="Armn" typeface="Arial"/>
-        <a:font script="Bugi" typeface="Leelawadee UI"/>
-        <a:font script="Bopo" typeface="Microsoft JhengHei"/>
-        <a:font script="Java" typeface="Javanese Text"/>
-        <a:font script="Lisu" typeface="Segoe UI"/>
-        <a:font script="Mymr" typeface="Myanmar Text"/>
-        <a:font script="Nkoo" typeface="Ebrima"/>
-        <a:font script="Olck" typeface="Nirmala UI"/>
-        <a:font script="Osma" typeface="Ebrima"/>
-        <a:font script="Phag" typeface="Phagspa"/>
-        <a:font script="Syrn" typeface="Estrangelo Edessa"/>
-        <a:font script="Syrj" typeface="Estrangelo Edessa"/>
-        <a:font script="Syre" typeface="Estrangelo Edessa"/>
-        <a:font script="Sora" typeface="Nirmala UI"/>
-        <a:font script="Tale" typeface="Microsoft Tai Le"/>
-        <a:font script="Talu" typeface="Microsoft New Tai Lue"/>
-        <a:font script="Tfng" typeface="Ebrima"/>
       </a:minorFont>
     </a:fontScheme>
     <a:fmtScheme name="Office">
@@ -14456,8 +13530,6 @@
       </a:bgFillStyleLst>
     </a:fmtScheme>
   </a:themeElements>
-  <a:objectDefaults/>
-  <a:extraClrSchemeLst/>
   <a:extLst>
     <a:ext uri="{05A4C25C-085E-4340-85A3-A5531E510DB2}">
       <thm15:themeFamily xmlns:thm15="http://schemas.microsoft.com/office/thememl/2012/main" name="Office Theme" id="{62F939B6-93AF-4DB8-9C6B-D6C7DFDC589F}" vid="{4A3C46E8-61CC-4603-A589-7422A47A8E4A}"/>
